--- a/review 2.pptx
+++ b/review 2.pptx
@@ -2,7 +2,7 @@
 <file path=ppt/presentation.xml><?xml version="1.0" encoding="utf-8"?>
 <p:presentation xmlns:a="http://schemas.openxmlformats.org/drawingml/2006/main" xmlns:r="http://schemas.openxmlformats.org/officeDocument/2006/relationships" xmlns:p="http://schemas.openxmlformats.org/presentationml/2006/main" saveSubsetFonts="1">
   <p:sldMasterIdLst>
-    <p:sldMasterId id="2147483648" r:id="rId1"/>
+    <p:sldMasterId id="2147483660" r:id="rId1"/>
   </p:sldMasterIdLst>
   <p:sldIdLst>
     <p:sldId id="256" r:id="rId2"/>
@@ -14,6 +14,7 @@
     <p:sldId id="262" r:id="rId8"/>
     <p:sldId id="263" r:id="rId9"/>
     <p:sldId id="264" r:id="rId10"/>
+    <p:sldId id="265" r:id="rId11"/>
   </p:sldIdLst>
   <p:sldSz cx="12192000" cy="6858000"/>
   <p:notesSz cx="6858000" cy="9144000"/>
@@ -21,7 +22,7 @@
     <a:defPPr>
       <a:defRPr lang="en-US"/>
     </a:defPPr>
-    <a:lvl1pPr marL="0" algn="l" defTabSz="914400" rtl="0" eaLnBrk="1" latinLnBrk="0" hangingPunct="1">
+    <a:lvl1pPr marL="0" algn="l" defTabSz="457200" rtl="0" eaLnBrk="1" latinLnBrk="0" hangingPunct="1">
       <a:defRPr sz="1800" kern="1200">
         <a:solidFill>
           <a:schemeClr val="tx1"/>
@@ -31,7 +32,7 @@
         <a:cs typeface="+mn-cs"/>
       </a:defRPr>
     </a:lvl1pPr>
-    <a:lvl2pPr marL="457200" algn="l" defTabSz="914400" rtl="0" eaLnBrk="1" latinLnBrk="0" hangingPunct="1">
+    <a:lvl2pPr marL="457200" algn="l" defTabSz="457200" rtl="0" eaLnBrk="1" latinLnBrk="0" hangingPunct="1">
       <a:defRPr sz="1800" kern="1200">
         <a:solidFill>
           <a:schemeClr val="tx1"/>
@@ -41,7 +42,7 @@
         <a:cs typeface="+mn-cs"/>
       </a:defRPr>
     </a:lvl2pPr>
-    <a:lvl3pPr marL="914400" algn="l" defTabSz="914400" rtl="0" eaLnBrk="1" latinLnBrk="0" hangingPunct="1">
+    <a:lvl3pPr marL="914400" algn="l" defTabSz="457200" rtl="0" eaLnBrk="1" latinLnBrk="0" hangingPunct="1">
       <a:defRPr sz="1800" kern="1200">
         <a:solidFill>
           <a:schemeClr val="tx1"/>
@@ -51,7 +52,7 @@
         <a:cs typeface="+mn-cs"/>
       </a:defRPr>
     </a:lvl3pPr>
-    <a:lvl4pPr marL="1371600" algn="l" defTabSz="914400" rtl="0" eaLnBrk="1" latinLnBrk="0" hangingPunct="1">
+    <a:lvl4pPr marL="1371600" algn="l" defTabSz="457200" rtl="0" eaLnBrk="1" latinLnBrk="0" hangingPunct="1">
       <a:defRPr sz="1800" kern="1200">
         <a:solidFill>
           <a:schemeClr val="tx1"/>
@@ -61,7 +62,7 @@
         <a:cs typeface="+mn-cs"/>
       </a:defRPr>
     </a:lvl4pPr>
-    <a:lvl5pPr marL="1828800" algn="l" defTabSz="914400" rtl="0" eaLnBrk="1" latinLnBrk="0" hangingPunct="1">
+    <a:lvl5pPr marL="1828800" algn="l" defTabSz="457200" rtl="0" eaLnBrk="1" latinLnBrk="0" hangingPunct="1">
       <a:defRPr sz="1800" kern="1200">
         <a:solidFill>
           <a:schemeClr val="tx1"/>
@@ -71,7 +72,7 @@
         <a:cs typeface="+mn-cs"/>
       </a:defRPr>
     </a:lvl5pPr>
-    <a:lvl6pPr marL="2286000" algn="l" defTabSz="914400" rtl="0" eaLnBrk="1" latinLnBrk="0" hangingPunct="1">
+    <a:lvl6pPr marL="2286000" algn="l" defTabSz="457200" rtl="0" eaLnBrk="1" latinLnBrk="0" hangingPunct="1">
       <a:defRPr sz="1800" kern="1200">
         <a:solidFill>
           <a:schemeClr val="tx1"/>
@@ -81,7 +82,7 @@
         <a:cs typeface="+mn-cs"/>
       </a:defRPr>
     </a:lvl6pPr>
-    <a:lvl7pPr marL="2743200" algn="l" defTabSz="914400" rtl="0" eaLnBrk="1" latinLnBrk="0" hangingPunct="1">
+    <a:lvl7pPr marL="2743200" algn="l" defTabSz="457200" rtl="0" eaLnBrk="1" latinLnBrk="0" hangingPunct="1">
       <a:defRPr sz="1800" kern="1200">
         <a:solidFill>
           <a:schemeClr val="tx1"/>
@@ -91,7 +92,7 @@
         <a:cs typeface="+mn-cs"/>
       </a:defRPr>
     </a:lvl7pPr>
-    <a:lvl8pPr marL="3200400" algn="l" defTabSz="914400" rtl="0" eaLnBrk="1" latinLnBrk="0" hangingPunct="1">
+    <a:lvl8pPr marL="3200400" algn="l" defTabSz="457200" rtl="0" eaLnBrk="1" latinLnBrk="0" hangingPunct="1">
       <a:defRPr sz="1800" kern="1200">
         <a:solidFill>
           <a:schemeClr val="tx1"/>
@@ -101,7 +102,7 @@
         <a:cs typeface="+mn-cs"/>
       </a:defRPr>
     </a:lvl8pPr>
-    <a:lvl9pPr marL="3657600" algn="l" defTabSz="914400" rtl="0" eaLnBrk="1" latinLnBrk="0" hangingPunct="1">
+    <a:lvl9pPr marL="3657600" algn="l" defTabSz="457200" rtl="0" eaLnBrk="1" latinLnBrk="0" hangingPunct="1">
       <a:defRPr sz="1800" kern="1200">
         <a:solidFill>
           <a:schemeClr val="tx1"/>
@@ -112,6 +113,11 @@
       </a:defRPr>
     </a:lvl9pPr>
   </p:defaultTextStyle>
+  <p:extLst>
+    <p:ext uri="{EFAFB233-063F-42B5-8137-9DF3F51BA10A}">
+      <p15:sldGuideLst xmlns:p15="http://schemas.microsoft.com/office/powerpoint/2012/main"/>
+    </p:ext>
+  </p:extLst>
 </p:presentation>
 </file>
 
@@ -134,13 +140,7 @@
       </p:grpSpPr>
       <p:sp>
         <p:nvSpPr>
-          <p:cNvPr id="2" name="Title 1">
-            <a:extLst>
-              <a:ext uri="{FF2B5EF4-FFF2-40B4-BE49-F238E27FC236}">
-                <a16:creationId xmlns:a16="http://schemas.microsoft.com/office/drawing/2014/main" id="{3E4635BB-9208-F47C-2B74-DA73C4D553A2}"/>
-              </a:ext>
-            </a:extLst>
-          </p:cNvPr>
+          <p:cNvPr id="2" name="Title 1"/>
           <p:cNvSpPr>
             <a:spLocks noGrp="1"/>
           </p:cNvSpPr>
@@ -150,15 +150,15 @@
         </p:nvSpPr>
         <p:spPr>
           <a:xfrm>
-            <a:off x="1524000" y="1122363"/>
-            <a:ext cx="9144000" cy="2387600"/>
+            <a:off x="1154955" y="1447800"/>
+            <a:ext cx="8825658" cy="3329581"/>
           </a:xfrm>
         </p:spPr>
         <p:txBody>
           <a:bodyPr anchor="b"/>
           <a:lstStyle>
-            <a:lvl1pPr algn="ctr">
-              <a:defRPr sz="6000"/>
+            <a:lvl1pPr>
+              <a:defRPr sz="7200"/>
             </a:lvl1pPr>
           </a:lstStyle>
           <a:p>
@@ -166,19 +166,13 @@
               <a:rPr lang="en-US"/>
               <a:t>Click to edit Master title style</a:t>
             </a:r>
-            <a:endParaRPr lang="en-IN"/>
-          </a:p>
-        </p:txBody>
-      </p:sp>
-      <p:sp>
-        <p:nvSpPr>
-          <p:cNvPr id="3" name="Subtitle 2">
-            <a:extLst>
-              <a:ext uri="{FF2B5EF4-FFF2-40B4-BE49-F238E27FC236}">
-                <a16:creationId xmlns:a16="http://schemas.microsoft.com/office/drawing/2014/main" id="{1EAC3019-5431-172B-2E2D-DB0656783AF2}"/>
-              </a:ext>
-            </a:extLst>
-          </p:cNvPr>
+            <a:endParaRPr lang="en-US" dirty="0"/>
+          </a:p>
+        </p:txBody>
+      </p:sp>
+      <p:sp>
+        <p:nvSpPr>
+          <p:cNvPr id="3" name="Subtitle 2"/>
           <p:cNvSpPr>
             <a:spLocks noGrp="1"/>
           </p:cNvSpPr>
@@ -188,48 +182,103 @@
         </p:nvSpPr>
         <p:spPr>
           <a:xfrm>
-            <a:off x="1524000" y="3602038"/>
-            <a:ext cx="9144000" cy="1655762"/>
+            <a:off x="1154955" y="4777380"/>
+            <a:ext cx="8825658" cy="861420"/>
           </a:xfrm>
         </p:spPr>
         <p:txBody>
-          <a:bodyPr/>
+          <a:bodyPr anchor="t"/>
           <a:lstStyle>
-            <a:lvl1pPr marL="0" indent="0" algn="ctr">
-              <a:buNone/>
-              <a:defRPr sz="2400"/>
+            <a:lvl1pPr marL="0" indent="0" algn="l">
+              <a:buNone/>
+              <a:defRPr cap="all">
+                <a:solidFill>
+                  <a:schemeClr val="bg2">
+                    <a:lumMod val="40000"/>
+                    <a:lumOff val="60000"/>
+                  </a:schemeClr>
+                </a:solidFill>
+              </a:defRPr>
             </a:lvl1pPr>
             <a:lvl2pPr marL="457200" indent="0" algn="ctr">
               <a:buNone/>
-              <a:defRPr sz="2000"/>
+              <a:defRPr>
+                <a:solidFill>
+                  <a:schemeClr val="tx1">
+                    <a:tint val="75000"/>
+                  </a:schemeClr>
+                </a:solidFill>
+              </a:defRPr>
             </a:lvl2pPr>
             <a:lvl3pPr marL="914400" indent="0" algn="ctr">
               <a:buNone/>
-              <a:defRPr sz="1800"/>
+              <a:defRPr>
+                <a:solidFill>
+                  <a:schemeClr val="tx1">
+                    <a:tint val="75000"/>
+                  </a:schemeClr>
+                </a:solidFill>
+              </a:defRPr>
             </a:lvl3pPr>
             <a:lvl4pPr marL="1371600" indent="0" algn="ctr">
               <a:buNone/>
-              <a:defRPr sz="1600"/>
+              <a:defRPr>
+                <a:solidFill>
+                  <a:schemeClr val="tx1">
+                    <a:tint val="75000"/>
+                  </a:schemeClr>
+                </a:solidFill>
+              </a:defRPr>
             </a:lvl4pPr>
             <a:lvl5pPr marL="1828800" indent="0" algn="ctr">
               <a:buNone/>
-              <a:defRPr sz="1600"/>
+              <a:defRPr>
+                <a:solidFill>
+                  <a:schemeClr val="tx1">
+                    <a:tint val="75000"/>
+                  </a:schemeClr>
+                </a:solidFill>
+              </a:defRPr>
             </a:lvl5pPr>
             <a:lvl6pPr marL="2286000" indent="0" algn="ctr">
               <a:buNone/>
-              <a:defRPr sz="1600"/>
+              <a:defRPr>
+                <a:solidFill>
+                  <a:schemeClr val="tx1">
+                    <a:tint val="75000"/>
+                  </a:schemeClr>
+                </a:solidFill>
+              </a:defRPr>
             </a:lvl6pPr>
             <a:lvl7pPr marL="2743200" indent="0" algn="ctr">
               <a:buNone/>
-              <a:defRPr sz="1600"/>
+              <a:defRPr>
+                <a:solidFill>
+                  <a:schemeClr val="tx1">
+                    <a:tint val="75000"/>
+                  </a:schemeClr>
+                </a:solidFill>
+              </a:defRPr>
             </a:lvl7pPr>
             <a:lvl8pPr marL="3200400" indent="0" algn="ctr">
               <a:buNone/>
-              <a:defRPr sz="1600"/>
+              <a:defRPr>
+                <a:solidFill>
+                  <a:schemeClr val="tx1">
+                    <a:tint val="75000"/>
+                  </a:schemeClr>
+                </a:solidFill>
+              </a:defRPr>
             </a:lvl8pPr>
             <a:lvl9pPr marL="3657600" indent="0" algn="ctr">
               <a:buNone/>
-              <a:defRPr sz="1600"/>
+              <a:defRPr>
+                <a:solidFill>
+                  <a:schemeClr val="tx1">
+                    <a:tint val="75000"/>
+                  </a:schemeClr>
+                </a:solidFill>
+              </a:defRPr>
             </a:lvl9pPr>
           </a:lstStyle>
           <a:p>
@@ -237,19 +286,13 @@
               <a:rPr lang="en-US"/>
               <a:t>Click to edit Master subtitle style</a:t>
             </a:r>
-            <a:endParaRPr lang="en-IN"/>
-          </a:p>
-        </p:txBody>
-      </p:sp>
-      <p:sp>
-        <p:nvSpPr>
-          <p:cNvPr id="4" name="Date Placeholder 3">
-            <a:extLst>
-              <a:ext uri="{FF2B5EF4-FFF2-40B4-BE49-F238E27FC236}">
-                <a16:creationId xmlns:a16="http://schemas.microsoft.com/office/drawing/2014/main" id="{6D4C7368-86A1-425D-8D76-BE5A598A7090}"/>
-              </a:ext>
-            </a:extLst>
-          </p:cNvPr>
+            <a:endParaRPr lang="en-US" dirty="0"/>
+          </a:p>
+        </p:txBody>
+      </p:sp>
+      <p:sp>
+        <p:nvSpPr>
+          <p:cNvPr id="4" name="Date Placeholder 3"/>
           <p:cNvSpPr>
             <a:spLocks noGrp="1"/>
           </p:cNvSpPr>
@@ -264,7 +307,7 @@
           <a:p>
             <a:fld id="{5BFDB454-C351-4665-A551-EB636ED755C8}" type="datetimeFigureOut">
               <a:rPr lang="en-IN" smtClean="0"/>
-              <a:t>04-10-2025</a:t>
+              <a:t>08-10-2025</a:t>
             </a:fld>
             <a:endParaRPr lang="en-IN"/>
           </a:p>
@@ -272,13 +315,7 @@
       </p:sp>
       <p:sp>
         <p:nvSpPr>
-          <p:cNvPr id="5" name="Footer Placeholder 4">
-            <a:extLst>
-              <a:ext uri="{FF2B5EF4-FFF2-40B4-BE49-F238E27FC236}">
-                <a16:creationId xmlns:a16="http://schemas.microsoft.com/office/drawing/2014/main" id="{9E7AED4C-46C2-DAE8-E683-3051532F35D9}"/>
-              </a:ext>
-            </a:extLst>
-          </p:cNvPr>
+          <p:cNvPr id="5" name="Footer Placeholder 4"/>
           <p:cNvSpPr>
             <a:spLocks noGrp="1"/>
           </p:cNvSpPr>
@@ -297,13 +334,7 @@
       </p:sp>
       <p:sp>
         <p:nvSpPr>
-          <p:cNvPr id="6" name="Slide Number Placeholder 5">
-            <a:extLst>
-              <a:ext uri="{FF2B5EF4-FFF2-40B4-BE49-F238E27FC236}">
-                <a16:creationId xmlns:a16="http://schemas.microsoft.com/office/drawing/2014/main" id="{37E8589C-3287-130A-6C58-A059920BB889}"/>
-              </a:ext>
-            </a:extLst>
-          </p:cNvPr>
+          <p:cNvPr id="6" name="Slide Number Placeholder 5"/>
           <p:cNvSpPr>
             <a:spLocks noGrp="1"/>
           </p:cNvSpPr>
@@ -327,20 +358,20 @@
     </p:spTree>
     <p:extLst>
       <p:ext uri="{BB962C8B-B14F-4D97-AF65-F5344CB8AC3E}">
-        <p14:creationId xmlns:p14="http://schemas.microsoft.com/office/powerpoint/2010/main" val="2375066361"/>
+        <p14:creationId xmlns:p14="http://schemas.microsoft.com/office/powerpoint/2010/main" val="2003262912"/>
       </p:ext>
     </p:extLst>
   </p:cSld>
   <p:clrMapOvr>
     <a:masterClrMapping/>
   </p:clrMapOvr>
-  <mc:AlternateContent xmlns:mc="http://schemas.openxmlformats.org/markup-compatibility/2006">
-    <mc:Choice xmlns:p159="http://schemas.microsoft.com/office/powerpoint/2015/09/main" Requires="p159">
+  <mc:AlternateContent xmlns:mc="http://schemas.openxmlformats.org/markup-compatibility/2006" xmlns:p159="http://schemas.microsoft.com/office/powerpoint/2015/09/main">
+    <mc:Choice Requires="p159">
       <p:transition xmlns:p14="http://schemas.microsoft.com/office/powerpoint/2010/main" spd="slow" p14:dur="2000">
         <p159:morph option="byObject"/>
       </p:transition>
     </mc:Choice>
-    <mc:Fallback>
+    <mc:Fallback xmlns="">
       <p:transition spd="slow">
         <p:fade/>
       </p:transition>
@@ -350,6 +381,2572 @@
 </file>
 
 <file path=ppt/slideLayouts/slideLayout10.xml><?xml version="1.0" encoding="utf-8"?>
+<p:sldLayout xmlns:a="http://schemas.openxmlformats.org/drawingml/2006/main" xmlns:r="http://schemas.openxmlformats.org/officeDocument/2006/relationships" xmlns:p="http://schemas.openxmlformats.org/presentationml/2006/main" preserve="1">
+  <p:cSld name="Panoramic Picture with Caption">
+    <p:spTree>
+      <p:nvGrpSpPr>
+        <p:cNvPr id="1" name=""/>
+        <p:cNvGrpSpPr/>
+        <p:nvPr/>
+      </p:nvGrpSpPr>
+      <p:grpSpPr>
+        <a:xfrm>
+          <a:off x="0" y="0"/>
+          <a:ext cx="0" cy="0"/>
+          <a:chOff x="0" y="0"/>
+          <a:chExt cx="0" cy="0"/>
+        </a:xfrm>
+      </p:grpSpPr>
+      <p:sp>
+        <p:nvSpPr>
+          <p:cNvPr id="2" name="Title 1"/>
+          <p:cNvSpPr>
+            <a:spLocks noGrp="1"/>
+          </p:cNvSpPr>
+          <p:nvPr>
+            <p:ph type="title"/>
+          </p:nvPr>
+        </p:nvSpPr>
+        <p:spPr>
+          <a:xfrm>
+            <a:off x="1154956" y="4800587"/>
+            <a:ext cx="8825657" cy="566738"/>
+          </a:xfrm>
+        </p:spPr>
+        <p:txBody>
+          <a:bodyPr anchor="b">
+            <a:normAutofit/>
+          </a:bodyPr>
+          <a:lstStyle>
+            <a:lvl1pPr algn="l">
+              <a:defRPr sz="2400" b="0"/>
+            </a:lvl1pPr>
+          </a:lstStyle>
+          <a:p>
+            <a:r>
+              <a:rPr lang="en-US"/>
+              <a:t>Click to edit Master title style</a:t>
+            </a:r>
+            <a:endParaRPr lang="en-US" dirty="0"/>
+          </a:p>
+        </p:txBody>
+      </p:sp>
+      <p:sp>
+        <p:nvSpPr>
+          <p:cNvPr id="3" name="Picture Placeholder 2"/>
+          <p:cNvSpPr>
+            <a:spLocks noGrp="1" noChangeAspect="1"/>
+          </p:cNvSpPr>
+          <p:nvPr>
+            <p:ph type="pic" idx="1"/>
+          </p:nvPr>
+        </p:nvSpPr>
+        <p:spPr>
+          <a:xfrm>
+            <a:off x="1154955" y="685800"/>
+            <a:ext cx="8825658" cy="3640666"/>
+          </a:xfrm>
+          <a:prstGeom prst="roundRect">
+            <a:avLst>
+              <a:gd name="adj" fmla="val 1858"/>
+            </a:avLst>
+          </a:prstGeom>
+          <a:effectLst>
+            <a:outerShdw blurRad="50800" dist="50800" dir="5400000" algn="tl" rotWithShape="0">
+              <a:srgbClr val="000000">
+                <a:alpha val="43000"/>
+              </a:srgbClr>
+            </a:outerShdw>
+          </a:effectLst>
+        </p:spPr>
+        <p:txBody>
+          <a:bodyPr anchor="t">
+            <a:normAutofit/>
+          </a:bodyPr>
+          <a:lstStyle>
+            <a:lvl1pPr marL="0" indent="0" algn="ctr">
+              <a:buNone/>
+              <a:defRPr sz="1600"/>
+            </a:lvl1pPr>
+            <a:lvl2pPr marL="457200" indent="0">
+              <a:buNone/>
+              <a:defRPr sz="1600"/>
+            </a:lvl2pPr>
+            <a:lvl3pPr marL="914400" indent="0">
+              <a:buNone/>
+              <a:defRPr sz="1600"/>
+            </a:lvl3pPr>
+            <a:lvl4pPr marL="1371600" indent="0">
+              <a:buNone/>
+              <a:defRPr sz="1600"/>
+            </a:lvl4pPr>
+            <a:lvl5pPr marL="1828800" indent="0">
+              <a:buNone/>
+              <a:defRPr sz="1600"/>
+            </a:lvl5pPr>
+            <a:lvl6pPr marL="2286000" indent="0">
+              <a:buNone/>
+              <a:defRPr sz="1600"/>
+            </a:lvl6pPr>
+            <a:lvl7pPr marL="2743200" indent="0">
+              <a:buNone/>
+              <a:defRPr sz="1600"/>
+            </a:lvl7pPr>
+            <a:lvl8pPr marL="3200400" indent="0">
+              <a:buNone/>
+              <a:defRPr sz="1600"/>
+            </a:lvl8pPr>
+            <a:lvl9pPr marL="3657600" indent="0">
+              <a:buNone/>
+              <a:defRPr sz="1600"/>
+            </a:lvl9pPr>
+          </a:lstStyle>
+          <a:p>
+            <a:r>
+              <a:rPr lang="en-US"/>
+              <a:t>Click icon to add picture</a:t>
+            </a:r>
+            <a:endParaRPr lang="en-US" dirty="0"/>
+          </a:p>
+        </p:txBody>
+      </p:sp>
+      <p:sp>
+        <p:nvSpPr>
+          <p:cNvPr id="4" name="Text Placeholder 3"/>
+          <p:cNvSpPr>
+            <a:spLocks noGrp="1"/>
+          </p:cNvSpPr>
+          <p:nvPr>
+            <p:ph type="body" sz="half" idx="2"/>
+          </p:nvPr>
+        </p:nvSpPr>
+        <p:spPr>
+          <a:xfrm>
+            <a:off x="1154956" y="5367325"/>
+            <a:ext cx="8825656" cy="493712"/>
+          </a:xfrm>
+        </p:spPr>
+        <p:txBody>
+          <a:bodyPr>
+            <a:normAutofit/>
+          </a:bodyPr>
+          <a:lstStyle>
+            <a:lvl1pPr marL="0" indent="0">
+              <a:buNone/>
+              <a:defRPr sz="1200"/>
+            </a:lvl1pPr>
+            <a:lvl2pPr marL="457200" indent="0">
+              <a:buNone/>
+              <a:defRPr sz="1200"/>
+            </a:lvl2pPr>
+            <a:lvl3pPr marL="914400" indent="0">
+              <a:buNone/>
+              <a:defRPr sz="1000"/>
+            </a:lvl3pPr>
+            <a:lvl4pPr marL="1371600" indent="0">
+              <a:buNone/>
+              <a:defRPr sz="900"/>
+            </a:lvl4pPr>
+            <a:lvl5pPr marL="1828800" indent="0">
+              <a:buNone/>
+              <a:defRPr sz="900"/>
+            </a:lvl5pPr>
+            <a:lvl6pPr marL="2286000" indent="0">
+              <a:buNone/>
+              <a:defRPr sz="900"/>
+            </a:lvl6pPr>
+            <a:lvl7pPr marL="2743200" indent="0">
+              <a:buNone/>
+              <a:defRPr sz="900"/>
+            </a:lvl7pPr>
+            <a:lvl8pPr marL="3200400" indent="0">
+              <a:buNone/>
+              <a:defRPr sz="900"/>
+            </a:lvl8pPr>
+            <a:lvl9pPr marL="3657600" indent="0">
+              <a:buNone/>
+              <a:defRPr sz="900"/>
+            </a:lvl9pPr>
+          </a:lstStyle>
+          <a:p>
+            <a:pPr lvl="0"/>
+            <a:r>
+              <a:rPr lang="en-US"/>
+              <a:t>Click to edit Master text styles</a:t>
+            </a:r>
+          </a:p>
+        </p:txBody>
+      </p:sp>
+      <p:sp>
+        <p:nvSpPr>
+          <p:cNvPr id="5" name="Date Placeholder 4"/>
+          <p:cNvSpPr>
+            <a:spLocks noGrp="1"/>
+          </p:cNvSpPr>
+          <p:nvPr>
+            <p:ph type="dt" sz="half" idx="10"/>
+          </p:nvPr>
+        </p:nvSpPr>
+        <p:spPr/>
+        <p:txBody>
+          <a:bodyPr/>
+          <a:lstStyle/>
+          <a:p>
+            <a:fld id="{5BFDB454-C351-4665-A551-EB636ED755C8}" type="datetimeFigureOut">
+              <a:rPr lang="en-IN" smtClean="0"/>
+              <a:t>08-10-2025</a:t>
+            </a:fld>
+            <a:endParaRPr lang="en-IN"/>
+          </a:p>
+        </p:txBody>
+      </p:sp>
+      <p:sp>
+        <p:nvSpPr>
+          <p:cNvPr id="6" name="Footer Placeholder 5"/>
+          <p:cNvSpPr>
+            <a:spLocks noGrp="1"/>
+          </p:cNvSpPr>
+          <p:nvPr>
+            <p:ph type="ftr" sz="quarter" idx="11"/>
+          </p:nvPr>
+        </p:nvSpPr>
+        <p:spPr/>
+        <p:txBody>
+          <a:bodyPr/>
+          <a:lstStyle/>
+          <a:p>
+            <a:endParaRPr lang="en-IN"/>
+          </a:p>
+        </p:txBody>
+      </p:sp>
+      <p:sp>
+        <p:nvSpPr>
+          <p:cNvPr id="7" name="Slide Number Placeholder 6"/>
+          <p:cNvSpPr>
+            <a:spLocks noGrp="1"/>
+          </p:cNvSpPr>
+          <p:nvPr>
+            <p:ph type="sldNum" sz="quarter" idx="12"/>
+          </p:nvPr>
+        </p:nvSpPr>
+        <p:spPr/>
+        <p:txBody>
+          <a:bodyPr/>
+          <a:lstStyle/>
+          <a:p>
+            <a:fld id="{6AB4504B-EDD3-43D7-844F-5E9C642F7890}" type="slidenum">
+              <a:rPr lang="en-IN" smtClean="0"/>
+              <a:t>‹#›</a:t>
+            </a:fld>
+            <a:endParaRPr lang="en-IN"/>
+          </a:p>
+        </p:txBody>
+      </p:sp>
+    </p:spTree>
+    <p:extLst>
+      <p:ext uri="{BB962C8B-B14F-4D97-AF65-F5344CB8AC3E}">
+        <p14:creationId xmlns:p14="http://schemas.microsoft.com/office/powerpoint/2010/main" val="3231502786"/>
+      </p:ext>
+    </p:extLst>
+  </p:cSld>
+  <p:clrMapOvr>
+    <a:masterClrMapping/>
+  </p:clrMapOvr>
+</p:sldLayout>
+</file>
+
+<file path=ppt/slideLayouts/slideLayout11.xml><?xml version="1.0" encoding="utf-8"?>
+<p:sldLayout xmlns:a="http://schemas.openxmlformats.org/drawingml/2006/main" xmlns:r="http://schemas.openxmlformats.org/officeDocument/2006/relationships" xmlns:p="http://schemas.openxmlformats.org/presentationml/2006/main" preserve="1">
+  <p:cSld name="Title and Caption">
+    <p:spTree>
+      <p:nvGrpSpPr>
+        <p:cNvPr id="1" name=""/>
+        <p:cNvGrpSpPr/>
+        <p:nvPr/>
+      </p:nvGrpSpPr>
+      <p:grpSpPr>
+        <a:xfrm>
+          <a:off x="0" y="0"/>
+          <a:ext cx="0" cy="0"/>
+          <a:chOff x="0" y="0"/>
+          <a:chExt cx="0" cy="0"/>
+        </a:xfrm>
+      </p:grpSpPr>
+      <p:sp>
+        <p:nvSpPr>
+          <p:cNvPr id="2" name="Title 1"/>
+          <p:cNvSpPr>
+            <a:spLocks noGrp="1"/>
+          </p:cNvSpPr>
+          <p:nvPr>
+            <p:ph type="title"/>
+          </p:nvPr>
+        </p:nvSpPr>
+        <p:spPr>
+          <a:xfrm>
+            <a:off x="1154954" y="1447800"/>
+            <a:ext cx="8825659" cy="1981200"/>
+          </a:xfrm>
+        </p:spPr>
+        <p:txBody>
+          <a:bodyPr/>
+          <a:lstStyle>
+            <a:lvl1pPr>
+              <a:defRPr sz="4800"/>
+            </a:lvl1pPr>
+          </a:lstStyle>
+          <a:p>
+            <a:r>
+              <a:rPr lang="en-US"/>
+              <a:t>Click to edit Master title style</a:t>
+            </a:r>
+            <a:endParaRPr lang="en-US" dirty="0"/>
+          </a:p>
+        </p:txBody>
+      </p:sp>
+      <p:sp>
+        <p:nvSpPr>
+          <p:cNvPr id="8" name="Text Placeholder 3"/>
+          <p:cNvSpPr>
+            <a:spLocks noGrp="1"/>
+          </p:cNvSpPr>
+          <p:nvPr>
+            <p:ph type="body" sz="half" idx="2"/>
+          </p:nvPr>
+        </p:nvSpPr>
+        <p:spPr>
+          <a:xfrm>
+            <a:off x="1154954" y="3657600"/>
+            <a:ext cx="8825659" cy="2362200"/>
+          </a:xfrm>
+        </p:spPr>
+        <p:txBody>
+          <a:bodyPr anchor="ctr">
+            <a:normAutofit/>
+          </a:bodyPr>
+          <a:lstStyle>
+            <a:lvl1pPr marL="0" indent="0">
+              <a:buNone/>
+              <a:defRPr sz="1800"/>
+            </a:lvl1pPr>
+            <a:lvl2pPr marL="457200" indent="0">
+              <a:buNone/>
+              <a:defRPr sz="1200"/>
+            </a:lvl2pPr>
+            <a:lvl3pPr marL="914400" indent="0">
+              <a:buNone/>
+              <a:defRPr sz="1000"/>
+            </a:lvl3pPr>
+            <a:lvl4pPr marL="1371600" indent="0">
+              <a:buNone/>
+              <a:defRPr sz="900"/>
+            </a:lvl4pPr>
+            <a:lvl5pPr marL="1828800" indent="0">
+              <a:buNone/>
+              <a:defRPr sz="900"/>
+            </a:lvl5pPr>
+            <a:lvl6pPr marL="2286000" indent="0">
+              <a:buNone/>
+              <a:defRPr sz="900"/>
+            </a:lvl6pPr>
+            <a:lvl7pPr marL="2743200" indent="0">
+              <a:buNone/>
+              <a:defRPr sz="900"/>
+            </a:lvl7pPr>
+            <a:lvl8pPr marL="3200400" indent="0">
+              <a:buNone/>
+              <a:defRPr sz="900"/>
+            </a:lvl8pPr>
+            <a:lvl9pPr marL="3657600" indent="0">
+              <a:buNone/>
+              <a:defRPr sz="900"/>
+            </a:lvl9pPr>
+          </a:lstStyle>
+          <a:p>
+            <a:pPr lvl="0"/>
+            <a:r>
+              <a:rPr lang="en-US"/>
+              <a:t>Click to edit Master text styles</a:t>
+            </a:r>
+          </a:p>
+        </p:txBody>
+      </p:sp>
+      <p:sp>
+        <p:nvSpPr>
+          <p:cNvPr id="4" name="Date Placeholder 3"/>
+          <p:cNvSpPr>
+            <a:spLocks noGrp="1"/>
+          </p:cNvSpPr>
+          <p:nvPr>
+            <p:ph type="dt" sz="half" idx="10"/>
+          </p:nvPr>
+        </p:nvSpPr>
+        <p:spPr/>
+        <p:txBody>
+          <a:bodyPr/>
+          <a:lstStyle/>
+          <a:p>
+            <a:fld id="{5BFDB454-C351-4665-A551-EB636ED755C8}" type="datetimeFigureOut">
+              <a:rPr lang="en-IN" smtClean="0"/>
+              <a:t>08-10-2025</a:t>
+            </a:fld>
+            <a:endParaRPr lang="en-IN"/>
+          </a:p>
+        </p:txBody>
+      </p:sp>
+      <p:sp>
+        <p:nvSpPr>
+          <p:cNvPr id="5" name="Footer Placeholder 4"/>
+          <p:cNvSpPr>
+            <a:spLocks noGrp="1"/>
+          </p:cNvSpPr>
+          <p:nvPr>
+            <p:ph type="ftr" sz="quarter" idx="11"/>
+          </p:nvPr>
+        </p:nvSpPr>
+        <p:spPr/>
+        <p:txBody>
+          <a:bodyPr/>
+          <a:lstStyle/>
+          <a:p>
+            <a:endParaRPr lang="en-IN"/>
+          </a:p>
+        </p:txBody>
+      </p:sp>
+      <p:sp>
+        <p:nvSpPr>
+          <p:cNvPr id="6" name="Slide Number Placeholder 5"/>
+          <p:cNvSpPr>
+            <a:spLocks noGrp="1"/>
+          </p:cNvSpPr>
+          <p:nvPr>
+            <p:ph type="sldNum" sz="quarter" idx="12"/>
+          </p:nvPr>
+        </p:nvSpPr>
+        <p:spPr/>
+        <p:txBody>
+          <a:bodyPr/>
+          <a:lstStyle/>
+          <a:p>
+            <a:fld id="{6AB4504B-EDD3-43D7-844F-5E9C642F7890}" type="slidenum">
+              <a:rPr lang="en-IN" smtClean="0"/>
+              <a:t>‹#›</a:t>
+            </a:fld>
+            <a:endParaRPr lang="en-IN"/>
+          </a:p>
+        </p:txBody>
+      </p:sp>
+    </p:spTree>
+    <p:extLst>
+      <p:ext uri="{BB962C8B-B14F-4D97-AF65-F5344CB8AC3E}">
+        <p14:creationId xmlns:p14="http://schemas.microsoft.com/office/powerpoint/2010/main" val="22566167"/>
+      </p:ext>
+    </p:extLst>
+  </p:cSld>
+  <p:clrMapOvr>
+    <a:masterClrMapping/>
+  </p:clrMapOvr>
+</p:sldLayout>
+</file>
+
+<file path=ppt/slideLayouts/slideLayout12.xml><?xml version="1.0" encoding="utf-8"?>
+<p:sldLayout xmlns:a="http://schemas.openxmlformats.org/drawingml/2006/main" xmlns:r="http://schemas.openxmlformats.org/officeDocument/2006/relationships" xmlns:p="http://schemas.openxmlformats.org/presentationml/2006/main" preserve="1">
+  <p:cSld name="Quote with Caption">
+    <p:spTree>
+      <p:nvGrpSpPr>
+        <p:cNvPr id="1" name=""/>
+        <p:cNvGrpSpPr/>
+        <p:nvPr/>
+      </p:nvGrpSpPr>
+      <p:grpSpPr>
+        <a:xfrm>
+          <a:off x="0" y="0"/>
+          <a:ext cx="0" cy="0"/>
+          <a:chOff x="0" y="0"/>
+          <a:chExt cx="0" cy="0"/>
+        </a:xfrm>
+      </p:grpSpPr>
+      <p:sp>
+        <p:nvSpPr>
+          <p:cNvPr id="2" name="Title 1"/>
+          <p:cNvSpPr>
+            <a:spLocks noGrp="1"/>
+          </p:cNvSpPr>
+          <p:nvPr>
+            <p:ph type="title"/>
+          </p:nvPr>
+        </p:nvSpPr>
+        <p:spPr>
+          <a:xfrm>
+            <a:off x="1574801" y="1447800"/>
+            <a:ext cx="7999315" cy="2323374"/>
+          </a:xfrm>
+        </p:spPr>
+        <p:txBody>
+          <a:bodyPr/>
+          <a:lstStyle>
+            <a:lvl1pPr>
+              <a:defRPr sz="4800"/>
+            </a:lvl1pPr>
+          </a:lstStyle>
+          <a:p>
+            <a:r>
+              <a:rPr lang="en-US"/>
+              <a:t>Click to edit Master title style</a:t>
+            </a:r>
+            <a:endParaRPr lang="en-US" dirty="0"/>
+          </a:p>
+        </p:txBody>
+      </p:sp>
+      <p:sp>
+        <p:nvSpPr>
+          <p:cNvPr id="11" name="Text Placeholder 3"/>
+          <p:cNvSpPr>
+            <a:spLocks noGrp="1"/>
+          </p:cNvSpPr>
+          <p:nvPr>
+            <p:ph type="body" sz="half" idx="14"/>
+          </p:nvPr>
+        </p:nvSpPr>
+        <p:spPr>
+          <a:xfrm>
+            <a:off x="1930400" y="3771174"/>
+            <a:ext cx="7279649" cy="342174"/>
+          </a:xfrm>
+        </p:spPr>
+        <p:txBody>
+          <a:bodyPr vert="horz" lIns="91440" tIns="45720" rIns="91440" bIns="45720" rtlCol="0" anchor="t">
+            <a:normAutofit/>
+          </a:bodyPr>
+          <a:lstStyle>
+            <a:lvl1pPr marL="0" indent="0">
+              <a:buNone/>
+              <a:defRPr lang="en-US" sz="1400" b="0" i="0" kern="1200" cap="small" dirty="0">
+                <a:solidFill>
+                  <a:schemeClr val="bg2">
+                    <a:lumMod val="40000"/>
+                    <a:lumOff val="60000"/>
+                  </a:schemeClr>
+                </a:solidFill>
+                <a:latin typeface="+mj-lt"/>
+                <a:ea typeface="+mj-ea"/>
+                <a:cs typeface="+mj-cs"/>
+              </a:defRPr>
+            </a:lvl1pPr>
+            <a:lvl2pPr marL="457200" indent="0">
+              <a:buNone/>
+              <a:defRPr sz="1200"/>
+            </a:lvl2pPr>
+            <a:lvl3pPr marL="914400" indent="0">
+              <a:buNone/>
+              <a:defRPr sz="1000"/>
+            </a:lvl3pPr>
+            <a:lvl4pPr marL="1371600" indent="0">
+              <a:buNone/>
+              <a:defRPr sz="900"/>
+            </a:lvl4pPr>
+            <a:lvl5pPr marL="1828800" indent="0">
+              <a:buNone/>
+              <a:defRPr sz="900"/>
+            </a:lvl5pPr>
+            <a:lvl6pPr marL="2286000" indent="0">
+              <a:buNone/>
+              <a:defRPr sz="900"/>
+            </a:lvl6pPr>
+            <a:lvl7pPr marL="2743200" indent="0">
+              <a:buNone/>
+              <a:defRPr sz="900"/>
+            </a:lvl7pPr>
+            <a:lvl8pPr marL="3200400" indent="0">
+              <a:buNone/>
+              <a:defRPr sz="900"/>
+            </a:lvl8pPr>
+            <a:lvl9pPr marL="3657600" indent="0">
+              <a:buNone/>
+              <a:defRPr sz="900"/>
+            </a:lvl9pPr>
+          </a:lstStyle>
+          <a:p>
+            <a:pPr marL="0" lvl="0" indent="0">
+              <a:buNone/>
+            </a:pPr>
+            <a:r>
+              <a:rPr lang="en-US"/>
+              <a:t>Click to edit Master text styles</a:t>
+            </a:r>
+          </a:p>
+        </p:txBody>
+      </p:sp>
+      <p:sp>
+        <p:nvSpPr>
+          <p:cNvPr id="10" name="Text Placeholder 3"/>
+          <p:cNvSpPr>
+            <a:spLocks noGrp="1"/>
+          </p:cNvSpPr>
+          <p:nvPr>
+            <p:ph type="body" sz="half" idx="2"/>
+          </p:nvPr>
+        </p:nvSpPr>
+        <p:spPr>
+          <a:xfrm>
+            <a:off x="1154954" y="4350657"/>
+            <a:ext cx="8825659" cy="1676400"/>
+          </a:xfrm>
+        </p:spPr>
+        <p:txBody>
+          <a:bodyPr anchor="ctr">
+            <a:normAutofit/>
+          </a:bodyPr>
+          <a:lstStyle>
+            <a:lvl1pPr marL="0" indent="0">
+              <a:buNone/>
+              <a:defRPr sz="1800"/>
+            </a:lvl1pPr>
+            <a:lvl2pPr marL="457200" indent="0">
+              <a:buNone/>
+              <a:defRPr sz="1200"/>
+            </a:lvl2pPr>
+            <a:lvl3pPr marL="914400" indent="0">
+              <a:buNone/>
+              <a:defRPr sz="1000"/>
+            </a:lvl3pPr>
+            <a:lvl4pPr marL="1371600" indent="0">
+              <a:buNone/>
+              <a:defRPr sz="900"/>
+            </a:lvl4pPr>
+            <a:lvl5pPr marL="1828800" indent="0">
+              <a:buNone/>
+              <a:defRPr sz="900"/>
+            </a:lvl5pPr>
+            <a:lvl6pPr marL="2286000" indent="0">
+              <a:buNone/>
+              <a:defRPr sz="900"/>
+            </a:lvl6pPr>
+            <a:lvl7pPr marL="2743200" indent="0">
+              <a:buNone/>
+              <a:defRPr sz="900"/>
+            </a:lvl7pPr>
+            <a:lvl8pPr marL="3200400" indent="0">
+              <a:buNone/>
+              <a:defRPr sz="900"/>
+            </a:lvl8pPr>
+            <a:lvl9pPr marL="3657600" indent="0">
+              <a:buNone/>
+              <a:defRPr sz="900"/>
+            </a:lvl9pPr>
+          </a:lstStyle>
+          <a:p>
+            <a:pPr lvl="0"/>
+            <a:r>
+              <a:rPr lang="en-US"/>
+              <a:t>Click to edit Master text styles</a:t>
+            </a:r>
+          </a:p>
+        </p:txBody>
+      </p:sp>
+      <p:sp>
+        <p:nvSpPr>
+          <p:cNvPr id="4" name="Date Placeholder 3"/>
+          <p:cNvSpPr>
+            <a:spLocks noGrp="1"/>
+          </p:cNvSpPr>
+          <p:nvPr>
+            <p:ph type="dt" sz="half" idx="10"/>
+          </p:nvPr>
+        </p:nvSpPr>
+        <p:spPr/>
+        <p:txBody>
+          <a:bodyPr/>
+          <a:lstStyle/>
+          <a:p>
+            <a:fld id="{5BFDB454-C351-4665-A551-EB636ED755C8}" type="datetimeFigureOut">
+              <a:rPr lang="en-IN" smtClean="0"/>
+              <a:t>08-10-2025</a:t>
+            </a:fld>
+            <a:endParaRPr lang="en-IN"/>
+          </a:p>
+        </p:txBody>
+      </p:sp>
+      <p:sp>
+        <p:nvSpPr>
+          <p:cNvPr id="5" name="Footer Placeholder 4"/>
+          <p:cNvSpPr>
+            <a:spLocks noGrp="1"/>
+          </p:cNvSpPr>
+          <p:nvPr>
+            <p:ph type="ftr" sz="quarter" idx="11"/>
+          </p:nvPr>
+        </p:nvSpPr>
+        <p:spPr/>
+        <p:txBody>
+          <a:bodyPr/>
+          <a:lstStyle/>
+          <a:p>
+            <a:endParaRPr lang="en-IN"/>
+          </a:p>
+        </p:txBody>
+      </p:sp>
+      <p:sp>
+        <p:nvSpPr>
+          <p:cNvPr id="6" name="Slide Number Placeholder 5"/>
+          <p:cNvSpPr>
+            <a:spLocks noGrp="1"/>
+          </p:cNvSpPr>
+          <p:nvPr>
+            <p:ph type="sldNum" sz="quarter" idx="12"/>
+          </p:nvPr>
+        </p:nvSpPr>
+        <p:spPr/>
+        <p:txBody>
+          <a:bodyPr/>
+          <a:lstStyle/>
+          <a:p>
+            <a:fld id="{6AB4504B-EDD3-43D7-844F-5E9C642F7890}" type="slidenum">
+              <a:rPr lang="en-IN" smtClean="0"/>
+              <a:t>‹#›</a:t>
+            </a:fld>
+            <a:endParaRPr lang="en-IN"/>
+          </a:p>
+        </p:txBody>
+      </p:sp>
+      <p:sp>
+        <p:nvSpPr>
+          <p:cNvPr id="12" name="TextBox 11"/>
+          <p:cNvSpPr txBox="1"/>
+          <p:nvPr/>
+        </p:nvSpPr>
+        <p:spPr>
+          <a:xfrm>
+            <a:off x="898295" y="971253"/>
+            <a:ext cx="801912" cy="1969770"/>
+          </a:xfrm>
+          <a:prstGeom prst="rect">
+            <a:avLst/>
+          </a:prstGeom>
+          <a:noFill/>
+        </p:spPr>
+        <p:txBody>
+          <a:bodyPr wrap="square" rtlCol="0">
+            <a:spAutoFit/>
+          </a:bodyPr>
+          <a:lstStyle>
+            <a:defPPr>
+              <a:defRPr lang="en-US"/>
+            </a:defPPr>
+            <a:lvl1pPr algn="r">
+              <a:defRPr sz="12200" b="0" i="0">
+                <a:solidFill>
+                  <a:schemeClr val="bg2">
+                    <a:lumMod val="40000"/>
+                    <a:lumOff val="60000"/>
+                  </a:schemeClr>
+                </a:solidFill>
+                <a:latin typeface="Arial"/>
+                <a:ea typeface="+mj-ea"/>
+                <a:cs typeface="+mj-cs"/>
+              </a:defRPr>
+            </a:lvl1pPr>
+          </a:lstStyle>
+          <a:p>
+            <a:pPr lvl="0"/>
+            <a:r>
+              <a:rPr lang="en-US" dirty="0"/>
+              <a:t>“</a:t>
+            </a:r>
+          </a:p>
+        </p:txBody>
+      </p:sp>
+      <p:sp>
+        <p:nvSpPr>
+          <p:cNvPr id="15" name="TextBox 14"/>
+          <p:cNvSpPr txBox="1"/>
+          <p:nvPr/>
+        </p:nvSpPr>
+        <p:spPr>
+          <a:xfrm>
+            <a:off x="9330490" y="2613787"/>
+            <a:ext cx="801912" cy="1969770"/>
+          </a:xfrm>
+          <a:prstGeom prst="rect">
+            <a:avLst/>
+          </a:prstGeom>
+          <a:noFill/>
+        </p:spPr>
+        <p:txBody>
+          <a:bodyPr wrap="square" rtlCol="0">
+            <a:spAutoFit/>
+          </a:bodyPr>
+          <a:lstStyle>
+            <a:defPPr>
+              <a:defRPr lang="en-US"/>
+            </a:defPPr>
+            <a:lvl1pPr algn="r">
+              <a:defRPr sz="12200" b="0" i="0">
+                <a:solidFill>
+                  <a:schemeClr val="bg2">
+                    <a:lumMod val="40000"/>
+                    <a:lumOff val="60000"/>
+                  </a:schemeClr>
+                </a:solidFill>
+                <a:latin typeface="Arial"/>
+                <a:ea typeface="+mj-ea"/>
+                <a:cs typeface="+mj-cs"/>
+              </a:defRPr>
+            </a:lvl1pPr>
+          </a:lstStyle>
+          <a:p>
+            <a:pPr lvl="0"/>
+            <a:r>
+              <a:rPr lang="en-US" dirty="0"/>
+              <a:t>”</a:t>
+            </a:r>
+          </a:p>
+        </p:txBody>
+      </p:sp>
+    </p:spTree>
+    <p:extLst>
+      <p:ext uri="{BB962C8B-B14F-4D97-AF65-F5344CB8AC3E}">
+        <p14:creationId xmlns:p14="http://schemas.microsoft.com/office/powerpoint/2010/main" val="91636319"/>
+      </p:ext>
+    </p:extLst>
+  </p:cSld>
+  <p:clrMapOvr>
+    <a:masterClrMapping/>
+  </p:clrMapOvr>
+</p:sldLayout>
+</file>
+
+<file path=ppt/slideLayouts/slideLayout13.xml><?xml version="1.0" encoding="utf-8"?>
+<p:sldLayout xmlns:a="http://schemas.openxmlformats.org/drawingml/2006/main" xmlns:r="http://schemas.openxmlformats.org/officeDocument/2006/relationships" xmlns:p="http://schemas.openxmlformats.org/presentationml/2006/main" preserve="1">
+  <p:cSld name="Name Card">
+    <p:spTree>
+      <p:nvGrpSpPr>
+        <p:cNvPr id="1" name=""/>
+        <p:cNvGrpSpPr/>
+        <p:nvPr/>
+      </p:nvGrpSpPr>
+      <p:grpSpPr>
+        <a:xfrm>
+          <a:off x="0" y="0"/>
+          <a:ext cx="0" cy="0"/>
+          <a:chOff x="0" y="0"/>
+          <a:chExt cx="0" cy="0"/>
+        </a:xfrm>
+      </p:grpSpPr>
+      <p:sp>
+        <p:nvSpPr>
+          <p:cNvPr id="2" name="Title 1"/>
+          <p:cNvSpPr>
+            <a:spLocks noGrp="1"/>
+          </p:cNvSpPr>
+          <p:nvPr>
+            <p:ph type="title"/>
+          </p:nvPr>
+        </p:nvSpPr>
+        <p:spPr>
+          <a:xfrm>
+            <a:off x="1154954" y="3124201"/>
+            <a:ext cx="8825660" cy="1653180"/>
+          </a:xfrm>
+        </p:spPr>
+        <p:txBody>
+          <a:bodyPr anchor="b"/>
+          <a:lstStyle>
+            <a:lvl1pPr algn="l">
+              <a:defRPr sz="4000" b="0" cap="none"/>
+            </a:lvl1pPr>
+          </a:lstStyle>
+          <a:p>
+            <a:r>
+              <a:rPr lang="en-US"/>
+              <a:t>Click to edit Master title style</a:t>
+            </a:r>
+            <a:endParaRPr lang="en-US" dirty="0"/>
+          </a:p>
+        </p:txBody>
+      </p:sp>
+      <p:sp>
+        <p:nvSpPr>
+          <p:cNvPr id="3" name="Text Placeholder 2"/>
+          <p:cNvSpPr>
+            <a:spLocks noGrp="1"/>
+          </p:cNvSpPr>
+          <p:nvPr>
+            <p:ph type="body" idx="1"/>
+          </p:nvPr>
+        </p:nvSpPr>
+        <p:spPr>
+          <a:xfrm>
+            <a:off x="1154954" y="4777381"/>
+            <a:ext cx="8825659" cy="860400"/>
+          </a:xfrm>
+        </p:spPr>
+        <p:txBody>
+          <a:bodyPr anchor="t"/>
+          <a:lstStyle>
+            <a:lvl1pPr marL="0" indent="0" algn="l">
+              <a:buNone/>
+              <a:defRPr sz="2000" cap="none">
+                <a:solidFill>
+                  <a:schemeClr val="bg2">
+                    <a:lumMod val="40000"/>
+                    <a:lumOff val="60000"/>
+                  </a:schemeClr>
+                </a:solidFill>
+              </a:defRPr>
+            </a:lvl1pPr>
+            <a:lvl2pPr marL="457200" indent="0">
+              <a:buNone/>
+              <a:defRPr sz="1800">
+                <a:solidFill>
+                  <a:schemeClr val="tx1">
+                    <a:tint val="75000"/>
+                  </a:schemeClr>
+                </a:solidFill>
+              </a:defRPr>
+            </a:lvl2pPr>
+            <a:lvl3pPr marL="914400" indent="0">
+              <a:buNone/>
+              <a:defRPr sz="1600">
+                <a:solidFill>
+                  <a:schemeClr val="tx1">
+                    <a:tint val="75000"/>
+                  </a:schemeClr>
+                </a:solidFill>
+              </a:defRPr>
+            </a:lvl3pPr>
+            <a:lvl4pPr marL="1371600" indent="0">
+              <a:buNone/>
+              <a:defRPr sz="1400">
+                <a:solidFill>
+                  <a:schemeClr val="tx1">
+                    <a:tint val="75000"/>
+                  </a:schemeClr>
+                </a:solidFill>
+              </a:defRPr>
+            </a:lvl4pPr>
+            <a:lvl5pPr marL="1828800" indent="0">
+              <a:buNone/>
+              <a:defRPr sz="1400">
+                <a:solidFill>
+                  <a:schemeClr val="tx1">
+                    <a:tint val="75000"/>
+                  </a:schemeClr>
+                </a:solidFill>
+              </a:defRPr>
+            </a:lvl5pPr>
+            <a:lvl6pPr marL="2286000" indent="0">
+              <a:buNone/>
+              <a:defRPr sz="1400">
+                <a:solidFill>
+                  <a:schemeClr val="tx1">
+                    <a:tint val="75000"/>
+                  </a:schemeClr>
+                </a:solidFill>
+              </a:defRPr>
+            </a:lvl6pPr>
+            <a:lvl7pPr marL="2743200" indent="0">
+              <a:buNone/>
+              <a:defRPr sz="1400">
+                <a:solidFill>
+                  <a:schemeClr val="tx1">
+                    <a:tint val="75000"/>
+                  </a:schemeClr>
+                </a:solidFill>
+              </a:defRPr>
+            </a:lvl7pPr>
+            <a:lvl8pPr marL="3200400" indent="0">
+              <a:buNone/>
+              <a:defRPr sz="1400">
+                <a:solidFill>
+                  <a:schemeClr val="tx1">
+                    <a:tint val="75000"/>
+                  </a:schemeClr>
+                </a:solidFill>
+              </a:defRPr>
+            </a:lvl8pPr>
+            <a:lvl9pPr marL="3657600" indent="0">
+              <a:buNone/>
+              <a:defRPr sz="1400">
+                <a:solidFill>
+                  <a:schemeClr val="tx1">
+                    <a:tint val="75000"/>
+                  </a:schemeClr>
+                </a:solidFill>
+              </a:defRPr>
+            </a:lvl9pPr>
+          </a:lstStyle>
+          <a:p>
+            <a:pPr lvl="0"/>
+            <a:r>
+              <a:rPr lang="en-US"/>
+              <a:t>Click to edit Master text styles</a:t>
+            </a:r>
+          </a:p>
+        </p:txBody>
+      </p:sp>
+      <p:sp>
+        <p:nvSpPr>
+          <p:cNvPr id="4" name="Date Placeholder 3"/>
+          <p:cNvSpPr>
+            <a:spLocks noGrp="1"/>
+          </p:cNvSpPr>
+          <p:nvPr>
+            <p:ph type="dt" sz="half" idx="10"/>
+          </p:nvPr>
+        </p:nvSpPr>
+        <p:spPr/>
+        <p:txBody>
+          <a:bodyPr/>
+          <a:lstStyle/>
+          <a:p>
+            <a:fld id="{5BFDB454-C351-4665-A551-EB636ED755C8}" type="datetimeFigureOut">
+              <a:rPr lang="en-IN" smtClean="0"/>
+              <a:t>08-10-2025</a:t>
+            </a:fld>
+            <a:endParaRPr lang="en-IN"/>
+          </a:p>
+        </p:txBody>
+      </p:sp>
+      <p:sp>
+        <p:nvSpPr>
+          <p:cNvPr id="5" name="Footer Placeholder 4"/>
+          <p:cNvSpPr>
+            <a:spLocks noGrp="1"/>
+          </p:cNvSpPr>
+          <p:nvPr>
+            <p:ph type="ftr" sz="quarter" idx="11"/>
+          </p:nvPr>
+        </p:nvSpPr>
+        <p:spPr/>
+        <p:txBody>
+          <a:bodyPr/>
+          <a:lstStyle/>
+          <a:p>
+            <a:endParaRPr lang="en-IN"/>
+          </a:p>
+        </p:txBody>
+      </p:sp>
+      <p:sp>
+        <p:nvSpPr>
+          <p:cNvPr id="6" name="Slide Number Placeholder 5"/>
+          <p:cNvSpPr>
+            <a:spLocks noGrp="1"/>
+          </p:cNvSpPr>
+          <p:nvPr>
+            <p:ph type="sldNum" sz="quarter" idx="12"/>
+          </p:nvPr>
+        </p:nvSpPr>
+        <p:spPr/>
+        <p:txBody>
+          <a:bodyPr/>
+          <a:lstStyle/>
+          <a:p>
+            <a:fld id="{6AB4504B-EDD3-43D7-844F-5E9C642F7890}" type="slidenum">
+              <a:rPr lang="en-IN" smtClean="0"/>
+              <a:t>‹#›</a:t>
+            </a:fld>
+            <a:endParaRPr lang="en-IN"/>
+          </a:p>
+        </p:txBody>
+      </p:sp>
+    </p:spTree>
+    <p:extLst>
+      <p:ext uri="{BB962C8B-B14F-4D97-AF65-F5344CB8AC3E}">
+        <p14:creationId xmlns:p14="http://schemas.microsoft.com/office/powerpoint/2010/main" val="605090477"/>
+      </p:ext>
+    </p:extLst>
+  </p:cSld>
+  <p:clrMapOvr>
+    <a:masterClrMapping/>
+  </p:clrMapOvr>
+</p:sldLayout>
+</file>
+
+<file path=ppt/slideLayouts/slideLayout14.xml><?xml version="1.0" encoding="utf-8"?>
+<p:sldLayout xmlns:a="http://schemas.openxmlformats.org/drawingml/2006/main" xmlns:r="http://schemas.openxmlformats.org/officeDocument/2006/relationships" xmlns:p="http://schemas.openxmlformats.org/presentationml/2006/main" preserve="1">
+  <p:cSld name="3 Column">
+    <p:spTree>
+      <p:nvGrpSpPr>
+        <p:cNvPr id="1" name=""/>
+        <p:cNvGrpSpPr/>
+        <p:nvPr/>
+      </p:nvGrpSpPr>
+      <p:grpSpPr>
+        <a:xfrm>
+          <a:off x="0" y="0"/>
+          <a:ext cx="0" cy="0"/>
+          <a:chOff x="0" y="0"/>
+          <a:chExt cx="0" cy="0"/>
+        </a:xfrm>
+      </p:grpSpPr>
+      <p:sp>
+        <p:nvSpPr>
+          <p:cNvPr id="2" name="Title 1"/>
+          <p:cNvSpPr>
+            <a:spLocks noGrp="1"/>
+          </p:cNvSpPr>
+          <p:nvPr>
+            <p:ph type="title"/>
+          </p:nvPr>
+        </p:nvSpPr>
+        <p:spPr/>
+        <p:txBody>
+          <a:bodyPr/>
+          <a:lstStyle>
+            <a:lvl1pPr>
+              <a:defRPr sz="4200"/>
+            </a:lvl1pPr>
+          </a:lstStyle>
+          <a:p>
+            <a:r>
+              <a:rPr lang="en-US"/>
+              <a:t>Click to edit Master title style</a:t>
+            </a:r>
+            <a:endParaRPr lang="en-US" dirty="0"/>
+          </a:p>
+        </p:txBody>
+      </p:sp>
+      <p:sp>
+        <p:nvSpPr>
+          <p:cNvPr id="3" name="Text Placeholder 2"/>
+          <p:cNvSpPr>
+            <a:spLocks noGrp="1"/>
+          </p:cNvSpPr>
+          <p:nvPr>
+            <p:ph type="body" idx="1"/>
+          </p:nvPr>
+        </p:nvSpPr>
+        <p:spPr>
+          <a:xfrm>
+            <a:off x="632947" y="1981200"/>
+            <a:ext cx="2946866" cy="576262"/>
+          </a:xfrm>
+        </p:spPr>
+        <p:txBody>
+          <a:bodyPr anchor="b">
+            <a:noAutofit/>
+          </a:bodyPr>
+          <a:lstStyle>
+            <a:lvl1pPr marL="0" indent="0">
+              <a:buNone/>
+              <a:defRPr sz="2400" b="0">
+                <a:solidFill>
+                  <a:schemeClr val="bg2">
+                    <a:lumMod val="40000"/>
+                    <a:lumOff val="60000"/>
+                  </a:schemeClr>
+                </a:solidFill>
+              </a:defRPr>
+            </a:lvl1pPr>
+            <a:lvl2pPr marL="457200" indent="0">
+              <a:buNone/>
+              <a:defRPr sz="2000" b="1"/>
+            </a:lvl2pPr>
+            <a:lvl3pPr marL="914400" indent="0">
+              <a:buNone/>
+              <a:defRPr sz="1800" b="1"/>
+            </a:lvl3pPr>
+            <a:lvl4pPr marL="1371600" indent="0">
+              <a:buNone/>
+              <a:defRPr sz="1600" b="1"/>
+            </a:lvl4pPr>
+            <a:lvl5pPr marL="1828800" indent="0">
+              <a:buNone/>
+              <a:defRPr sz="1600" b="1"/>
+            </a:lvl5pPr>
+            <a:lvl6pPr marL="2286000" indent="0">
+              <a:buNone/>
+              <a:defRPr sz="1600" b="1"/>
+            </a:lvl6pPr>
+            <a:lvl7pPr marL="2743200" indent="0">
+              <a:buNone/>
+              <a:defRPr sz="1600" b="1"/>
+            </a:lvl7pPr>
+            <a:lvl8pPr marL="3200400" indent="0">
+              <a:buNone/>
+              <a:defRPr sz="1600" b="1"/>
+            </a:lvl8pPr>
+            <a:lvl9pPr marL="3657600" indent="0">
+              <a:buNone/>
+              <a:defRPr sz="1600" b="1"/>
+            </a:lvl9pPr>
+          </a:lstStyle>
+          <a:p>
+            <a:pPr lvl="0"/>
+            <a:r>
+              <a:rPr lang="en-US"/>
+              <a:t>Click to edit Master text styles</a:t>
+            </a:r>
+          </a:p>
+        </p:txBody>
+      </p:sp>
+      <p:sp>
+        <p:nvSpPr>
+          <p:cNvPr id="16" name="Text Placeholder 3"/>
+          <p:cNvSpPr>
+            <a:spLocks noGrp="1"/>
+          </p:cNvSpPr>
+          <p:nvPr>
+            <p:ph type="body" sz="half" idx="15"/>
+          </p:nvPr>
+        </p:nvSpPr>
+        <p:spPr>
+          <a:xfrm>
+            <a:off x="652463" y="2667000"/>
+            <a:ext cx="2927350" cy="3589338"/>
+          </a:xfrm>
+        </p:spPr>
+        <p:txBody>
+          <a:bodyPr anchor="t">
+            <a:normAutofit/>
+          </a:bodyPr>
+          <a:lstStyle>
+            <a:lvl1pPr marL="0" indent="0">
+              <a:buNone/>
+              <a:defRPr sz="1400"/>
+            </a:lvl1pPr>
+            <a:lvl2pPr marL="457200" indent="0">
+              <a:buNone/>
+              <a:defRPr sz="1200"/>
+            </a:lvl2pPr>
+            <a:lvl3pPr marL="914400" indent="0">
+              <a:buNone/>
+              <a:defRPr sz="1000"/>
+            </a:lvl3pPr>
+            <a:lvl4pPr marL="1371600" indent="0">
+              <a:buNone/>
+              <a:defRPr sz="900"/>
+            </a:lvl4pPr>
+            <a:lvl5pPr marL="1828800" indent="0">
+              <a:buNone/>
+              <a:defRPr sz="900"/>
+            </a:lvl5pPr>
+            <a:lvl6pPr marL="2286000" indent="0">
+              <a:buNone/>
+              <a:defRPr sz="900"/>
+            </a:lvl6pPr>
+            <a:lvl7pPr marL="2743200" indent="0">
+              <a:buNone/>
+              <a:defRPr sz="900"/>
+            </a:lvl7pPr>
+            <a:lvl8pPr marL="3200400" indent="0">
+              <a:buNone/>
+              <a:defRPr sz="900"/>
+            </a:lvl8pPr>
+            <a:lvl9pPr marL="3657600" indent="0">
+              <a:buNone/>
+              <a:defRPr sz="900"/>
+            </a:lvl9pPr>
+          </a:lstStyle>
+          <a:p>
+            <a:pPr lvl="0"/>
+            <a:r>
+              <a:rPr lang="en-US"/>
+              <a:t>Click to edit Master text styles</a:t>
+            </a:r>
+          </a:p>
+        </p:txBody>
+      </p:sp>
+      <p:sp>
+        <p:nvSpPr>
+          <p:cNvPr id="5" name="Text Placeholder 4"/>
+          <p:cNvSpPr>
+            <a:spLocks noGrp="1"/>
+          </p:cNvSpPr>
+          <p:nvPr>
+            <p:ph type="body" sz="quarter" idx="3"/>
+          </p:nvPr>
+        </p:nvSpPr>
+        <p:spPr>
+          <a:xfrm>
+            <a:off x="3883659" y="1981200"/>
+            <a:ext cx="2936241" cy="576262"/>
+          </a:xfrm>
+        </p:spPr>
+        <p:txBody>
+          <a:bodyPr anchor="b">
+            <a:noAutofit/>
+          </a:bodyPr>
+          <a:lstStyle>
+            <a:lvl1pPr marL="0" indent="0">
+              <a:buNone/>
+              <a:defRPr sz="2400" b="0">
+                <a:solidFill>
+                  <a:schemeClr val="bg2">
+                    <a:lumMod val="40000"/>
+                    <a:lumOff val="60000"/>
+                  </a:schemeClr>
+                </a:solidFill>
+              </a:defRPr>
+            </a:lvl1pPr>
+            <a:lvl2pPr marL="457200" indent="0">
+              <a:buNone/>
+              <a:defRPr sz="2000" b="1"/>
+            </a:lvl2pPr>
+            <a:lvl3pPr marL="914400" indent="0">
+              <a:buNone/>
+              <a:defRPr sz="1800" b="1"/>
+            </a:lvl3pPr>
+            <a:lvl4pPr marL="1371600" indent="0">
+              <a:buNone/>
+              <a:defRPr sz="1600" b="1"/>
+            </a:lvl4pPr>
+            <a:lvl5pPr marL="1828800" indent="0">
+              <a:buNone/>
+              <a:defRPr sz="1600" b="1"/>
+            </a:lvl5pPr>
+            <a:lvl6pPr marL="2286000" indent="0">
+              <a:buNone/>
+              <a:defRPr sz="1600" b="1"/>
+            </a:lvl6pPr>
+            <a:lvl7pPr marL="2743200" indent="0">
+              <a:buNone/>
+              <a:defRPr sz="1600" b="1"/>
+            </a:lvl7pPr>
+            <a:lvl8pPr marL="3200400" indent="0">
+              <a:buNone/>
+              <a:defRPr sz="1600" b="1"/>
+            </a:lvl8pPr>
+            <a:lvl9pPr marL="3657600" indent="0">
+              <a:buNone/>
+              <a:defRPr sz="1600" b="1"/>
+            </a:lvl9pPr>
+          </a:lstStyle>
+          <a:p>
+            <a:pPr lvl="0"/>
+            <a:r>
+              <a:rPr lang="en-US"/>
+              <a:t>Click to edit Master text styles</a:t>
+            </a:r>
+          </a:p>
+        </p:txBody>
+      </p:sp>
+      <p:sp>
+        <p:nvSpPr>
+          <p:cNvPr id="19" name="Text Placeholder 3"/>
+          <p:cNvSpPr>
+            <a:spLocks noGrp="1"/>
+          </p:cNvSpPr>
+          <p:nvPr>
+            <p:ph type="body" sz="half" idx="16"/>
+          </p:nvPr>
+        </p:nvSpPr>
+        <p:spPr>
+          <a:xfrm>
+            <a:off x="3873106" y="2667000"/>
+            <a:ext cx="2946794" cy="3589338"/>
+          </a:xfrm>
+        </p:spPr>
+        <p:txBody>
+          <a:bodyPr anchor="t">
+            <a:normAutofit/>
+          </a:bodyPr>
+          <a:lstStyle>
+            <a:lvl1pPr marL="0" indent="0">
+              <a:buNone/>
+              <a:defRPr sz="1400"/>
+            </a:lvl1pPr>
+            <a:lvl2pPr marL="457200" indent="0">
+              <a:buNone/>
+              <a:defRPr sz="1200"/>
+            </a:lvl2pPr>
+            <a:lvl3pPr marL="914400" indent="0">
+              <a:buNone/>
+              <a:defRPr sz="1000"/>
+            </a:lvl3pPr>
+            <a:lvl4pPr marL="1371600" indent="0">
+              <a:buNone/>
+              <a:defRPr sz="900"/>
+            </a:lvl4pPr>
+            <a:lvl5pPr marL="1828800" indent="0">
+              <a:buNone/>
+              <a:defRPr sz="900"/>
+            </a:lvl5pPr>
+            <a:lvl6pPr marL="2286000" indent="0">
+              <a:buNone/>
+              <a:defRPr sz="900"/>
+            </a:lvl6pPr>
+            <a:lvl7pPr marL="2743200" indent="0">
+              <a:buNone/>
+              <a:defRPr sz="900"/>
+            </a:lvl7pPr>
+            <a:lvl8pPr marL="3200400" indent="0">
+              <a:buNone/>
+              <a:defRPr sz="900"/>
+            </a:lvl8pPr>
+            <a:lvl9pPr marL="3657600" indent="0">
+              <a:buNone/>
+              <a:defRPr sz="900"/>
+            </a:lvl9pPr>
+          </a:lstStyle>
+          <a:p>
+            <a:pPr lvl="0"/>
+            <a:r>
+              <a:rPr lang="en-US"/>
+              <a:t>Click to edit Master text styles</a:t>
+            </a:r>
+          </a:p>
+        </p:txBody>
+      </p:sp>
+      <p:sp>
+        <p:nvSpPr>
+          <p:cNvPr id="14" name="Text Placeholder 4"/>
+          <p:cNvSpPr>
+            <a:spLocks noGrp="1"/>
+          </p:cNvSpPr>
+          <p:nvPr>
+            <p:ph type="body" sz="quarter" idx="13"/>
+          </p:nvPr>
+        </p:nvSpPr>
+        <p:spPr>
+          <a:xfrm>
+            <a:off x="7124700" y="1981200"/>
+            <a:ext cx="2932113" cy="576262"/>
+          </a:xfrm>
+        </p:spPr>
+        <p:txBody>
+          <a:bodyPr anchor="b">
+            <a:noAutofit/>
+          </a:bodyPr>
+          <a:lstStyle>
+            <a:lvl1pPr marL="0" indent="0">
+              <a:buNone/>
+              <a:defRPr sz="2400" b="0">
+                <a:solidFill>
+                  <a:schemeClr val="bg2">
+                    <a:lumMod val="40000"/>
+                    <a:lumOff val="60000"/>
+                  </a:schemeClr>
+                </a:solidFill>
+              </a:defRPr>
+            </a:lvl1pPr>
+            <a:lvl2pPr marL="457200" indent="0">
+              <a:buNone/>
+              <a:defRPr sz="2000" b="1"/>
+            </a:lvl2pPr>
+            <a:lvl3pPr marL="914400" indent="0">
+              <a:buNone/>
+              <a:defRPr sz="1800" b="1"/>
+            </a:lvl3pPr>
+            <a:lvl4pPr marL="1371600" indent="0">
+              <a:buNone/>
+              <a:defRPr sz="1600" b="1"/>
+            </a:lvl4pPr>
+            <a:lvl5pPr marL="1828800" indent="0">
+              <a:buNone/>
+              <a:defRPr sz="1600" b="1"/>
+            </a:lvl5pPr>
+            <a:lvl6pPr marL="2286000" indent="0">
+              <a:buNone/>
+              <a:defRPr sz="1600" b="1"/>
+            </a:lvl6pPr>
+            <a:lvl7pPr marL="2743200" indent="0">
+              <a:buNone/>
+              <a:defRPr sz="1600" b="1"/>
+            </a:lvl7pPr>
+            <a:lvl8pPr marL="3200400" indent="0">
+              <a:buNone/>
+              <a:defRPr sz="1600" b="1"/>
+            </a:lvl8pPr>
+            <a:lvl9pPr marL="3657600" indent="0">
+              <a:buNone/>
+              <a:defRPr sz="1600" b="1"/>
+            </a:lvl9pPr>
+          </a:lstStyle>
+          <a:p>
+            <a:pPr lvl="0"/>
+            <a:r>
+              <a:rPr lang="en-US"/>
+              <a:t>Click to edit Master text styles</a:t>
+            </a:r>
+          </a:p>
+        </p:txBody>
+      </p:sp>
+      <p:sp>
+        <p:nvSpPr>
+          <p:cNvPr id="20" name="Text Placeholder 3"/>
+          <p:cNvSpPr>
+            <a:spLocks noGrp="1"/>
+          </p:cNvSpPr>
+          <p:nvPr>
+            <p:ph type="body" sz="half" idx="17"/>
+          </p:nvPr>
+        </p:nvSpPr>
+        <p:spPr>
+          <a:xfrm>
+            <a:off x="7124700" y="2667000"/>
+            <a:ext cx="2932113" cy="3589338"/>
+          </a:xfrm>
+        </p:spPr>
+        <p:txBody>
+          <a:bodyPr anchor="t">
+            <a:normAutofit/>
+          </a:bodyPr>
+          <a:lstStyle>
+            <a:lvl1pPr marL="0" indent="0">
+              <a:buNone/>
+              <a:defRPr sz="1400"/>
+            </a:lvl1pPr>
+            <a:lvl2pPr marL="457200" indent="0">
+              <a:buNone/>
+              <a:defRPr sz="1200"/>
+            </a:lvl2pPr>
+            <a:lvl3pPr marL="914400" indent="0">
+              <a:buNone/>
+              <a:defRPr sz="1000"/>
+            </a:lvl3pPr>
+            <a:lvl4pPr marL="1371600" indent="0">
+              <a:buNone/>
+              <a:defRPr sz="900"/>
+            </a:lvl4pPr>
+            <a:lvl5pPr marL="1828800" indent="0">
+              <a:buNone/>
+              <a:defRPr sz="900"/>
+            </a:lvl5pPr>
+            <a:lvl6pPr marL="2286000" indent="0">
+              <a:buNone/>
+              <a:defRPr sz="900"/>
+            </a:lvl6pPr>
+            <a:lvl7pPr marL="2743200" indent="0">
+              <a:buNone/>
+              <a:defRPr sz="900"/>
+            </a:lvl7pPr>
+            <a:lvl8pPr marL="3200400" indent="0">
+              <a:buNone/>
+              <a:defRPr sz="900"/>
+            </a:lvl8pPr>
+            <a:lvl9pPr marL="3657600" indent="0">
+              <a:buNone/>
+              <a:defRPr sz="900"/>
+            </a:lvl9pPr>
+          </a:lstStyle>
+          <a:p>
+            <a:pPr lvl="0"/>
+            <a:r>
+              <a:rPr lang="en-US"/>
+              <a:t>Click to edit Master text styles</a:t>
+            </a:r>
+          </a:p>
+        </p:txBody>
+      </p:sp>
+      <p:cxnSp>
+        <p:nvCxnSpPr>
+          <p:cNvPr id="17" name="Straight Connector 16"/>
+          <p:cNvCxnSpPr/>
+          <p:nvPr/>
+        </p:nvCxnSpPr>
+        <p:spPr>
+          <a:xfrm>
+            <a:off x="3726142" y="2133600"/>
+            <a:ext cx="0" cy="3962400"/>
+          </a:xfrm>
+          <a:prstGeom prst="line">
+            <a:avLst/>
+          </a:prstGeom>
+          <a:ln w="12700" cmpd="sng">
+            <a:solidFill>
+              <a:schemeClr val="bg2">
+                <a:lumMod val="40000"/>
+                <a:lumOff val="60000"/>
+                <a:alpha val="40000"/>
+              </a:schemeClr>
+            </a:solidFill>
+          </a:ln>
+        </p:spPr>
+        <p:style>
+          <a:lnRef idx="2">
+            <a:schemeClr val="accent1"/>
+          </a:lnRef>
+          <a:fillRef idx="0">
+            <a:schemeClr val="accent1"/>
+          </a:fillRef>
+          <a:effectRef idx="1">
+            <a:schemeClr val="accent1"/>
+          </a:effectRef>
+          <a:fontRef idx="minor">
+            <a:schemeClr val="tx1"/>
+          </a:fontRef>
+        </p:style>
+      </p:cxnSp>
+      <p:cxnSp>
+        <p:nvCxnSpPr>
+          <p:cNvPr id="18" name="Straight Connector 17"/>
+          <p:cNvCxnSpPr/>
+          <p:nvPr/>
+        </p:nvCxnSpPr>
+        <p:spPr>
+          <a:xfrm>
+            <a:off x="6962227" y="2133600"/>
+            <a:ext cx="0" cy="3966882"/>
+          </a:xfrm>
+          <a:prstGeom prst="line">
+            <a:avLst/>
+          </a:prstGeom>
+          <a:ln w="12700" cmpd="sng">
+            <a:solidFill>
+              <a:schemeClr val="bg2">
+                <a:lumMod val="40000"/>
+                <a:lumOff val="60000"/>
+                <a:alpha val="40000"/>
+              </a:schemeClr>
+            </a:solidFill>
+          </a:ln>
+        </p:spPr>
+        <p:style>
+          <a:lnRef idx="2">
+            <a:schemeClr val="accent1"/>
+          </a:lnRef>
+          <a:fillRef idx="0">
+            <a:schemeClr val="accent1"/>
+          </a:fillRef>
+          <a:effectRef idx="1">
+            <a:schemeClr val="accent1"/>
+          </a:effectRef>
+          <a:fontRef idx="minor">
+            <a:schemeClr val="tx1"/>
+          </a:fontRef>
+        </p:style>
+      </p:cxnSp>
+      <p:sp>
+        <p:nvSpPr>
+          <p:cNvPr id="7" name="Date Placeholder 3"/>
+          <p:cNvSpPr>
+            <a:spLocks noGrp="1"/>
+          </p:cNvSpPr>
+          <p:nvPr>
+            <p:ph type="dt" sz="half" idx="10"/>
+          </p:nvPr>
+        </p:nvSpPr>
+        <p:spPr/>
+        <p:txBody>
+          <a:bodyPr/>
+          <a:lstStyle/>
+          <a:p>
+            <a:fld id="{5BFDB454-C351-4665-A551-EB636ED755C8}" type="datetimeFigureOut">
+              <a:rPr lang="en-IN" smtClean="0"/>
+              <a:t>08-10-2025</a:t>
+            </a:fld>
+            <a:endParaRPr lang="en-IN"/>
+          </a:p>
+        </p:txBody>
+      </p:sp>
+      <p:sp>
+        <p:nvSpPr>
+          <p:cNvPr id="4" name="Footer Placeholder 4"/>
+          <p:cNvSpPr>
+            <a:spLocks noGrp="1"/>
+          </p:cNvSpPr>
+          <p:nvPr>
+            <p:ph type="ftr" sz="quarter" idx="11"/>
+          </p:nvPr>
+        </p:nvSpPr>
+        <p:spPr/>
+        <p:txBody>
+          <a:bodyPr/>
+          <a:lstStyle/>
+          <a:p>
+            <a:endParaRPr lang="en-IN"/>
+          </a:p>
+        </p:txBody>
+      </p:sp>
+      <p:sp>
+        <p:nvSpPr>
+          <p:cNvPr id="6" name="Slide Number Placeholder 5"/>
+          <p:cNvSpPr>
+            <a:spLocks noGrp="1"/>
+          </p:cNvSpPr>
+          <p:nvPr>
+            <p:ph type="sldNum" sz="quarter" idx="12"/>
+          </p:nvPr>
+        </p:nvSpPr>
+        <p:spPr/>
+        <p:txBody>
+          <a:bodyPr/>
+          <a:lstStyle/>
+          <a:p>
+            <a:fld id="{6AB4504B-EDD3-43D7-844F-5E9C642F7890}" type="slidenum">
+              <a:rPr lang="en-IN" smtClean="0"/>
+              <a:t>‹#›</a:t>
+            </a:fld>
+            <a:endParaRPr lang="en-IN"/>
+          </a:p>
+        </p:txBody>
+      </p:sp>
+    </p:spTree>
+    <p:extLst>
+      <p:ext uri="{BB962C8B-B14F-4D97-AF65-F5344CB8AC3E}">
+        <p14:creationId xmlns:p14="http://schemas.microsoft.com/office/powerpoint/2010/main" val="3569011178"/>
+      </p:ext>
+    </p:extLst>
+  </p:cSld>
+  <p:clrMapOvr>
+    <a:masterClrMapping/>
+  </p:clrMapOvr>
+</p:sldLayout>
+</file>
+
+<file path=ppt/slideLayouts/slideLayout15.xml><?xml version="1.0" encoding="utf-8"?>
+<p:sldLayout xmlns:a="http://schemas.openxmlformats.org/drawingml/2006/main" xmlns:r="http://schemas.openxmlformats.org/officeDocument/2006/relationships" xmlns:p="http://schemas.openxmlformats.org/presentationml/2006/main" preserve="1">
+  <p:cSld name="3 Picture Column">
+    <p:spTree>
+      <p:nvGrpSpPr>
+        <p:cNvPr id="1" name=""/>
+        <p:cNvGrpSpPr/>
+        <p:nvPr/>
+      </p:nvGrpSpPr>
+      <p:grpSpPr>
+        <a:xfrm>
+          <a:off x="0" y="0"/>
+          <a:ext cx="0" cy="0"/>
+          <a:chOff x="0" y="0"/>
+          <a:chExt cx="0" cy="0"/>
+        </a:xfrm>
+      </p:grpSpPr>
+      <p:sp>
+        <p:nvSpPr>
+          <p:cNvPr id="2" name="Title 1"/>
+          <p:cNvSpPr>
+            <a:spLocks noGrp="1"/>
+          </p:cNvSpPr>
+          <p:nvPr>
+            <p:ph type="title"/>
+          </p:nvPr>
+        </p:nvSpPr>
+        <p:spPr/>
+        <p:txBody>
+          <a:bodyPr/>
+          <a:lstStyle>
+            <a:lvl1pPr>
+              <a:defRPr sz="4200"/>
+            </a:lvl1pPr>
+          </a:lstStyle>
+          <a:p>
+            <a:r>
+              <a:rPr lang="en-US"/>
+              <a:t>Click to edit Master title style</a:t>
+            </a:r>
+            <a:endParaRPr lang="en-US" dirty="0"/>
+          </a:p>
+        </p:txBody>
+      </p:sp>
+      <p:sp>
+        <p:nvSpPr>
+          <p:cNvPr id="3" name="Text Placeholder 2"/>
+          <p:cNvSpPr>
+            <a:spLocks noGrp="1"/>
+          </p:cNvSpPr>
+          <p:nvPr>
+            <p:ph type="body" idx="1"/>
+          </p:nvPr>
+        </p:nvSpPr>
+        <p:spPr>
+          <a:xfrm>
+            <a:off x="652463" y="4250949"/>
+            <a:ext cx="2940050" cy="576262"/>
+          </a:xfrm>
+        </p:spPr>
+        <p:txBody>
+          <a:bodyPr anchor="b">
+            <a:noAutofit/>
+          </a:bodyPr>
+          <a:lstStyle>
+            <a:lvl1pPr marL="0" indent="0">
+              <a:buNone/>
+              <a:defRPr sz="2400" b="0">
+                <a:solidFill>
+                  <a:schemeClr val="bg2">
+                    <a:lumMod val="40000"/>
+                    <a:lumOff val="60000"/>
+                  </a:schemeClr>
+                </a:solidFill>
+              </a:defRPr>
+            </a:lvl1pPr>
+            <a:lvl2pPr marL="457200" indent="0">
+              <a:buNone/>
+              <a:defRPr sz="2000" b="1"/>
+            </a:lvl2pPr>
+            <a:lvl3pPr marL="914400" indent="0">
+              <a:buNone/>
+              <a:defRPr sz="1800" b="1"/>
+            </a:lvl3pPr>
+            <a:lvl4pPr marL="1371600" indent="0">
+              <a:buNone/>
+              <a:defRPr sz="1600" b="1"/>
+            </a:lvl4pPr>
+            <a:lvl5pPr marL="1828800" indent="0">
+              <a:buNone/>
+              <a:defRPr sz="1600" b="1"/>
+            </a:lvl5pPr>
+            <a:lvl6pPr marL="2286000" indent="0">
+              <a:buNone/>
+              <a:defRPr sz="1600" b="1"/>
+            </a:lvl6pPr>
+            <a:lvl7pPr marL="2743200" indent="0">
+              <a:buNone/>
+              <a:defRPr sz="1600" b="1"/>
+            </a:lvl7pPr>
+            <a:lvl8pPr marL="3200400" indent="0">
+              <a:buNone/>
+              <a:defRPr sz="1600" b="1"/>
+            </a:lvl8pPr>
+            <a:lvl9pPr marL="3657600" indent="0">
+              <a:buNone/>
+              <a:defRPr sz="1600" b="1"/>
+            </a:lvl9pPr>
+          </a:lstStyle>
+          <a:p>
+            <a:pPr lvl="0"/>
+            <a:r>
+              <a:rPr lang="en-US"/>
+              <a:t>Click to edit Master text styles</a:t>
+            </a:r>
+          </a:p>
+        </p:txBody>
+      </p:sp>
+      <p:sp>
+        <p:nvSpPr>
+          <p:cNvPr id="29" name="Picture Placeholder 2"/>
+          <p:cNvSpPr>
+            <a:spLocks noGrp="1" noChangeAspect="1"/>
+          </p:cNvSpPr>
+          <p:nvPr>
+            <p:ph type="pic" idx="15"/>
+          </p:nvPr>
+        </p:nvSpPr>
+        <p:spPr>
+          <a:xfrm>
+            <a:off x="652463" y="2209800"/>
+            <a:ext cx="2940050" cy="1524000"/>
+          </a:xfrm>
+          <a:prstGeom prst="roundRect">
+            <a:avLst>
+              <a:gd name="adj" fmla="val 1858"/>
+            </a:avLst>
+          </a:prstGeom>
+          <a:effectLst>
+            <a:outerShdw blurRad="50800" dist="50800" dir="5400000" algn="tl" rotWithShape="0">
+              <a:srgbClr val="000000">
+                <a:alpha val="43000"/>
+              </a:srgbClr>
+            </a:outerShdw>
+          </a:effectLst>
+        </p:spPr>
+        <p:txBody>
+          <a:bodyPr anchor="t">
+            <a:normAutofit/>
+          </a:bodyPr>
+          <a:lstStyle>
+            <a:lvl1pPr marL="0" indent="0" algn="ctr">
+              <a:buNone/>
+              <a:defRPr sz="1600"/>
+            </a:lvl1pPr>
+            <a:lvl2pPr marL="457200" indent="0">
+              <a:buNone/>
+              <a:defRPr sz="1600"/>
+            </a:lvl2pPr>
+            <a:lvl3pPr marL="914400" indent="0">
+              <a:buNone/>
+              <a:defRPr sz="1600"/>
+            </a:lvl3pPr>
+            <a:lvl4pPr marL="1371600" indent="0">
+              <a:buNone/>
+              <a:defRPr sz="1600"/>
+            </a:lvl4pPr>
+            <a:lvl5pPr marL="1828800" indent="0">
+              <a:buNone/>
+              <a:defRPr sz="1600"/>
+            </a:lvl5pPr>
+            <a:lvl6pPr marL="2286000" indent="0">
+              <a:buNone/>
+              <a:defRPr sz="1600"/>
+            </a:lvl6pPr>
+            <a:lvl7pPr marL="2743200" indent="0">
+              <a:buNone/>
+              <a:defRPr sz="1600"/>
+            </a:lvl7pPr>
+            <a:lvl8pPr marL="3200400" indent="0">
+              <a:buNone/>
+              <a:defRPr sz="1600"/>
+            </a:lvl8pPr>
+            <a:lvl9pPr marL="3657600" indent="0">
+              <a:buNone/>
+              <a:defRPr sz="1600"/>
+            </a:lvl9pPr>
+          </a:lstStyle>
+          <a:p>
+            <a:r>
+              <a:rPr lang="en-US"/>
+              <a:t>Click icon to add picture</a:t>
+            </a:r>
+            <a:endParaRPr lang="en-US" dirty="0"/>
+          </a:p>
+        </p:txBody>
+      </p:sp>
+      <p:sp>
+        <p:nvSpPr>
+          <p:cNvPr id="22" name="Text Placeholder 3"/>
+          <p:cNvSpPr>
+            <a:spLocks noGrp="1"/>
+          </p:cNvSpPr>
+          <p:nvPr>
+            <p:ph type="body" sz="half" idx="18"/>
+          </p:nvPr>
+        </p:nvSpPr>
+        <p:spPr>
+          <a:xfrm>
+            <a:off x="652463" y="4827211"/>
+            <a:ext cx="2940050" cy="659189"/>
+          </a:xfrm>
+        </p:spPr>
+        <p:txBody>
+          <a:bodyPr anchor="t">
+            <a:normAutofit/>
+          </a:bodyPr>
+          <a:lstStyle>
+            <a:lvl1pPr marL="0" indent="0">
+              <a:buNone/>
+              <a:defRPr sz="1400"/>
+            </a:lvl1pPr>
+            <a:lvl2pPr marL="457200" indent="0">
+              <a:buNone/>
+              <a:defRPr sz="1200"/>
+            </a:lvl2pPr>
+            <a:lvl3pPr marL="914400" indent="0">
+              <a:buNone/>
+              <a:defRPr sz="1000"/>
+            </a:lvl3pPr>
+            <a:lvl4pPr marL="1371600" indent="0">
+              <a:buNone/>
+              <a:defRPr sz="900"/>
+            </a:lvl4pPr>
+            <a:lvl5pPr marL="1828800" indent="0">
+              <a:buNone/>
+              <a:defRPr sz="900"/>
+            </a:lvl5pPr>
+            <a:lvl6pPr marL="2286000" indent="0">
+              <a:buNone/>
+              <a:defRPr sz="900"/>
+            </a:lvl6pPr>
+            <a:lvl7pPr marL="2743200" indent="0">
+              <a:buNone/>
+              <a:defRPr sz="900"/>
+            </a:lvl7pPr>
+            <a:lvl8pPr marL="3200400" indent="0">
+              <a:buNone/>
+              <a:defRPr sz="900"/>
+            </a:lvl8pPr>
+            <a:lvl9pPr marL="3657600" indent="0">
+              <a:buNone/>
+              <a:defRPr sz="900"/>
+            </a:lvl9pPr>
+          </a:lstStyle>
+          <a:p>
+            <a:pPr lvl="0"/>
+            <a:r>
+              <a:rPr lang="en-US"/>
+              <a:t>Click to edit Master text styles</a:t>
+            </a:r>
+          </a:p>
+        </p:txBody>
+      </p:sp>
+      <p:sp>
+        <p:nvSpPr>
+          <p:cNvPr id="5" name="Text Placeholder 4"/>
+          <p:cNvSpPr>
+            <a:spLocks noGrp="1"/>
+          </p:cNvSpPr>
+          <p:nvPr>
+            <p:ph type="body" sz="quarter" idx="3"/>
+          </p:nvPr>
+        </p:nvSpPr>
+        <p:spPr>
+          <a:xfrm>
+            <a:off x="3889375" y="4250949"/>
+            <a:ext cx="2930525" cy="576262"/>
+          </a:xfrm>
+        </p:spPr>
+        <p:txBody>
+          <a:bodyPr anchor="b">
+            <a:noAutofit/>
+          </a:bodyPr>
+          <a:lstStyle>
+            <a:lvl1pPr marL="0" indent="0">
+              <a:buNone/>
+              <a:defRPr sz="2400" b="0">
+                <a:solidFill>
+                  <a:schemeClr val="bg2">
+                    <a:lumMod val="40000"/>
+                    <a:lumOff val="60000"/>
+                  </a:schemeClr>
+                </a:solidFill>
+              </a:defRPr>
+            </a:lvl1pPr>
+            <a:lvl2pPr marL="457200" indent="0">
+              <a:buNone/>
+              <a:defRPr sz="2000" b="1"/>
+            </a:lvl2pPr>
+            <a:lvl3pPr marL="914400" indent="0">
+              <a:buNone/>
+              <a:defRPr sz="1800" b="1"/>
+            </a:lvl3pPr>
+            <a:lvl4pPr marL="1371600" indent="0">
+              <a:buNone/>
+              <a:defRPr sz="1600" b="1"/>
+            </a:lvl4pPr>
+            <a:lvl5pPr marL="1828800" indent="0">
+              <a:buNone/>
+              <a:defRPr sz="1600" b="1"/>
+            </a:lvl5pPr>
+            <a:lvl6pPr marL="2286000" indent="0">
+              <a:buNone/>
+              <a:defRPr sz="1600" b="1"/>
+            </a:lvl6pPr>
+            <a:lvl7pPr marL="2743200" indent="0">
+              <a:buNone/>
+              <a:defRPr sz="1600" b="1"/>
+            </a:lvl7pPr>
+            <a:lvl8pPr marL="3200400" indent="0">
+              <a:buNone/>
+              <a:defRPr sz="1600" b="1"/>
+            </a:lvl8pPr>
+            <a:lvl9pPr marL="3657600" indent="0">
+              <a:buNone/>
+              <a:defRPr sz="1600" b="1"/>
+            </a:lvl9pPr>
+          </a:lstStyle>
+          <a:p>
+            <a:pPr lvl="0"/>
+            <a:r>
+              <a:rPr lang="en-US"/>
+              <a:t>Click to edit Master text styles</a:t>
+            </a:r>
+          </a:p>
+        </p:txBody>
+      </p:sp>
+      <p:sp>
+        <p:nvSpPr>
+          <p:cNvPr id="30" name="Picture Placeholder 2"/>
+          <p:cNvSpPr>
+            <a:spLocks noGrp="1" noChangeAspect="1"/>
+          </p:cNvSpPr>
+          <p:nvPr>
+            <p:ph type="pic" idx="21"/>
+          </p:nvPr>
+        </p:nvSpPr>
+        <p:spPr>
+          <a:xfrm>
+            <a:off x="3889374" y="2209800"/>
+            <a:ext cx="2930525" cy="1524000"/>
+          </a:xfrm>
+          <a:prstGeom prst="roundRect">
+            <a:avLst>
+              <a:gd name="adj" fmla="val 1858"/>
+            </a:avLst>
+          </a:prstGeom>
+          <a:effectLst>
+            <a:outerShdw blurRad="50800" dist="50800" dir="5400000" algn="tl" rotWithShape="0">
+              <a:srgbClr val="000000">
+                <a:alpha val="43000"/>
+              </a:srgbClr>
+            </a:outerShdw>
+          </a:effectLst>
+        </p:spPr>
+        <p:txBody>
+          <a:bodyPr anchor="t">
+            <a:normAutofit/>
+          </a:bodyPr>
+          <a:lstStyle>
+            <a:lvl1pPr marL="0" indent="0" algn="ctr">
+              <a:buNone/>
+              <a:defRPr sz="1600"/>
+            </a:lvl1pPr>
+            <a:lvl2pPr marL="457200" indent="0">
+              <a:buNone/>
+              <a:defRPr sz="1600"/>
+            </a:lvl2pPr>
+            <a:lvl3pPr marL="914400" indent="0">
+              <a:buNone/>
+              <a:defRPr sz="1600"/>
+            </a:lvl3pPr>
+            <a:lvl4pPr marL="1371600" indent="0">
+              <a:buNone/>
+              <a:defRPr sz="1600"/>
+            </a:lvl4pPr>
+            <a:lvl5pPr marL="1828800" indent="0">
+              <a:buNone/>
+              <a:defRPr sz="1600"/>
+            </a:lvl5pPr>
+            <a:lvl6pPr marL="2286000" indent="0">
+              <a:buNone/>
+              <a:defRPr sz="1600"/>
+            </a:lvl6pPr>
+            <a:lvl7pPr marL="2743200" indent="0">
+              <a:buNone/>
+              <a:defRPr sz="1600"/>
+            </a:lvl7pPr>
+            <a:lvl8pPr marL="3200400" indent="0">
+              <a:buNone/>
+              <a:defRPr sz="1600"/>
+            </a:lvl8pPr>
+            <a:lvl9pPr marL="3657600" indent="0">
+              <a:buNone/>
+              <a:defRPr sz="1600"/>
+            </a:lvl9pPr>
+          </a:lstStyle>
+          <a:p>
+            <a:r>
+              <a:rPr lang="en-US"/>
+              <a:t>Click icon to add picture</a:t>
+            </a:r>
+            <a:endParaRPr lang="en-US" dirty="0"/>
+          </a:p>
+        </p:txBody>
+      </p:sp>
+      <p:sp>
+        <p:nvSpPr>
+          <p:cNvPr id="23" name="Text Placeholder 3"/>
+          <p:cNvSpPr>
+            <a:spLocks noGrp="1"/>
+          </p:cNvSpPr>
+          <p:nvPr>
+            <p:ph type="body" sz="half" idx="19"/>
+          </p:nvPr>
+        </p:nvSpPr>
+        <p:spPr>
+          <a:xfrm>
+            <a:off x="3888022" y="4827210"/>
+            <a:ext cx="2934406" cy="659189"/>
+          </a:xfrm>
+        </p:spPr>
+        <p:txBody>
+          <a:bodyPr anchor="t">
+            <a:normAutofit/>
+          </a:bodyPr>
+          <a:lstStyle>
+            <a:lvl1pPr marL="0" indent="0">
+              <a:buNone/>
+              <a:defRPr sz="1400"/>
+            </a:lvl1pPr>
+            <a:lvl2pPr marL="457200" indent="0">
+              <a:buNone/>
+              <a:defRPr sz="1200"/>
+            </a:lvl2pPr>
+            <a:lvl3pPr marL="914400" indent="0">
+              <a:buNone/>
+              <a:defRPr sz="1000"/>
+            </a:lvl3pPr>
+            <a:lvl4pPr marL="1371600" indent="0">
+              <a:buNone/>
+              <a:defRPr sz="900"/>
+            </a:lvl4pPr>
+            <a:lvl5pPr marL="1828800" indent="0">
+              <a:buNone/>
+              <a:defRPr sz="900"/>
+            </a:lvl5pPr>
+            <a:lvl6pPr marL="2286000" indent="0">
+              <a:buNone/>
+              <a:defRPr sz="900"/>
+            </a:lvl6pPr>
+            <a:lvl7pPr marL="2743200" indent="0">
+              <a:buNone/>
+              <a:defRPr sz="900"/>
+            </a:lvl7pPr>
+            <a:lvl8pPr marL="3200400" indent="0">
+              <a:buNone/>
+              <a:defRPr sz="900"/>
+            </a:lvl8pPr>
+            <a:lvl9pPr marL="3657600" indent="0">
+              <a:buNone/>
+              <a:defRPr sz="900"/>
+            </a:lvl9pPr>
+          </a:lstStyle>
+          <a:p>
+            <a:pPr lvl="0"/>
+            <a:r>
+              <a:rPr lang="en-US"/>
+              <a:t>Click to edit Master text styles</a:t>
+            </a:r>
+          </a:p>
+        </p:txBody>
+      </p:sp>
+      <p:sp>
+        <p:nvSpPr>
+          <p:cNvPr id="14" name="Text Placeholder 4"/>
+          <p:cNvSpPr>
+            <a:spLocks noGrp="1"/>
+          </p:cNvSpPr>
+          <p:nvPr>
+            <p:ph type="body" sz="quarter" idx="13"/>
+          </p:nvPr>
+        </p:nvSpPr>
+        <p:spPr>
+          <a:xfrm>
+            <a:off x="7124700" y="4250949"/>
+            <a:ext cx="2932113" cy="576262"/>
+          </a:xfrm>
+        </p:spPr>
+        <p:txBody>
+          <a:bodyPr anchor="b">
+            <a:noAutofit/>
+          </a:bodyPr>
+          <a:lstStyle>
+            <a:lvl1pPr marL="0" indent="0">
+              <a:buNone/>
+              <a:defRPr sz="2400" b="0">
+                <a:solidFill>
+                  <a:schemeClr val="bg2">
+                    <a:lumMod val="40000"/>
+                    <a:lumOff val="60000"/>
+                  </a:schemeClr>
+                </a:solidFill>
+              </a:defRPr>
+            </a:lvl1pPr>
+            <a:lvl2pPr marL="457200" indent="0">
+              <a:buNone/>
+              <a:defRPr sz="2000" b="1"/>
+            </a:lvl2pPr>
+            <a:lvl3pPr marL="914400" indent="0">
+              <a:buNone/>
+              <a:defRPr sz="1800" b="1"/>
+            </a:lvl3pPr>
+            <a:lvl4pPr marL="1371600" indent="0">
+              <a:buNone/>
+              <a:defRPr sz="1600" b="1"/>
+            </a:lvl4pPr>
+            <a:lvl5pPr marL="1828800" indent="0">
+              <a:buNone/>
+              <a:defRPr sz="1600" b="1"/>
+            </a:lvl5pPr>
+            <a:lvl6pPr marL="2286000" indent="0">
+              <a:buNone/>
+              <a:defRPr sz="1600" b="1"/>
+            </a:lvl6pPr>
+            <a:lvl7pPr marL="2743200" indent="0">
+              <a:buNone/>
+              <a:defRPr sz="1600" b="1"/>
+            </a:lvl7pPr>
+            <a:lvl8pPr marL="3200400" indent="0">
+              <a:buNone/>
+              <a:defRPr sz="1600" b="1"/>
+            </a:lvl8pPr>
+            <a:lvl9pPr marL="3657600" indent="0">
+              <a:buNone/>
+              <a:defRPr sz="1600" b="1"/>
+            </a:lvl9pPr>
+          </a:lstStyle>
+          <a:p>
+            <a:pPr lvl="0"/>
+            <a:r>
+              <a:rPr lang="en-US"/>
+              <a:t>Click to edit Master text styles</a:t>
+            </a:r>
+          </a:p>
+        </p:txBody>
+      </p:sp>
+      <p:sp>
+        <p:nvSpPr>
+          <p:cNvPr id="31" name="Picture Placeholder 2"/>
+          <p:cNvSpPr>
+            <a:spLocks noGrp="1" noChangeAspect="1"/>
+          </p:cNvSpPr>
+          <p:nvPr>
+            <p:ph type="pic" idx="22"/>
+          </p:nvPr>
+        </p:nvSpPr>
+        <p:spPr>
+          <a:xfrm>
+            <a:off x="7124699" y="2209800"/>
+            <a:ext cx="2932113" cy="1524000"/>
+          </a:xfrm>
+          <a:prstGeom prst="roundRect">
+            <a:avLst>
+              <a:gd name="adj" fmla="val 1858"/>
+            </a:avLst>
+          </a:prstGeom>
+          <a:effectLst>
+            <a:outerShdw blurRad="50800" dist="50800" dir="5400000" algn="tl" rotWithShape="0">
+              <a:srgbClr val="000000">
+                <a:alpha val="43000"/>
+              </a:srgbClr>
+            </a:outerShdw>
+          </a:effectLst>
+        </p:spPr>
+        <p:txBody>
+          <a:bodyPr anchor="t">
+            <a:normAutofit/>
+          </a:bodyPr>
+          <a:lstStyle>
+            <a:lvl1pPr marL="0" indent="0" algn="ctr">
+              <a:buNone/>
+              <a:defRPr sz="1600"/>
+            </a:lvl1pPr>
+            <a:lvl2pPr marL="457200" indent="0">
+              <a:buNone/>
+              <a:defRPr sz="1600"/>
+            </a:lvl2pPr>
+            <a:lvl3pPr marL="914400" indent="0">
+              <a:buNone/>
+              <a:defRPr sz="1600"/>
+            </a:lvl3pPr>
+            <a:lvl4pPr marL="1371600" indent="0">
+              <a:buNone/>
+              <a:defRPr sz="1600"/>
+            </a:lvl4pPr>
+            <a:lvl5pPr marL="1828800" indent="0">
+              <a:buNone/>
+              <a:defRPr sz="1600"/>
+            </a:lvl5pPr>
+            <a:lvl6pPr marL="2286000" indent="0">
+              <a:buNone/>
+              <a:defRPr sz="1600"/>
+            </a:lvl6pPr>
+            <a:lvl7pPr marL="2743200" indent="0">
+              <a:buNone/>
+              <a:defRPr sz="1600"/>
+            </a:lvl7pPr>
+            <a:lvl8pPr marL="3200400" indent="0">
+              <a:buNone/>
+              <a:defRPr sz="1600"/>
+            </a:lvl8pPr>
+            <a:lvl9pPr marL="3657600" indent="0">
+              <a:buNone/>
+              <a:defRPr sz="1600"/>
+            </a:lvl9pPr>
+          </a:lstStyle>
+          <a:p>
+            <a:r>
+              <a:rPr lang="en-US"/>
+              <a:t>Click icon to add picture</a:t>
+            </a:r>
+            <a:endParaRPr lang="en-US" dirty="0"/>
+          </a:p>
+        </p:txBody>
+      </p:sp>
+      <p:sp>
+        <p:nvSpPr>
+          <p:cNvPr id="24" name="Text Placeholder 3"/>
+          <p:cNvSpPr>
+            <a:spLocks noGrp="1"/>
+          </p:cNvSpPr>
+          <p:nvPr>
+            <p:ph type="body" sz="half" idx="20"/>
+          </p:nvPr>
+        </p:nvSpPr>
+        <p:spPr>
+          <a:xfrm>
+            <a:off x="7124575" y="4827208"/>
+            <a:ext cx="2935997" cy="659189"/>
+          </a:xfrm>
+        </p:spPr>
+        <p:txBody>
+          <a:bodyPr anchor="t">
+            <a:normAutofit/>
+          </a:bodyPr>
+          <a:lstStyle>
+            <a:lvl1pPr marL="0" indent="0">
+              <a:buNone/>
+              <a:defRPr sz="1400"/>
+            </a:lvl1pPr>
+            <a:lvl2pPr marL="457200" indent="0">
+              <a:buNone/>
+              <a:defRPr sz="1200"/>
+            </a:lvl2pPr>
+            <a:lvl3pPr marL="914400" indent="0">
+              <a:buNone/>
+              <a:defRPr sz="1000"/>
+            </a:lvl3pPr>
+            <a:lvl4pPr marL="1371600" indent="0">
+              <a:buNone/>
+              <a:defRPr sz="900"/>
+            </a:lvl4pPr>
+            <a:lvl5pPr marL="1828800" indent="0">
+              <a:buNone/>
+              <a:defRPr sz="900"/>
+            </a:lvl5pPr>
+            <a:lvl6pPr marL="2286000" indent="0">
+              <a:buNone/>
+              <a:defRPr sz="900"/>
+            </a:lvl6pPr>
+            <a:lvl7pPr marL="2743200" indent="0">
+              <a:buNone/>
+              <a:defRPr sz="900"/>
+            </a:lvl7pPr>
+            <a:lvl8pPr marL="3200400" indent="0">
+              <a:buNone/>
+              <a:defRPr sz="900"/>
+            </a:lvl8pPr>
+            <a:lvl9pPr marL="3657600" indent="0">
+              <a:buNone/>
+              <a:defRPr sz="900"/>
+            </a:lvl9pPr>
+          </a:lstStyle>
+          <a:p>
+            <a:pPr lvl="0"/>
+            <a:r>
+              <a:rPr lang="en-US"/>
+              <a:t>Click to edit Master text styles</a:t>
+            </a:r>
+          </a:p>
+        </p:txBody>
+      </p:sp>
+      <p:cxnSp>
+        <p:nvCxnSpPr>
+          <p:cNvPr id="19" name="Straight Connector 18"/>
+          <p:cNvCxnSpPr/>
+          <p:nvPr/>
+        </p:nvCxnSpPr>
+        <p:spPr>
+          <a:xfrm>
+            <a:off x="3726142" y="2133600"/>
+            <a:ext cx="0" cy="3962400"/>
+          </a:xfrm>
+          <a:prstGeom prst="line">
+            <a:avLst/>
+          </a:prstGeom>
+          <a:ln w="12700" cmpd="sng">
+            <a:solidFill>
+              <a:schemeClr val="bg2">
+                <a:lumMod val="40000"/>
+                <a:lumOff val="60000"/>
+                <a:alpha val="40000"/>
+              </a:schemeClr>
+            </a:solidFill>
+          </a:ln>
+        </p:spPr>
+        <p:style>
+          <a:lnRef idx="2">
+            <a:schemeClr val="accent1"/>
+          </a:lnRef>
+          <a:fillRef idx="0">
+            <a:schemeClr val="accent1"/>
+          </a:fillRef>
+          <a:effectRef idx="1">
+            <a:schemeClr val="accent1"/>
+          </a:effectRef>
+          <a:fontRef idx="minor">
+            <a:schemeClr val="tx1"/>
+          </a:fontRef>
+        </p:style>
+      </p:cxnSp>
+      <p:cxnSp>
+        <p:nvCxnSpPr>
+          <p:cNvPr id="20" name="Straight Connector 19"/>
+          <p:cNvCxnSpPr/>
+          <p:nvPr/>
+        </p:nvCxnSpPr>
+        <p:spPr>
+          <a:xfrm>
+            <a:off x="6962227" y="2133600"/>
+            <a:ext cx="0" cy="3966882"/>
+          </a:xfrm>
+          <a:prstGeom prst="line">
+            <a:avLst/>
+          </a:prstGeom>
+          <a:ln w="12700" cmpd="sng">
+            <a:solidFill>
+              <a:schemeClr val="bg2">
+                <a:lumMod val="40000"/>
+                <a:lumOff val="60000"/>
+                <a:alpha val="40000"/>
+              </a:schemeClr>
+            </a:solidFill>
+          </a:ln>
+        </p:spPr>
+        <p:style>
+          <a:lnRef idx="2">
+            <a:schemeClr val="accent1"/>
+          </a:lnRef>
+          <a:fillRef idx="0">
+            <a:schemeClr val="accent1"/>
+          </a:fillRef>
+          <a:effectRef idx="1">
+            <a:schemeClr val="accent1"/>
+          </a:effectRef>
+          <a:fontRef idx="minor">
+            <a:schemeClr val="tx1"/>
+          </a:fontRef>
+        </p:style>
+      </p:cxnSp>
+      <p:sp>
+        <p:nvSpPr>
+          <p:cNvPr id="7" name="Date Placeholder 3"/>
+          <p:cNvSpPr>
+            <a:spLocks noGrp="1"/>
+          </p:cNvSpPr>
+          <p:nvPr>
+            <p:ph type="dt" sz="half" idx="10"/>
+          </p:nvPr>
+        </p:nvSpPr>
+        <p:spPr/>
+        <p:txBody>
+          <a:bodyPr/>
+          <a:lstStyle/>
+          <a:p>
+            <a:fld id="{5BFDB454-C351-4665-A551-EB636ED755C8}" type="datetimeFigureOut">
+              <a:rPr lang="en-IN" smtClean="0"/>
+              <a:t>08-10-2025</a:t>
+            </a:fld>
+            <a:endParaRPr lang="en-IN"/>
+          </a:p>
+        </p:txBody>
+      </p:sp>
+      <p:sp>
+        <p:nvSpPr>
+          <p:cNvPr id="4" name="Footer Placeholder 4"/>
+          <p:cNvSpPr>
+            <a:spLocks noGrp="1"/>
+          </p:cNvSpPr>
+          <p:nvPr>
+            <p:ph type="ftr" sz="quarter" idx="11"/>
+          </p:nvPr>
+        </p:nvSpPr>
+        <p:spPr/>
+        <p:txBody>
+          <a:bodyPr/>
+          <a:lstStyle/>
+          <a:p>
+            <a:endParaRPr lang="en-IN"/>
+          </a:p>
+        </p:txBody>
+      </p:sp>
+      <p:sp>
+        <p:nvSpPr>
+          <p:cNvPr id="6" name="Slide Number Placeholder 5"/>
+          <p:cNvSpPr>
+            <a:spLocks noGrp="1"/>
+          </p:cNvSpPr>
+          <p:nvPr>
+            <p:ph type="sldNum" sz="quarter" idx="12"/>
+          </p:nvPr>
+        </p:nvSpPr>
+        <p:spPr/>
+        <p:txBody>
+          <a:bodyPr/>
+          <a:lstStyle/>
+          <a:p>
+            <a:fld id="{6AB4504B-EDD3-43D7-844F-5E9C642F7890}" type="slidenum">
+              <a:rPr lang="en-IN" smtClean="0"/>
+              <a:t>‹#›</a:t>
+            </a:fld>
+            <a:endParaRPr lang="en-IN"/>
+          </a:p>
+        </p:txBody>
+      </p:sp>
+    </p:spTree>
+    <p:extLst>
+      <p:ext uri="{BB962C8B-B14F-4D97-AF65-F5344CB8AC3E}">
+        <p14:creationId xmlns:p14="http://schemas.microsoft.com/office/powerpoint/2010/main" val="803215372"/>
+      </p:ext>
+    </p:extLst>
+  </p:cSld>
+  <p:clrMapOvr>
+    <a:masterClrMapping/>
+  </p:clrMapOvr>
+</p:sldLayout>
+</file>
+
+<file path=ppt/slideLayouts/slideLayout16.xml><?xml version="1.0" encoding="utf-8"?>
 <p:sldLayout xmlns:a="http://schemas.openxmlformats.org/drawingml/2006/main" xmlns:r="http://schemas.openxmlformats.org/officeDocument/2006/relationships" xmlns:p="http://schemas.openxmlformats.org/presentationml/2006/main" type="vertTx" preserve="1">
   <p:cSld name="Title and Vertical Text">
     <p:spTree>
@@ -368,13 +2965,7 @@
       </p:grpSpPr>
       <p:sp>
         <p:nvSpPr>
-          <p:cNvPr id="2" name="Title 1">
-            <a:extLst>
-              <a:ext uri="{FF2B5EF4-FFF2-40B4-BE49-F238E27FC236}">
-                <a16:creationId xmlns:a16="http://schemas.microsoft.com/office/drawing/2014/main" id="{944295B4-6A59-1FFA-00C1-402E74E19601}"/>
-              </a:ext>
-            </a:extLst>
-          </p:cNvPr>
+          <p:cNvPr id="2" name="Title 1"/>
           <p:cNvSpPr>
             <a:spLocks noGrp="1"/>
           </p:cNvSpPr>
@@ -391,19 +2982,13 @@
               <a:rPr lang="en-US"/>
               <a:t>Click to edit Master title style</a:t>
             </a:r>
-            <a:endParaRPr lang="en-IN"/>
-          </a:p>
-        </p:txBody>
-      </p:sp>
-      <p:sp>
-        <p:nvSpPr>
-          <p:cNvPr id="3" name="Vertical Text Placeholder 2">
-            <a:extLst>
-              <a:ext uri="{FF2B5EF4-FFF2-40B4-BE49-F238E27FC236}">
-                <a16:creationId xmlns:a16="http://schemas.microsoft.com/office/drawing/2014/main" id="{CFEAAA66-FA8F-9EEC-F618-2E94D6D4B18C}"/>
-              </a:ext>
-            </a:extLst>
-          </p:cNvPr>
+            <a:endParaRPr lang="en-US" dirty="0"/>
+          </a:p>
+        </p:txBody>
+      </p:sp>
+      <p:sp>
+        <p:nvSpPr>
+          <p:cNvPr id="3" name="Vertical Text Placeholder 2"/>
           <p:cNvSpPr>
             <a:spLocks noGrp="1"/>
           </p:cNvSpPr>
@@ -413,7 +2998,7 @@
         </p:nvSpPr>
         <p:spPr/>
         <p:txBody>
-          <a:bodyPr vert="eaVert"/>
+          <a:bodyPr vert="eaVert" anchor="t" anchorCtr="0"/>
           <a:lstStyle/>
           <a:p>
             <a:pPr lvl="0"/>
@@ -449,19 +3034,13 @@
               <a:rPr lang="en-US"/>
               <a:t>Fifth level</a:t>
             </a:r>
-            <a:endParaRPr lang="en-IN"/>
-          </a:p>
-        </p:txBody>
-      </p:sp>
-      <p:sp>
-        <p:nvSpPr>
-          <p:cNvPr id="4" name="Date Placeholder 3">
-            <a:extLst>
-              <a:ext uri="{FF2B5EF4-FFF2-40B4-BE49-F238E27FC236}">
-                <a16:creationId xmlns:a16="http://schemas.microsoft.com/office/drawing/2014/main" id="{6A4E4534-3AE5-B680-22D8-688AF8B7FA06}"/>
-              </a:ext>
-            </a:extLst>
-          </p:cNvPr>
+            <a:endParaRPr lang="en-US" dirty="0"/>
+          </a:p>
+        </p:txBody>
+      </p:sp>
+      <p:sp>
+        <p:nvSpPr>
+          <p:cNvPr id="4" name="Date Placeholder 3"/>
           <p:cNvSpPr>
             <a:spLocks noGrp="1"/>
           </p:cNvSpPr>
@@ -476,7 +3055,7 @@
           <a:p>
             <a:fld id="{5BFDB454-C351-4665-A551-EB636ED755C8}" type="datetimeFigureOut">
               <a:rPr lang="en-IN" smtClean="0"/>
-              <a:t>04-10-2025</a:t>
+              <a:t>08-10-2025</a:t>
             </a:fld>
             <a:endParaRPr lang="en-IN"/>
           </a:p>
@@ -484,13 +3063,7 @@
       </p:sp>
       <p:sp>
         <p:nvSpPr>
-          <p:cNvPr id="5" name="Footer Placeholder 4">
-            <a:extLst>
-              <a:ext uri="{FF2B5EF4-FFF2-40B4-BE49-F238E27FC236}">
-                <a16:creationId xmlns:a16="http://schemas.microsoft.com/office/drawing/2014/main" id="{DEEAB899-4153-87D9-E5B4-6F69B36A19FC}"/>
-              </a:ext>
-            </a:extLst>
-          </p:cNvPr>
+          <p:cNvPr id="5" name="Footer Placeholder 4"/>
           <p:cNvSpPr>
             <a:spLocks noGrp="1"/>
           </p:cNvSpPr>
@@ -509,13 +3082,7 @@
       </p:sp>
       <p:sp>
         <p:nvSpPr>
-          <p:cNvPr id="6" name="Slide Number Placeholder 5">
-            <a:extLst>
-              <a:ext uri="{FF2B5EF4-FFF2-40B4-BE49-F238E27FC236}">
-                <a16:creationId xmlns:a16="http://schemas.microsoft.com/office/drawing/2014/main" id="{EE319079-3E8D-BEDF-219B-56770443957A}"/>
-              </a:ext>
-            </a:extLst>
-          </p:cNvPr>
+          <p:cNvPr id="6" name="Slide Number Placeholder 5"/>
           <p:cNvSpPr>
             <a:spLocks noGrp="1"/>
           </p:cNvSpPr>
@@ -539,20 +3106,20 @@
     </p:spTree>
     <p:extLst>
       <p:ext uri="{BB962C8B-B14F-4D97-AF65-F5344CB8AC3E}">
-        <p14:creationId xmlns:p14="http://schemas.microsoft.com/office/powerpoint/2010/main" val="2406643611"/>
+        <p14:creationId xmlns:p14="http://schemas.microsoft.com/office/powerpoint/2010/main" val="3159220303"/>
       </p:ext>
     </p:extLst>
   </p:cSld>
   <p:clrMapOvr>
     <a:masterClrMapping/>
   </p:clrMapOvr>
-  <mc:AlternateContent xmlns:mc="http://schemas.openxmlformats.org/markup-compatibility/2006">
-    <mc:Choice xmlns:p159="http://schemas.microsoft.com/office/powerpoint/2015/09/main" Requires="p159">
+  <mc:AlternateContent xmlns:mc="http://schemas.openxmlformats.org/markup-compatibility/2006" xmlns:p159="http://schemas.microsoft.com/office/powerpoint/2015/09/main">
+    <mc:Choice Requires="p159">
       <p:transition xmlns:p14="http://schemas.microsoft.com/office/powerpoint/2010/main" spd="slow" p14:dur="2000">
         <p159:morph option="byObject"/>
       </p:transition>
     </mc:Choice>
-    <mc:Fallback>
+    <mc:Fallback xmlns="">
       <p:transition spd="slow">
         <p:fade/>
       </p:transition>
@@ -561,7 +3128,7 @@
 </p:sldLayout>
 </file>
 
-<file path=ppt/slideLayouts/slideLayout11.xml><?xml version="1.0" encoding="utf-8"?>
+<file path=ppt/slideLayouts/slideLayout17.xml><?xml version="1.0" encoding="utf-8"?>
 <p:sldLayout xmlns:a="http://schemas.openxmlformats.org/drawingml/2006/main" xmlns:r="http://schemas.openxmlformats.org/officeDocument/2006/relationships" xmlns:p="http://schemas.openxmlformats.org/presentationml/2006/main" type="vertTitleAndTx" preserve="1">
   <p:cSld name="Vertical Title and Text">
     <p:spTree>
@@ -580,13 +3147,7 @@
       </p:grpSpPr>
       <p:sp>
         <p:nvSpPr>
-          <p:cNvPr id="2" name="Vertical Title 1">
-            <a:extLst>
-              <a:ext uri="{FF2B5EF4-FFF2-40B4-BE49-F238E27FC236}">
-                <a16:creationId xmlns:a16="http://schemas.microsoft.com/office/drawing/2014/main" id="{E0C4971F-3C38-7AB1-E3F4-E510FC0906AA}"/>
-              </a:ext>
-            </a:extLst>
-          </p:cNvPr>
+          <p:cNvPr id="2" name="Vertical Title 1"/>
           <p:cNvSpPr>
             <a:spLocks noGrp="1"/>
           </p:cNvSpPr>
@@ -596,48 +3157,42 @@
         </p:nvSpPr>
         <p:spPr>
           <a:xfrm>
-            <a:off x="8724900" y="365125"/>
-            <a:ext cx="2628900" cy="5811838"/>
+            <a:off x="8304212" y="430213"/>
+            <a:ext cx="1752601" cy="5826125"/>
           </a:xfrm>
         </p:spPr>
         <p:txBody>
+          <a:bodyPr vert="eaVert" anchor="b" anchorCtr="0"/>
+          <a:lstStyle/>
+          <a:p>
+            <a:r>
+              <a:rPr lang="en-US"/>
+              <a:t>Click to edit Master title style</a:t>
+            </a:r>
+            <a:endParaRPr lang="en-US" dirty="0"/>
+          </a:p>
+        </p:txBody>
+      </p:sp>
+      <p:sp>
+        <p:nvSpPr>
+          <p:cNvPr id="3" name="Vertical Text Placeholder 2"/>
+          <p:cNvSpPr>
+            <a:spLocks noGrp="1"/>
+          </p:cNvSpPr>
+          <p:nvPr>
+            <p:ph type="body" orient="vert" idx="1"/>
+          </p:nvPr>
+        </p:nvSpPr>
+        <p:spPr>
+          <a:xfrm>
+            <a:off x="652463" y="887414"/>
+            <a:ext cx="7423149" cy="5368924"/>
+          </a:xfrm>
+        </p:spPr>
+        <p:txBody>
           <a:bodyPr vert="eaVert"/>
           <a:lstStyle/>
           <a:p>
-            <a:r>
-              <a:rPr lang="en-US"/>
-              <a:t>Click to edit Master title style</a:t>
-            </a:r>
-            <a:endParaRPr lang="en-IN"/>
-          </a:p>
-        </p:txBody>
-      </p:sp>
-      <p:sp>
-        <p:nvSpPr>
-          <p:cNvPr id="3" name="Vertical Text Placeholder 2">
-            <a:extLst>
-              <a:ext uri="{FF2B5EF4-FFF2-40B4-BE49-F238E27FC236}">
-                <a16:creationId xmlns:a16="http://schemas.microsoft.com/office/drawing/2014/main" id="{84F5F1F6-61F5-9B27-E28F-41900E3890C7}"/>
-              </a:ext>
-            </a:extLst>
-          </p:cNvPr>
-          <p:cNvSpPr>
-            <a:spLocks noGrp="1"/>
-          </p:cNvSpPr>
-          <p:nvPr>
-            <p:ph type="body" orient="vert" idx="1"/>
-          </p:nvPr>
-        </p:nvSpPr>
-        <p:spPr>
-          <a:xfrm>
-            <a:off x="838200" y="365125"/>
-            <a:ext cx="7734300" cy="5811838"/>
-          </a:xfrm>
-        </p:spPr>
-        <p:txBody>
-          <a:bodyPr vert="eaVert"/>
-          <a:lstStyle/>
-          <a:p>
             <a:pPr lvl="0"/>
             <a:r>
               <a:rPr lang="en-US"/>
@@ -671,19 +3226,13 @@
               <a:rPr lang="en-US"/>
               <a:t>Fifth level</a:t>
             </a:r>
-            <a:endParaRPr lang="en-IN"/>
-          </a:p>
-        </p:txBody>
-      </p:sp>
-      <p:sp>
-        <p:nvSpPr>
-          <p:cNvPr id="4" name="Date Placeholder 3">
-            <a:extLst>
-              <a:ext uri="{FF2B5EF4-FFF2-40B4-BE49-F238E27FC236}">
-                <a16:creationId xmlns:a16="http://schemas.microsoft.com/office/drawing/2014/main" id="{D642F6E5-E43D-736E-4F48-4622C5071720}"/>
-              </a:ext>
-            </a:extLst>
-          </p:cNvPr>
+            <a:endParaRPr lang="en-US" dirty="0"/>
+          </a:p>
+        </p:txBody>
+      </p:sp>
+      <p:sp>
+        <p:nvSpPr>
+          <p:cNvPr id="4" name="Date Placeholder 3"/>
           <p:cNvSpPr>
             <a:spLocks noGrp="1"/>
           </p:cNvSpPr>
@@ -698,7 +3247,7 @@
           <a:p>
             <a:fld id="{5BFDB454-C351-4665-A551-EB636ED755C8}" type="datetimeFigureOut">
               <a:rPr lang="en-IN" smtClean="0"/>
-              <a:t>04-10-2025</a:t>
+              <a:t>08-10-2025</a:t>
             </a:fld>
             <a:endParaRPr lang="en-IN"/>
           </a:p>
@@ -706,13 +3255,7 @@
       </p:sp>
       <p:sp>
         <p:nvSpPr>
-          <p:cNvPr id="5" name="Footer Placeholder 4">
-            <a:extLst>
-              <a:ext uri="{FF2B5EF4-FFF2-40B4-BE49-F238E27FC236}">
-                <a16:creationId xmlns:a16="http://schemas.microsoft.com/office/drawing/2014/main" id="{908C9065-D78D-12A1-BA49-63EDF17C564C}"/>
-              </a:ext>
-            </a:extLst>
-          </p:cNvPr>
+          <p:cNvPr id="5" name="Footer Placeholder 4"/>
           <p:cNvSpPr>
             <a:spLocks noGrp="1"/>
           </p:cNvSpPr>
@@ -731,13 +3274,7 @@
       </p:sp>
       <p:sp>
         <p:nvSpPr>
-          <p:cNvPr id="6" name="Slide Number Placeholder 5">
-            <a:extLst>
-              <a:ext uri="{FF2B5EF4-FFF2-40B4-BE49-F238E27FC236}">
-                <a16:creationId xmlns:a16="http://schemas.microsoft.com/office/drawing/2014/main" id="{3653FD32-B11F-A8AF-2280-97DAB6B1C9D0}"/>
-              </a:ext>
-            </a:extLst>
-          </p:cNvPr>
+          <p:cNvPr id="6" name="Slide Number Placeholder 5"/>
           <p:cNvSpPr>
             <a:spLocks noGrp="1"/>
           </p:cNvSpPr>
@@ -761,20 +3298,20 @@
     </p:spTree>
     <p:extLst>
       <p:ext uri="{BB962C8B-B14F-4D97-AF65-F5344CB8AC3E}">
-        <p14:creationId xmlns:p14="http://schemas.microsoft.com/office/powerpoint/2010/main" val="166267170"/>
+        <p14:creationId xmlns:p14="http://schemas.microsoft.com/office/powerpoint/2010/main" val="2091006092"/>
       </p:ext>
     </p:extLst>
   </p:cSld>
   <p:clrMapOvr>
     <a:masterClrMapping/>
   </p:clrMapOvr>
-  <mc:AlternateContent xmlns:mc="http://schemas.openxmlformats.org/markup-compatibility/2006">
-    <mc:Choice xmlns:p159="http://schemas.microsoft.com/office/powerpoint/2015/09/main" Requires="p159">
+  <mc:AlternateContent xmlns:mc="http://schemas.openxmlformats.org/markup-compatibility/2006" xmlns:p159="http://schemas.microsoft.com/office/powerpoint/2015/09/main">
+    <mc:Choice Requires="p159">
       <p:transition xmlns:p14="http://schemas.microsoft.com/office/powerpoint/2010/main" spd="slow" p14:dur="2000">
         <p159:morph option="byObject"/>
       </p:transition>
     </mc:Choice>
-    <mc:Fallback>
+    <mc:Fallback xmlns="">
       <p:transition spd="slow">
         <p:fade/>
       </p:transition>
@@ -802,13 +3339,7 @@
       </p:grpSpPr>
       <p:sp>
         <p:nvSpPr>
-          <p:cNvPr id="2" name="Title 1">
-            <a:extLst>
-              <a:ext uri="{FF2B5EF4-FFF2-40B4-BE49-F238E27FC236}">
-                <a16:creationId xmlns:a16="http://schemas.microsoft.com/office/drawing/2014/main" id="{2712799D-D85E-9295-5812-5AF95356F592}"/>
-              </a:ext>
-            </a:extLst>
-          </p:cNvPr>
+          <p:cNvPr id="2" name="Title 1"/>
           <p:cNvSpPr>
             <a:spLocks noGrp="1"/>
           </p:cNvSpPr>
@@ -825,19 +3356,13 @@
               <a:rPr lang="en-US"/>
               <a:t>Click to edit Master title style</a:t>
             </a:r>
-            <a:endParaRPr lang="en-IN"/>
-          </a:p>
-        </p:txBody>
-      </p:sp>
-      <p:sp>
-        <p:nvSpPr>
-          <p:cNvPr id="3" name="Content Placeholder 2">
-            <a:extLst>
-              <a:ext uri="{FF2B5EF4-FFF2-40B4-BE49-F238E27FC236}">
-                <a16:creationId xmlns:a16="http://schemas.microsoft.com/office/drawing/2014/main" id="{63372F69-2F6C-CCDD-8F89-9F4262B9A950}"/>
-              </a:ext>
-            </a:extLst>
-          </p:cNvPr>
+            <a:endParaRPr lang="en-US" dirty="0"/>
+          </a:p>
+        </p:txBody>
+      </p:sp>
+      <p:sp>
+        <p:nvSpPr>
+          <p:cNvPr id="3" name="Content Placeholder 2"/>
           <p:cNvSpPr>
             <a:spLocks noGrp="1"/>
           </p:cNvSpPr>
@@ -883,19 +3408,13 @@
               <a:rPr lang="en-US"/>
               <a:t>Fifth level</a:t>
             </a:r>
-            <a:endParaRPr lang="en-IN"/>
-          </a:p>
-        </p:txBody>
-      </p:sp>
-      <p:sp>
-        <p:nvSpPr>
-          <p:cNvPr id="4" name="Date Placeholder 3">
-            <a:extLst>
-              <a:ext uri="{FF2B5EF4-FFF2-40B4-BE49-F238E27FC236}">
-                <a16:creationId xmlns:a16="http://schemas.microsoft.com/office/drawing/2014/main" id="{62B932D3-A1CA-31EF-BFDE-1006D540CA0A}"/>
-              </a:ext>
-            </a:extLst>
-          </p:cNvPr>
+            <a:endParaRPr lang="en-US" dirty="0"/>
+          </a:p>
+        </p:txBody>
+      </p:sp>
+      <p:sp>
+        <p:nvSpPr>
+          <p:cNvPr id="7" name="Date Placeholder 3"/>
           <p:cNvSpPr>
             <a:spLocks noGrp="1"/>
           </p:cNvSpPr>
@@ -910,7 +3429,7 @@
           <a:p>
             <a:fld id="{5BFDB454-C351-4665-A551-EB636ED755C8}" type="datetimeFigureOut">
               <a:rPr lang="en-IN" smtClean="0"/>
-              <a:t>04-10-2025</a:t>
+              <a:t>08-10-2025</a:t>
             </a:fld>
             <a:endParaRPr lang="en-IN"/>
           </a:p>
@@ -918,13 +3437,7 @@
       </p:sp>
       <p:sp>
         <p:nvSpPr>
-          <p:cNvPr id="5" name="Footer Placeholder 4">
-            <a:extLst>
-              <a:ext uri="{FF2B5EF4-FFF2-40B4-BE49-F238E27FC236}">
-                <a16:creationId xmlns:a16="http://schemas.microsoft.com/office/drawing/2014/main" id="{08C7B97E-9D8E-97BA-6A52-5C164B7D1988}"/>
-              </a:ext>
-            </a:extLst>
-          </p:cNvPr>
+          <p:cNvPr id="5" name="Footer Placeholder 4"/>
           <p:cNvSpPr>
             <a:spLocks noGrp="1"/>
           </p:cNvSpPr>
@@ -943,13 +3456,7 @@
       </p:sp>
       <p:sp>
         <p:nvSpPr>
-          <p:cNvPr id="6" name="Slide Number Placeholder 5">
-            <a:extLst>
-              <a:ext uri="{FF2B5EF4-FFF2-40B4-BE49-F238E27FC236}">
-                <a16:creationId xmlns:a16="http://schemas.microsoft.com/office/drawing/2014/main" id="{7837BE2C-DDDC-CF87-4688-9810DACE7AC0}"/>
-              </a:ext>
-            </a:extLst>
-          </p:cNvPr>
+          <p:cNvPr id="6" name="Slide Number Placeholder 5"/>
           <p:cNvSpPr>
             <a:spLocks noGrp="1"/>
           </p:cNvSpPr>
@@ -973,20 +3480,20 @@
     </p:spTree>
     <p:extLst>
       <p:ext uri="{BB962C8B-B14F-4D97-AF65-F5344CB8AC3E}">
-        <p14:creationId xmlns:p14="http://schemas.microsoft.com/office/powerpoint/2010/main" val="1803703204"/>
+        <p14:creationId xmlns:p14="http://schemas.microsoft.com/office/powerpoint/2010/main" val="174660941"/>
       </p:ext>
     </p:extLst>
   </p:cSld>
   <p:clrMapOvr>
     <a:masterClrMapping/>
   </p:clrMapOvr>
-  <mc:AlternateContent xmlns:mc="http://schemas.openxmlformats.org/markup-compatibility/2006">
-    <mc:Choice xmlns:p159="http://schemas.microsoft.com/office/powerpoint/2015/09/main" Requires="p159">
+  <mc:AlternateContent xmlns:mc="http://schemas.openxmlformats.org/markup-compatibility/2006" xmlns:p159="http://schemas.microsoft.com/office/powerpoint/2015/09/main">
+    <mc:Choice Requires="p159">
       <p:transition xmlns:p14="http://schemas.microsoft.com/office/powerpoint/2010/main" spd="slow" p14:dur="2000">
         <p159:morph option="byObject"/>
       </p:transition>
     </mc:Choice>
-    <mc:Fallback>
+    <mc:Fallback xmlns="">
       <p:transition spd="slow">
         <p:fade/>
       </p:transition>
@@ -1014,13 +3521,7 @@
       </p:grpSpPr>
       <p:sp>
         <p:nvSpPr>
-          <p:cNvPr id="2" name="Title 1">
-            <a:extLst>
-              <a:ext uri="{FF2B5EF4-FFF2-40B4-BE49-F238E27FC236}">
-                <a16:creationId xmlns:a16="http://schemas.microsoft.com/office/drawing/2014/main" id="{70777E19-6630-1702-2ACF-6A13B837889C}"/>
-              </a:ext>
-            </a:extLst>
-          </p:cNvPr>
+          <p:cNvPr id="2" name="Title 1"/>
           <p:cNvSpPr>
             <a:spLocks noGrp="1"/>
           </p:cNvSpPr>
@@ -1030,15 +3531,15 @@
         </p:nvSpPr>
         <p:spPr>
           <a:xfrm>
-            <a:off x="831850" y="1709738"/>
-            <a:ext cx="10515600" cy="2852737"/>
+            <a:off x="1154956" y="2861733"/>
+            <a:ext cx="8825657" cy="1915647"/>
           </a:xfrm>
         </p:spPr>
         <p:txBody>
           <a:bodyPr anchor="b"/>
           <a:lstStyle>
-            <a:lvl1pPr>
-              <a:defRPr sz="6000"/>
+            <a:lvl1pPr algn="l">
+              <a:defRPr sz="4000" b="0" cap="none"/>
             </a:lvl1pPr>
           </a:lstStyle>
           <a:p>
@@ -1046,19 +3547,13 @@
               <a:rPr lang="en-US"/>
               <a:t>Click to edit Master title style</a:t>
             </a:r>
-            <a:endParaRPr lang="en-IN"/>
-          </a:p>
-        </p:txBody>
-      </p:sp>
-      <p:sp>
-        <p:nvSpPr>
-          <p:cNvPr id="3" name="Text Placeholder 2">
-            <a:extLst>
-              <a:ext uri="{FF2B5EF4-FFF2-40B4-BE49-F238E27FC236}">
-                <a16:creationId xmlns:a16="http://schemas.microsoft.com/office/drawing/2014/main" id="{BDC2A800-D2D5-80E8-636A-AF4474A8DD9C}"/>
-              </a:ext>
-            </a:extLst>
-          </p:cNvPr>
+            <a:endParaRPr lang="en-US" dirty="0"/>
+          </a:p>
+        </p:txBody>
+      </p:sp>
+      <p:sp>
+        <p:nvSpPr>
+          <p:cNvPr id="3" name="Text Placeholder 2"/>
           <p:cNvSpPr>
             <a:spLocks noGrp="1"/>
           </p:cNvSpPr>
@@ -1068,26 +3563,27 @@
         </p:nvSpPr>
         <p:spPr>
           <a:xfrm>
-            <a:off x="831850" y="4589463"/>
-            <a:ext cx="10515600" cy="1500187"/>
+            <a:off x="1154955" y="4777381"/>
+            <a:ext cx="8825658" cy="860400"/>
           </a:xfrm>
         </p:spPr>
         <p:txBody>
-          <a:bodyPr/>
+          <a:bodyPr anchor="t"/>
           <a:lstStyle>
-            <a:lvl1pPr marL="0" indent="0">
-              <a:buNone/>
-              <a:defRPr sz="2400">
+            <a:lvl1pPr marL="0" indent="0" algn="l">
+              <a:buNone/>
+              <a:defRPr sz="2000" cap="all">
                 <a:solidFill>
-                  <a:schemeClr val="tx1">
-                    <a:tint val="75000"/>
+                  <a:schemeClr val="bg2">
+                    <a:lumMod val="40000"/>
+                    <a:lumOff val="60000"/>
                   </a:schemeClr>
                 </a:solidFill>
               </a:defRPr>
             </a:lvl1pPr>
             <a:lvl2pPr marL="457200" indent="0">
               <a:buNone/>
-              <a:defRPr sz="2000">
+              <a:defRPr sz="1800">
                 <a:solidFill>
                   <a:schemeClr val="tx1">
                     <a:tint val="75000"/>
@@ -1097,7 +3593,7 @@
             </a:lvl2pPr>
             <a:lvl3pPr marL="914400" indent="0">
               <a:buNone/>
-              <a:defRPr sz="1800">
+              <a:defRPr sz="1600">
                 <a:solidFill>
                   <a:schemeClr val="tx1">
                     <a:tint val="75000"/>
@@ -1107,7 +3603,7 @@
             </a:lvl3pPr>
             <a:lvl4pPr marL="1371600" indent="0">
               <a:buNone/>
-              <a:defRPr sz="1600">
+              <a:defRPr sz="1400">
                 <a:solidFill>
                   <a:schemeClr val="tx1">
                     <a:tint val="75000"/>
@@ -1117,7 +3613,7 @@
             </a:lvl4pPr>
             <a:lvl5pPr marL="1828800" indent="0">
               <a:buNone/>
-              <a:defRPr sz="1600">
+              <a:defRPr sz="1400">
                 <a:solidFill>
                   <a:schemeClr val="tx1">
                     <a:tint val="75000"/>
@@ -1127,7 +3623,7 @@
             </a:lvl5pPr>
             <a:lvl6pPr marL="2286000" indent="0">
               <a:buNone/>
-              <a:defRPr sz="1600">
+              <a:defRPr sz="1400">
                 <a:solidFill>
                   <a:schemeClr val="tx1">
                     <a:tint val="75000"/>
@@ -1137,7 +3633,7 @@
             </a:lvl6pPr>
             <a:lvl7pPr marL="2743200" indent="0">
               <a:buNone/>
-              <a:defRPr sz="1600">
+              <a:defRPr sz="1400">
                 <a:solidFill>
                   <a:schemeClr val="tx1">
                     <a:tint val="75000"/>
@@ -1147,7 +3643,7 @@
             </a:lvl7pPr>
             <a:lvl8pPr marL="3200400" indent="0">
               <a:buNone/>
-              <a:defRPr sz="1600">
+              <a:defRPr sz="1400">
                 <a:solidFill>
                   <a:schemeClr val="tx1">
                     <a:tint val="75000"/>
@@ -1157,7 +3653,7 @@
             </a:lvl8pPr>
             <a:lvl9pPr marL="3657600" indent="0">
               <a:buNone/>
-              <a:defRPr sz="1600">
+              <a:defRPr sz="1400">
                 <a:solidFill>
                   <a:schemeClr val="tx1">
                     <a:tint val="75000"/>
@@ -1177,13 +3673,7 @@
       </p:sp>
       <p:sp>
         <p:nvSpPr>
-          <p:cNvPr id="4" name="Date Placeholder 3">
-            <a:extLst>
-              <a:ext uri="{FF2B5EF4-FFF2-40B4-BE49-F238E27FC236}">
-                <a16:creationId xmlns:a16="http://schemas.microsoft.com/office/drawing/2014/main" id="{54474597-24E0-FADE-3D55-E7A5A79D7CCE}"/>
-              </a:ext>
-            </a:extLst>
-          </p:cNvPr>
+          <p:cNvPr id="4" name="Date Placeholder 3"/>
           <p:cNvSpPr>
             <a:spLocks noGrp="1"/>
           </p:cNvSpPr>
@@ -1198,7 +3688,7 @@
           <a:p>
             <a:fld id="{5BFDB454-C351-4665-A551-EB636ED755C8}" type="datetimeFigureOut">
               <a:rPr lang="en-IN" smtClean="0"/>
-              <a:t>04-10-2025</a:t>
+              <a:t>08-10-2025</a:t>
             </a:fld>
             <a:endParaRPr lang="en-IN"/>
           </a:p>
@@ -1206,13 +3696,7 @@
       </p:sp>
       <p:sp>
         <p:nvSpPr>
-          <p:cNvPr id="5" name="Footer Placeholder 4">
-            <a:extLst>
-              <a:ext uri="{FF2B5EF4-FFF2-40B4-BE49-F238E27FC236}">
-                <a16:creationId xmlns:a16="http://schemas.microsoft.com/office/drawing/2014/main" id="{17FE9665-F80E-2EA8-0DAA-1750102872B9}"/>
-              </a:ext>
-            </a:extLst>
-          </p:cNvPr>
+          <p:cNvPr id="5" name="Footer Placeholder 4"/>
           <p:cNvSpPr>
             <a:spLocks noGrp="1"/>
           </p:cNvSpPr>
@@ -1231,13 +3715,7 @@
       </p:sp>
       <p:sp>
         <p:nvSpPr>
-          <p:cNvPr id="6" name="Slide Number Placeholder 5">
-            <a:extLst>
-              <a:ext uri="{FF2B5EF4-FFF2-40B4-BE49-F238E27FC236}">
-                <a16:creationId xmlns:a16="http://schemas.microsoft.com/office/drawing/2014/main" id="{EF956ED3-6153-9517-E501-6E464E6312CE}"/>
-              </a:ext>
-            </a:extLst>
-          </p:cNvPr>
+          <p:cNvPr id="6" name="Slide Number Placeholder 5"/>
           <p:cNvSpPr>
             <a:spLocks noGrp="1"/>
           </p:cNvSpPr>
@@ -1261,20 +3739,20 @@
     </p:spTree>
     <p:extLst>
       <p:ext uri="{BB962C8B-B14F-4D97-AF65-F5344CB8AC3E}">
-        <p14:creationId xmlns:p14="http://schemas.microsoft.com/office/powerpoint/2010/main" val="1184992147"/>
+        <p14:creationId xmlns:p14="http://schemas.microsoft.com/office/powerpoint/2010/main" val="3217277190"/>
       </p:ext>
     </p:extLst>
   </p:cSld>
   <p:clrMapOvr>
     <a:masterClrMapping/>
   </p:clrMapOvr>
-  <mc:AlternateContent xmlns:mc="http://schemas.openxmlformats.org/markup-compatibility/2006">
-    <mc:Choice xmlns:p159="http://schemas.microsoft.com/office/powerpoint/2015/09/main" Requires="p159">
+  <mc:AlternateContent xmlns:mc="http://schemas.openxmlformats.org/markup-compatibility/2006" xmlns:p159="http://schemas.microsoft.com/office/powerpoint/2015/09/main">
+    <mc:Choice Requires="p159">
       <p:transition xmlns:p14="http://schemas.microsoft.com/office/powerpoint/2010/main" spd="slow" p14:dur="2000">
         <p159:morph option="byObject"/>
       </p:transition>
     </mc:Choice>
-    <mc:Fallback>
+    <mc:Fallback xmlns="">
       <p:transition spd="slow">
         <p:fade/>
       </p:transition>
@@ -1302,13 +3780,7 @@
       </p:grpSpPr>
       <p:sp>
         <p:nvSpPr>
-          <p:cNvPr id="2" name="Title 1">
-            <a:extLst>
-              <a:ext uri="{FF2B5EF4-FFF2-40B4-BE49-F238E27FC236}">
-                <a16:creationId xmlns:a16="http://schemas.microsoft.com/office/drawing/2014/main" id="{E7588F0F-F393-662B-F67F-0F05E404F243}"/>
-              </a:ext>
-            </a:extLst>
-          </p:cNvPr>
+          <p:cNvPr id="2" name="Title 1"/>
           <p:cNvSpPr>
             <a:spLocks noGrp="1"/>
           </p:cNvSpPr>
@@ -1325,19 +3797,13 @@
               <a:rPr lang="en-US"/>
               <a:t>Click to edit Master title style</a:t>
             </a:r>
-            <a:endParaRPr lang="en-IN"/>
-          </a:p>
-        </p:txBody>
-      </p:sp>
-      <p:sp>
-        <p:nvSpPr>
-          <p:cNvPr id="3" name="Content Placeholder 2">
-            <a:extLst>
-              <a:ext uri="{FF2B5EF4-FFF2-40B4-BE49-F238E27FC236}">
-                <a16:creationId xmlns:a16="http://schemas.microsoft.com/office/drawing/2014/main" id="{862BE4C7-3B19-348E-BFBC-E087BD899635}"/>
-              </a:ext>
-            </a:extLst>
-          </p:cNvPr>
+            <a:endParaRPr lang="en-US" dirty="0"/>
+          </a:p>
+        </p:txBody>
+      </p:sp>
+      <p:sp>
+        <p:nvSpPr>
+          <p:cNvPr id="3" name="Content Placeholder 2"/>
           <p:cNvSpPr>
             <a:spLocks noGrp="1"/>
           </p:cNvSpPr>
@@ -1347,177 +3813,213 @@
         </p:nvSpPr>
         <p:spPr>
           <a:xfrm>
-            <a:off x="838200" y="1825625"/>
-            <a:ext cx="5181600" cy="4351338"/>
+            <a:off x="1103312" y="2060575"/>
+            <a:ext cx="4396339" cy="4195763"/>
           </a:xfrm>
         </p:spPr>
         <p:txBody>
+          <a:bodyPr>
+            <a:normAutofit/>
+          </a:bodyPr>
+          <a:lstStyle>
+            <a:lvl1pPr>
+              <a:defRPr sz="1800"/>
+            </a:lvl1pPr>
+            <a:lvl2pPr>
+              <a:defRPr sz="1600"/>
+            </a:lvl2pPr>
+            <a:lvl3pPr>
+              <a:defRPr sz="1400"/>
+            </a:lvl3pPr>
+            <a:lvl4pPr>
+              <a:defRPr sz="1200"/>
+            </a:lvl4pPr>
+            <a:lvl5pPr>
+              <a:defRPr sz="1200"/>
+            </a:lvl5pPr>
+            <a:lvl6pPr>
+              <a:defRPr sz="1200"/>
+            </a:lvl6pPr>
+            <a:lvl7pPr>
+              <a:defRPr sz="1200"/>
+            </a:lvl7pPr>
+            <a:lvl8pPr>
+              <a:defRPr sz="1200"/>
+            </a:lvl8pPr>
+            <a:lvl9pPr>
+              <a:defRPr sz="1200"/>
+            </a:lvl9pPr>
+          </a:lstStyle>
+          <a:p>
+            <a:pPr lvl="0"/>
+            <a:r>
+              <a:rPr lang="en-US"/>
+              <a:t>Click to edit Master text styles</a:t>
+            </a:r>
+          </a:p>
+          <a:p>
+            <a:pPr lvl="1"/>
+            <a:r>
+              <a:rPr lang="en-US"/>
+              <a:t>Second level</a:t>
+            </a:r>
+          </a:p>
+          <a:p>
+            <a:pPr lvl="2"/>
+            <a:r>
+              <a:rPr lang="en-US"/>
+              <a:t>Third level</a:t>
+            </a:r>
+          </a:p>
+          <a:p>
+            <a:pPr lvl="3"/>
+            <a:r>
+              <a:rPr lang="en-US"/>
+              <a:t>Fourth level</a:t>
+            </a:r>
+          </a:p>
+          <a:p>
+            <a:pPr lvl="4"/>
+            <a:r>
+              <a:rPr lang="en-US"/>
+              <a:t>Fifth level</a:t>
+            </a:r>
+            <a:endParaRPr lang="en-US" dirty="0"/>
+          </a:p>
+        </p:txBody>
+      </p:sp>
+      <p:sp>
+        <p:nvSpPr>
+          <p:cNvPr id="4" name="Content Placeholder 3"/>
+          <p:cNvSpPr>
+            <a:spLocks noGrp="1"/>
+          </p:cNvSpPr>
+          <p:nvPr>
+            <p:ph sz="half" idx="2"/>
+          </p:nvPr>
+        </p:nvSpPr>
+        <p:spPr>
+          <a:xfrm>
+            <a:off x="5654493" y="2056092"/>
+            <a:ext cx="4396341" cy="4200245"/>
+          </a:xfrm>
+        </p:spPr>
+        <p:txBody>
+          <a:bodyPr>
+            <a:normAutofit/>
+          </a:bodyPr>
+          <a:lstStyle>
+            <a:lvl1pPr>
+              <a:defRPr sz="1800"/>
+            </a:lvl1pPr>
+            <a:lvl2pPr>
+              <a:defRPr sz="1600"/>
+            </a:lvl2pPr>
+            <a:lvl3pPr>
+              <a:defRPr sz="1400"/>
+            </a:lvl3pPr>
+            <a:lvl4pPr>
+              <a:defRPr sz="1200"/>
+            </a:lvl4pPr>
+            <a:lvl5pPr>
+              <a:defRPr sz="1200"/>
+            </a:lvl5pPr>
+            <a:lvl6pPr>
+              <a:defRPr sz="1200"/>
+            </a:lvl6pPr>
+            <a:lvl7pPr>
+              <a:defRPr sz="1200"/>
+            </a:lvl7pPr>
+            <a:lvl8pPr>
+              <a:defRPr sz="1200"/>
+            </a:lvl8pPr>
+            <a:lvl9pPr>
+              <a:defRPr sz="1200"/>
+            </a:lvl9pPr>
+          </a:lstStyle>
+          <a:p>
+            <a:pPr lvl="0"/>
+            <a:r>
+              <a:rPr lang="en-US"/>
+              <a:t>Click to edit Master text styles</a:t>
+            </a:r>
+          </a:p>
+          <a:p>
+            <a:pPr lvl="1"/>
+            <a:r>
+              <a:rPr lang="en-US"/>
+              <a:t>Second level</a:t>
+            </a:r>
+          </a:p>
+          <a:p>
+            <a:pPr lvl="2"/>
+            <a:r>
+              <a:rPr lang="en-US"/>
+              <a:t>Third level</a:t>
+            </a:r>
+          </a:p>
+          <a:p>
+            <a:pPr lvl="3"/>
+            <a:r>
+              <a:rPr lang="en-US"/>
+              <a:t>Fourth level</a:t>
+            </a:r>
+          </a:p>
+          <a:p>
+            <a:pPr lvl="4"/>
+            <a:r>
+              <a:rPr lang="en-US"/>
+              <a:t>Fifth level</a:t>
+            </a:r>
+            <a:endParaRPr lang="en-US" dirty="0"/>
+          </a:p>
+        </p:txBody>
+      </p:sp>
+      <p:sp>
+        <p:nvSpPr>
+          <p:cNvPr id="5" name="Date Placeholder 4"/>
+          <p:cNvSpPr>
+            <a:spLocks noGrp="1"/>
+          </p:cNvSpPr>
+          <p:nvPr>
+            <p:ph type="dt" sz="half" idx="10"/>
+          </p:nvPr>
+        </p:nvSpPr>
+        <p:spPr/>
+        <p:txBody>
           <a:bodyPr/>
           <a:lstStyle/>
           <a:p>
-            <a:pPr lvl="0"/>
-            <a:r>
-              <a:rPr lang="en-US"/>
-              <a:t>Click to edit Master text styles</a:t>
-            </a:r>
-          </a:p>
-          <a:p>
-            <a:pPr lvl="1"/>
-            <a:r>
-              <a:rPr lang="en-US"/>
-              <a:t>Second level</a:t>
-            </a:r>
-          </a:p>
-          <a:p>
-            <a:pPr lvl="2"/>
-            <a:r>
-              <a:rPr lang="en-US"/>
-              <a:t>Third level</a:t>
-            </a:r>
-          </a:p>
-          <a:p>
-            <a:pPr lvl="3"/>
-            <a:r>
-              <a:rPr lang="en-US"/>
-              <a:t>Fourth level</a:t>
-            </a:r>
-          </a:p>
-          <a:p>
-            <a:pPr lvl="4"/>
-            <a:r>
-              <a:rPr lang="en-US"/>
-              <a:t>Fifth level</a:t>
-            </a:r>
+            <a:fld id="{5BFDB454-C351-4665-A551-EB636ED755C8}" type="datetimeFigureOut">
+              <a:rPr lang="en-IN" smtClean="0"/>
+              <a:t>08-10-2025</a:t>
+            </a:fld>
             <a:endParaRPr lang="en-IN"/>
           </a:p>
         </p:txBody>
       </p:sp>
       <p:sp>
         <p:nvSpPr>
-          <p:cNvPr id="4" name="Content Placeholder 3">
-            <a:extLst>
-              <a:ext uri="{FF2B5EF4-FFF2-40B4-BE49-F238E27FC236}">
-                <a16:creationId xmlns:a16="http://schemas.microsoft.com/office/drawing/2014/main" id="{41427EC5-2239-58D8-0D68-DF262C787721}"/>
-              </a:ext>
-            </a:extLst>
-          </p:cNvPr>
-          <p:cNvSpPr>
-            <a:spLocks noGrp="1"/>
-          </p:cNvSpPr>
-          <p:nvPr>
-            <p:ph sz="half" idx="2"/>
-          </p:nvPr>
-        </p:nvSpPr>
-        <p:spPr>
-          <a:xfrm>
-            <a:off x="6172200" y="1825625"/>
-            <a:ext cx="5181600" cy="4351338"/>
-          </a:xfrm>
-        </p:spPr>
+          <p:cNvPr id="6" name="Footer Placeholder 5"/>
+          <p:cNvSpPr>
+            <a:spLocks noGrp="1"/>
+          </p:cNvSpPr>
+          <p:nvPr>
+            <p:ph type="ftr" sz="quarter" idx="11"/>
+          </p:nvPr>
+        </p:nvSpPr>
+        <p:spPr/>
         <p:txBody>
           <a:bodyPr/>
           <a:lstStyle/>
           <a:p>
-            <a:pPr lvl="0"/>
-            <a:r>
-              <a:rPr lang="en-US"/>
-              <a:t>Click to edit Master text styles</a:t>
-            </a:r>
-          </a:p>
-          <a:p>
-            <a:pPr lvl="1"/>
-            <a:r>
-              <a:rPr lang="en-US"/>
-              <a:t>Second level</a:t>
-            </a:r>
-          </a:p>
-          <a:p>
-            <a:pPr lvl="2"/>
-            <a:r>
-              <a:rPr lang="en-US"/>
-              <a:t>Third level</a:t>
-            </a:r>
-          </a:p>
-          <a:p>
-            <a:pPr lvl="3"/>
-            <a:r>
-              <a:rPr lang="en-US"/>
-              <a:t>Fourth level</a:t>
-            </a:r>
-          </a:p>
-          <a:p>
-            <a:pPr lvl="4"/>
-            <a:r>
-              <a:rPr lang="en-US"/>
-              <a:t>Fifth level</a:t>
-            </a:r>
             <a:endParaRPr lang="en-IN"/>
           </a:p>
         </p:txBody>
       </p:sp>
       <p:sp>
         <p:nvSpPr>
-          <p:cNvPr id="5" name="Date Placeholder 4">
-            <a:extLst>
-              <a:ext uri="{FF2B5EF4-FFF2-40B4-BE49-F238E27FC236}">
-                <a16:creationId xmlns:a16="http://schemas.microsoft.com/office/drawing/2014/main" id="{8BB4546C-C75C-496F-669A-BC99E9009BDF}"/>
-              </a:ext>
-            </a:extLst>
-          </p:cNvPr>
-          <p:cNvSpPr>
-            <a:spLocks noGrp="1"/>
-          </p:cNvSpPr>
-          <p:nvPr>
-            <p:ph type="dt" sz="half" idx="10"/>
-          </p:nvPr>
-        </p:nvSpPr>
-        <p:spPr/>
-        <p:txBody>
-          <a:bodyPr/>
-          <a:lstStyle/>
-          <a:p>
-            <a:fld id="{5BFDB454-C351-4665-A551-EB636ED755C8}" type="datetimeFigureOut">
-              <a:rPr lang="en-IN" smtClean="0"/>
-              <a:t>04-10-2025</a:t>
-            </a:fld>
-            <a:endParaRPr lang="en-IN"/>
-          </a:p>
-        </p:txBody>
-      </p:sp>
-      <p:sp>
-        <p:nvSpPr>
-          <p:cNvPr id="6" name="Footer Placeholder 5">
-            <a:extLst>
-              <a:ext uri="{FF2B5EF4-FFF2-40B4-BE49-F238E27FC236}">
-                <a16:creationId xmlns:a16="http://schemas.microsoft.com/office/drawing/2014/main" id="{EA736050-6B34-E9E9-F854-6D9B0580D384}"/>
-              </a:ext>
-            </a:extLst>
-          </p:cNvPr>
-          <p:cNvSpPr>
-            <a:spLocks noGrp="1"/>
-          </p:cNvSpPr>
-          <p:nvPr>
-            <p:ph type="ftr" sz="quarter" idx="11"/>
-          </p:nvPr>
-        </p:nvSpPr>
-        <p:spPr/>
-        <p:txBody>
-          <a:bodyPr/>
-          <a:lstStyle/>
-          <a:p>
-            <a:endParaRPr lang="en-IN"/>
-          </a:p>
-        </p:txBody>
-      </p:sp>
-      <p:sp>
-        <p:nvSpPr>
-          <p:cNvPr id="7" name="Slide Number Placeholder 6">
-            <a:extLst>
-              <a:ext uri="{FF2B5EF4-FFF2-40B4-BE49-F238E27FC236}">
-                <a16:creationId xmlns:a16="http://schemas.microsoft.com/office/drawing/2014/main" id="{CF705987-FC21-C59F-C437-80C93D49D1BD}"/>
-              </a:ext>
-            </a:extLst>
-          </p:cNvPr>
+          <p:cNvPr id="7" name="Slide Number Placeholder 6"/>
           <p:cNvSpPr>
             <a:spLocks noGrp="1"/>
           </p:cNvSpPr>
@@ -1541,20 +4043,20 @@
     </p:spTree>
     <p:extLst>
       <p:ext uri="{BB962C8B-B14F-4D97-AF65-F5344CB8AC3E}">
-        <p14:creationId xmlns:p14="http://schemas.microsoft.com/office/powerpoint/2010/main" val="1656694412"/>
+        <p14:creationId xmlns:p14="http://schemas.microsoft.com/office/powerpoint/2010/main" val="4287355432"/>
       </p:ext>
     </p:extLst>
   </p:cSld>
   <p:clrMapOvr>
     <a:masterClrMapping/>
   </p:clrMapOvr>
-  <mc:AlternateContent xmlns:mc="http://schemas.openxmlformats.org/markup-compatibility/2006">
-    <mc:Choice xmlns:p159="http://schemas.microsoft.com/office/powerpoint/2015/09/main" Requires="p159">
+  <mc:AlternateContent xmlns:mc="http://schemas.openxmlformats.org/markup-compatibility/2006" xmlns:p159="http://schemas.microsoft.com/office/powerpoint/2015/09/main">
+    <mc:Choice Requires="p159">
       <p:transition xmlns:p14="http://schemas.microsoft.com/office/powerpoint/2010/main" spd="slow" p14:dur="2000">
         <p159:morph option="byObject"/>
       </p:transition>
     </mc:Choice>
-    <mc:Fallback>
+    <mc:Fallback xmlns="">
       <p:transition spd="slow">
         <p:fade/>
       </p:transition>
@@ -1582,66 +4084,62 @@
       </p:grpSpPr>
       <p:sp>
         <p:nvSpPr>
-          <p:cNvPr id="2" name="Title 1">
-            <a:extLst>
-              <a:ext uri="{FF2B5EF4-FFF2-40B4-BE49-F238E27FC236}">
-                <a16:creationId xmlns:a16="http://schemas.microsoft.com/office/drawing/2014/main" id="{22AA1108-B45D-E56F-7308-40F362BDE5DC}"/>
-              </a:ext>
-            </a:extLst>
-          </p:cNvPr>
+          <p:cNvPr id="2" name="Title 1"/>
           <p:cNvSpPr>
             <a:spLocks noGrp="1"/>
           </p:cNvSpPr>
           <p:nvPr>
             <p:ph type="title"/>
+          </p:nvPr>
+        </p:nvSpPr>
+        <p:spPr/>
+        <p:txBody>
+          <a:bodyPr/>
+          <a:lstStyle>
+            <a:lvl1pPr>
+              <a:defRPr/>
+            </a:lvl1pPr>
+          </a:lstStyle>
+          <a:p>
+            <a:r>
+              <a:rPr lang="en-US"/>
+              <a:t>Click to edit Master title style</a:t>
+            </a:r>
+            <a:endParaRPr lang="en-US" dirty="0"/>
+          </a:p>
+        </p:txBody>
+      </p:sp>
+      <p:sp>
+        <p:nvSpPr>
+          <p:cNvPr id="3" name="Text Placeholder 2"/>
+          <p:cNvSpPr>
+            <a:spLocks noGrp="1"/>
+          </p:cNvSpPr>
+          <p:nvPr>
+            <p:ph type="body" idx="1"/>
           </p:nvPr>
         </p:nvSpPr>
         <p:spPr>
           <a:xfrm>
-            <a:off x="839788" y="365125"/>
-            <a:ext cx="10515600" cy="1325563"/>
+            <a:off x="1103313" y="1905000"/>
+            <a:ext cx="4396338" cy="576262"/>
           </a:xfrm>
         </p:spPr>
         <p:txBody>
-          <a:bodyPr/>
-          <a:lstStyle/>
-          <a:p>
-            <a:r>
-              <a:rPr lang="en-US"/>
-              <a:t>Click to edit Master title style</a:t>
-            </a:r>
-            <a:endParaRPr lang="en-IN"/>
-          </a:p>
-        </p:txBody>
-      </p:sp>
-      <p:sp>
-        <p:nvSpPr>
-          <p:cNvPr id="3" name="Text Placeholder 2">
-            <a:extLst>
-              <a:ext uri="{FF2B5EF4-FFF2-40B4-BE49-F238E27FC236}">
-                <a16:creationId xmlns:a16="http://schemas.microsoft.com/office/drawing/2014/main" id="{A09822EC-C6C8-D850-36F2-0568715546E1}"/>
-              </a:ext>
-            </a:extLst>
-          </p:cNvPr>
-          <p:cNvSpPr>
-            <a:spLocks noGrp="1"/>
-          </p:cNvSpPr>
-          <p:nvPr>
-            <p:ph type="body" idx="1"/>
-          </p:nvPr>
-        </p:nvSpPr>
-        <p:spPr>
-          <a:xfrm>
-            <a:off x="839788" y="1681163"/>
-            <a:ext cx="5157787" cy="823912"/>
-          </a:xfrm>
-        </p:spPr>
-        <p:txBody>
-          <a:bodyPr anchor="b"/>
+          <a:bodyPr anchor="b">
+            <a:noAutofit/>
+          </a:bodyPr>
           <a:lstStyle>
             <a:lvl1pPr marL="0" indent="0">
               <a:buNone/>
-              <a:defRPr sz="2400" b="1"/>
+              <a:defRPr sz="2400" b="0">
+                <a:solidFill>
+                  <a:schemeClr val="bg2">
+                    <a:lumMod val="40000"/>
+                    <a:lumOff val="60000"/>
+                  </a:schemeClr>
+                </a:solidFill>
+              </a:defRPr>
             </a:lvl1pPr>
             <a:lvl2pPr marL="457200" indent="0">
               <a:buNone/>
@@ -1687,13 +4185,7 @@
       </p:sp>
       <p:sp>
         <p:nvSpPr>
-          <p:cNvPr id="4" name="Content Placeholder 3">
-            <a:extLst>
-              <a:ext uri="{FF2B5EF4-FFF2-40B4-BE49-F238E27FC236}">
-                <a16:creationId xmlns:a16="http://schemas.microsoft.com/office/drawing/2014/main" id="{0075BAA9-B1A8-1DD4-709C-80408ABC2597}"/>
-              </a:ext>
-            </a:extLst>
-          </p:cNvPr>
+          <p:cNvPr id="4" name="Content Placeholder 3"/>
           <p:cNvSpPr>
             <a:spLocks noGrp="1"/>
           </p:cNvSpPr>
@@ -1703,13 +4195,43 @@
         </p:nvSpPr>
         <p:spPr>
           <a:xfrm>
-            <a:off x="839788" y="2505075"/>
-            <a:ext cx="5157787" cy="3684588"/>
+            <a:off x="1103312" y="2514600"/>
+            <a:ext cx="4396339" cy="3741738"/>
           </a:xfrm>
         </p:spPr>
         <p:txBody>
-          <a:bodyPr/>
-          <a:lstStyle/>
+          <a:bodyPr>
+            <a:normAutofit/>
+          </a:bodyPr>
+          <a:lstStyle>
+            <a:lvl1pPr>
+              <a:defRPr sz="1800"/>
+            </a:lvl1pPr>
+            <a:lvl2pPr>
+              <a:defRPr sz="1600"/>
+            </a:lvl2pPr>
+            <a:lvl3pPr>
+              <a:defRPr sz="1400"/>
+            </a:lvl3pPr>
+            <a:lvl4pPr>
+              <a:defRPr sz="1200"/>
+            </a:lvl4pPr>
+            <a:lvl5pPr>
+              <a:defRPr sz="1200"/>
+            </a:lvl5pPr>
+            <a:lvl6pPr>
+              <a:defRPr sz="1200"/>
+            </a:lvl6pPr>
+            <a:lvl7pPr>
+              <a:defRPr sz="1200"/>
+            </a:lvl7pPr>
+            <a:lvl8pPr>
+              <a:defRPr sz="1200"/>
+            </a:lvl8pPr>
+            <a:lvl9pPr>
+              <a:defRPr sz="1200"/>
+            </a:lvl9pPr>
+          </a:lstStyle>
           <a:p>
             <a:pPr lvl="0"/>
             <a:r>
@@ -1744,19 +4266,13 @@
               <a:rPr lang="en-US"/>
               <a:t>Fifth level</a:t>
             </a:r>
-            <a:endParaRPr lang="en-IN"/>
-          </a:p>
-        </p:txBody>
-      </p:sp>
-      <p:sp>
-        <p:nvSpPr>
-          <p:cNvPr id="5" name="Text Placeholder 4">
-            <a:extLst>
-              <a:ext uri="{FF2B5EF4-FFF2-40B4-BE49-F238E27FC236}">
-                <a16:creationId xmlns:a16="http://schemas.microsoft.com/office/drawing/2014/main" id="{5F32D4EC-0D0F-298C-5746-940C005AD4EC}"/>
-              </a:ext>
-            </a:extLst>
-          </p:cNvPr>
+            <a:endParaRPr lang="en-US" dirty="0"/>
+          </a:p>
+        </p:txBody>
+      </p:sp>
+      <p:sp>
+        <p:nvSpPr>
+          <p:cNvPr id="5" name="Text Placeholder 4"/>
           <p:cNvSpPr>
             <a:spLocks noGrp="1"/>
           </p:cNvSpPr>
@@ -1766,16 +4282,25 @@
         </p:nvSpPr>
         <p:spPr>
           <a:xfrm>
-            <a:off x="6172200" y="1681163"/>
-            <a:ext cx="5183188" cy="823912"/>
+            <a:off x="5654495" y="1905000"/>
+            <a:ext cx="4396339" cy="576262"/>
           </a:xfrm>
         </p:spPr>
         <p:txBody>
-          <a:bodyPr anchor="b"/>
+          <a:bodyPr anchor="b">
+            <a:noAutofit/>
+          </a:bodyPr>
           <a:lstStyle>
             <a:lvl1pPr marL="0" indent="0">
               <a:buNone/>
-              <a:defRPr sz="2400" b="1"/>
+              <a:defRPr sz="2400" b="0">
+                <a:solidFill>
+                  <a:schemeClr val="bg2">
+                    <a:lumMod val="40000"/>
+                    <a:lumOff val="60000"/>
+                  </a:schemeClr>
+                </a:solidFill>
+              </a:defRPr>
             </a:lvl1pPr>
             <a:lvl2pPr marL="457200" indent="0">
               <a:buNone/>
@@ -1821,13 +4346,7 @@
       </p:sp>
       <p:sp>
         <p:nvSpPr>
-          <p:cNvPr id="6" name="Content Placeholder 5">
-            <a:extLst>
-              <a:ext uri="{FF2B5EF4-FFF2-40B4-BE49-F238E27FC236}">
-                <a16:creationId xmlns:a16="http://schemas.microsoft.com/office/drawing/2014/main" id="{A6E88DDB-7E75-62B4-A1F9-10F6925D7ED5}"/>
-              </a:ext>
-            </a:extLst>
-          </p:cNvPr>
+          <p:cNvPr id="6" name="Content Placeholder 5"/>
           <p:cNvSpPr>
             <a:spLocks noGrp="1"/>
           </p:cNvSpPr>
@@ -1837,65 +4356,112 @@
         </p:nvSpPr>
         <p:spPr>
           <a:xfrm>
-            <a:off x="6172200" y="2505075"/>
-            <a:ext cx="5183188" cy="3684588"/>
+            <a:off x="5654495" y="2514600"/>
+            <a:ext cx="4396339" cy="3741738"/>
           </a:xfrm>
         </p:spPr>
         <p:txBody>
+          <a:bodyPr>
+            <a:normAutofit/>
+          </a:bodyPr>
+          <a:lstStyle>
+            <a:lvl1pPr>
+              <a:defRPr sz="1800"/>
+            </a:lvl1pPr>
+            <a:lvl2pPr>
+              <a:defRPr sz="1600"/>
+            </a:lvl2pPr>
+            <a:lvl3pPr>
+              <a:defRPr sz="1400"/>
+            </a:lvl3pPr>
+            <a:lvl4pPr>
+              <a:defRPr sz="1200"/>
+            </a:lvl4pPr>
+            <a:lvl5pPr>
+              <a:defRPr sz="1200"/>
+            </a:lvl5pPr>
+            <a:lvl6pPr>
+              <a:defRPr sz="1200"/>
+            </a:lvl6pPr>
+            <a:lvl7pPr>
+              <a:defRPr sz="1200"/>
+            </a:lvl7pPr>
+            <a:lvl8pPr>
+              <a:defRPr sz="1200"/>
+            </a:lvl8pPr>
+            <a:lvl9pPr>
+              <a:defRPr sz="1200"/>
+            </a:lvl9pPr>
+          </a:lstStyle>
+          <a:p>
+            <a:pPr lvl="0"/>
+            <a:r>
+              <a:rPr lang="en-US"/>
+              <a:t>Click to edit Master text styles</a:t>
+            </a:r>
+          </a:p>
+          <a:p>
+            <a:pPr lvl="1"/>
+            <a:r>
+              <a:rPr lang="en-US"/>
+              <a:t>Second level</a:t>
+            </a:r>
+          </a:p>
+          <a:p>
+            <a:pPr lvl="2"/>
+            <a:r>
+              <a:rPr lang="en-US"/>
+              <a:t>Third level</a:t>
+            </a:r>
+          </a:p>
+          <a:p>
+            <a:pPr lvl="3"/>
+            <a:r>
+              <a:rPr lang="en-US"/>
+              <a:t>Fourth level</a:t>
+            </a:r>
+          </a:p>
+          <a:p>
+            <a:pPr lvl="4"/>
+            <a:r>
+              <a:rPr lang="en-US"/>
+              <a:t>Fifth level</a:t>
+            </a:r>
+            <a:endParaRPr lang="en-US" dirty="0"/>
+          </a:p>
+        </p:txBody>
+      </p:sp>
+      <p:sp>
+        <p:nvSpPr>
+          <p:cNvPr id="7" name="Date Placeholder 6"/>
+          <p:cNvSpPr>
+            <a:spLocks noGrp="1"/>
+          </p:cNvSpPr>
+          <p:nvPr>
+            <p:ph type="dt" sz="half" idx="10"/>
+          </p:nvPr>
+        </p:nvSpPr>
+        <p:spPr/>
+        <p:txBody>
           <a:bodyPr/>
           <a:lstStyle/>
           <a:p>
-            <a:pPr lvl="0"/>
-            <a:r>
-              <a:rPr lang="en-US"/>
-              <a:t>Click to edit Master text styles</a:t>
-            </a:r>
-          </a:p>
-          <a:p>
-            <a:pPr lvl="1"/>
-            <a:r>
-              <a:rPr lang="en-US"/>
-              <a:t>Second level</a:t>
-            </a:r>
-          </a:p>
-          <a:p>
-            <a:pPr lvl="2"/>
-            <a:r>
-              <a:rPr lang="en-US"/>
-              <a:t>Third level</a:t>
-            </a:r>
-          </a:p>
-          <a:p>
-            <a:pPr lvl="3"/>
-            <a:r>
-              <a:rPr lang="en-US"/>
-              <a:t>Fourth level</a:t>
-            </a:r>
-          </a:p>
-          <a:p>
-            <a:pPr lvl="4"/>
-            <a:r>
-              <a:rPr lang="en-US"/>
-              <a:t>Fifth level</a:t>
-            </a:r>
+            <a:fld id="{5BFDB454-C351-4665-A551-EB636ED755C8}" type="datetimeFigureOut">
+              <a:rPr lang="en-IN" smtClean="0"/>
+              <a:t>08-10-2025</a:t>
+            </a:fld>
             <a:endParaRPr lang="en-IN"/>
           </a:p>
         </p:txBody>
       </p:sp>
       <p:sp>
         <p:nvSpPr>
-          <p:cNvPr id="7" name="Date Placeholder 6">
-            <a:extLst>
-              <a:ext uri="{FF2B5EF4-FFF2-40B4-BE49-F238E27FC236}">
-                <a16:creationId xmlns:a16="http://schemas.microsoft.com/office/drawing/2014/main" id="{2F7A10D9-0C20-10F4-31D1-FFB89EB64F11}"/>
-              </a:ext>
-            </a:extLst>
-          </p:cNvPr>
-          <p:cNvSpPr>
-            <a:spLocks noGrp="1"/>
-          </p:cNvSpPr>
-          <p:nvPr>
-            <p:ph type="dt" sz="half" idx="10"/>
+          <p:cNvPr id="8" name="Footer Placeholder 7"/>
+          <p:cNvSpPr>
+            <a:spLocks noGrp="1"/>
+          </p:cNvSpPr>
+          <p:nvPr>
+            <p:ph type="ftr" sz="quarter" idx="11"/>
           </p:nvPr>
         </p:nvSpPr>
         <p:spPr/>
@@ -1903,48 +4469,13 @@
           <a:bodyPr/>
           <a:lstStyle/>
           <a:p>
-            <a:fld id="{5BFDB454-C351-4665-A551-EB636ED755C8}" type="datetimeFigureOut">
-              <a:rPr lang="en-IN" smtClean="0"/>
-              <a:t>04-10-2025</a:t>
-            </a:fld>
             <a:endParaRPr lang="en-IN"/>
           </a:p>
         </p:txBody>
       </p:sp>
       <p:sp>
         <p:nvSpPr>
-          <p:cNvPr id="8" name="Footer Placeholder 7">
-            <a:extLst>
-              <a:ext uri="{FF2B5EF4-FFF2-40B4-BE49-F238E27FC236}">
-                <a16:creationId xmlns:a16="http://schemas.microsoft.com/office/drawing/2014/main" id="{9EE52408-F6BD-91AB-8FC7-292EEFB78703}"/>
-              </a:ext>
-            </a:extLst>
-          </p:cNvPr>
-          <p:cNvSpPr>
-            <a:spLocks noGrp="1"/>
-          </p:cNvSpPr>
-          <p:nvPr>
-            <p:ph type="ftr" sz="quarter" idx="11"/>
-          </p:nvPr>
-        </p:nvSpPr>
-        <p:spPr/>
-        <p:txBody>
-          <a:bodyPr/>
-          <a:lstStyle/>
-          <a:p>
-            <a:endParaRPr lang="en-IN"/>
-          </a:p>
-        </p:txBody>
-      </p:sp>
-      <p:sp>
-        <p:nvSpPr>
-          <p:cNvPr id="9" name="Slide Number Placeholder 8">
-            <a:extLst>
-              <a:ext uri="{FF2B5EF4-FFF2-40B4-BE49-F238E27FC236}">
-                <a16:creationId xmlns:a16="http://schemas.microsoft.com/office/drawing/2014/main" id="{DF7E6820-0385-6B48-9423-89E97D3C5653}"/>
-              </a:ext>
-            </a:extLst>
-          </p:cNvPr>
+          <p:cNvPr id="9" name="Slide Number Placeholder 8"/>
           <p:cNvSpPr>
             <a:spLocks noGrp="1"/>
           </p:cNvSpPr>
@@ -1968,20 +4499,20 @@
     </p:spTree>
     <p:extLst>
       <p:ext uri="{BB962C8B-B14F-4D97-AF65-F5344CB8AC3E}">
-        <p14:creationId xmlns:p14="http://schemas.microsoft.com/office/powerpoint/2010/main" val="3094937076"/>
+        <p14:creationId xmlns:p14="http://schemas.microsoft.com/office/powerpoint/2010/main" val="1674489054"/>
       </p:ext>
     </p:extLst>
   </p:cSld>
   <p:clrMapOvr>
     <a:masterClrMapping/>
   </p:clrMapOvr>
-  <mc:AlternateContent xmlns:mc="http://schemas.openxmlformats.org/markup-compatibility/2006">
-    <mc:Choice xmlns:p159="http://schemas.microsoft.com/office/powerpoint/2015/09/main" Requires="p159">
+  <mc:AlternateContent xmlns:mc="http://schemas.openxmlformats.org/markup-compatibility/2006" xmlns:p159="http://schemas.microsoft.com/office/powerpoint/2015/09/main">
+    <mc:Choice Requires="p159">
       <p:transition xmlns:p14="http://schemas.microsoft.com/office/powerpoint/2010/main" spd="slow" p14:dur="2000">
         <p159:morph option="byObject"/>
       </p:transition>
     </mc:Choice>
-    <mc:Fallback>
+    <mc:Fallback xmlns="">
       <p:transition spd="slow">
         <p:fade/>
       </p:transition>
@@ -2009,13 +4540,7 @@
       </p:grpSpPr>
       <p:sp>
         <p:nvSpPr>
-          <p:cNvPr id="2" name="Title 1">
-            <a:extLst>
-              <a:ext uri="{FF2B5EF4-FFF2-40B4-BE49-F238E27FC236}">
-                <a16:creationId xmlns:a16="http://schemas.microsoft.com/office/drawing/2014/main" id="{39051E1E-8938-2072-72CD-0201A047615F}"/>
-              </a:ext>
-            </a:extLst>
-          </p:cNvPr>
+          <p:cNvPr id="2" name="Title 1"/>
           <p:cNvSpPr>
             <a:spLocks noGrp="1"/>
           </p:cNvSpPr>
@@ -2032,19 +4557,13 @@
               <a:rPr lang="en-US"/>
               <a:t>Click to edit Master title style</a:t>
             </a:r>
-            <a:endParaRPr lang="en-IN"/>
-          </a:p>
-        </p:txBody>
-      </p:sp>
-      <p:sp>
-        <p:nvSpPr>
-          <p:cNvPr id="3" name="Date Placeholder 2">
-            <a:extLst>
-              <a:ext uri="{FF2B5EF4-FFF2-40B4-BE49-F238E27FC236}">
-                <a16:creationId xmlns:a16="http://schemas.microsoft.com/office/drawing/2014/main" id="{3915FBFE-147C-285B-9F79-B30497FFC8FC}"/>
-              </a:ext>
-            </a:extLst>
-          </p:cNvPr>
+            <a:endParaRPr lang="en-US" dirty="0"/>
+          </a:p>
+        </p:txBody>
+      </p:sp>
+      <p:sp>
+        <p:nvSpPr>
+          <p:cNvPr id="7" name="Date Placeholder 2"/>
           <p:cNvSpPr>
             <a:spLocks noGrp="1"/>
           </p:cNvSpPr>
@@ -2059,7 +4578,7 @@
           <a:p>
             <a:fld id="{5BFDB454-C351-4665-A551-EB636ED755C8}" type="datetimeFigureOut">
               <a:rPr lang="en-IN" smtClean="0"/>
-              <a:t>04-10-2025</a:t>
+              <a:t>08-10-2025</a:t>
             </a:fld>
             <a:endParaRPr lang="en-IN"/>
           </a:p>
@@ -2067,13 +4586,7 @@
       </p:sp>
       <p:sp>
         <p:nvSpPr>
-          <p:cNvPr id="4" name="Footer Placeholder 3">
-            <a:extLst>
-              <a:ext uri="{FF2B5EF4-FFF2-40B4-BE49-F238E27FC236}">
-                <a16:creationId xmlns:a16="http://schemas.microsoft.com/office/drawing/2014/main" id="{F8D64016-74EF-742C-3085-D00DFE855259}"/>
-              </a:ext>
-            </a:extLst>
-          </p:cNvPr>
+          <p:cNvPr id="5" name="Footer Placeholder 3"/>
           <p:cNvSpPr>
             <a:spLocks noGrp="1"/>
           </p:cNvSpPr>
@@ -2092,13 +4605,7 @@
       </p:sp>
       <p:sp>
         <p:nvSpPr>
-          <p:cNvPr id="5" name="Slide Number Placeholder 4">
-            <a:extLst>
-              <a:ext uri="{FF2B5EF4-FFF2-40B4-BE49-F238E27FC236}">
-                <a16:creationId xmlns:a16="http://schemas.microsoft.com/office/drawing/2014/main" id="{C98E8A40-59B2-E73B-5843-6F2A1489BF01}"/>
-              </a:ext>
-            </a:extLst>
-          </p:cNvPr>
+          <p:cNvPr id="6" name="Slide Number Placeholder 4"/>
           <p:cNvSpPr>
             <a:spLocks noGrp="1"/>
           </p:cNvSpPr>
@@ -2122,20 +4629,20 @@
     </p:spTree>
     <p:extLst>
       <p:ext uri="{BB962C8B-B14F-4D97-AF65-F5344CB8AC3E}">
-        <p14:creationId xmlns:p14="http://schemas.microsoft.com/office/powerpoint/2010/main" val="3948404974"/>
+        <p14:creationId xmlns:p14="http://schemas.microsoft.com/office/powerpoint/2010/main" val="3018067253"/>
       </p:ext>
     </p:extLst>
   </p:cSld>
   <p:clrMapOvr>
     <a:masterClrMapping/>
   </p:clrMapOvr>
-  <mc:AlternateContent xmlns:mc="http://schemas.openxmlformats.org/markup-compatibility/2006">
-    <mc:Choice xmlns:p159="http://schemas.microsoft.com/office/powerpoint/2015/09/main" Requires="p159">
+  <mc:AlternateContent xmlns:mc="http://schemas.openxmlformats.org/markup-compatibility/2006" xmlns:p159="http://schemas.microsoft.com/office/powerpoint/2015/09/main">
+    <mc:Choice Requires="p159">
       <p:transition xmlns:p14="http://schemas.microsoft.com/office/powerpoint/2010/main" spd="slow" p14:dur="2000">
         <p159:morph option="byObject"/>
       </p:transition>
     </mc:Choice>
-    <mc:Fallback>
+    <mc:Fallback xmlns="">
       <p:transition spd="slow">
         <p:fade/>
       </p:transition>
@@ -2163,13 +4670,7 @@
       </p:grpSpPr>
       <p:sp>
         <p:nvSpPr>
-          <p:cNvPr id="2" name="Date Placeholder 1">
-            <a:extLst>
-              <a:ext uri="{FF2B5EF4-FFF2-40B4-BE49-F238E27FC236}">
-                <a16:creationId xmlns:a16="http://schemas.microsoft.com/office/drawing/2014/main" id="{C7568245-6CEA-B0E2-3439-AEF30D65467A}"/>
-              </a:ext>
-            </a:extLst>
-          </p:cNvPr>
+          <p:cNvPr id="7" name="Date Placeholder 1"/>
           <p:cNvSpPr>
             <a:spLocks noGrp="1"/>
           </p:cNvSpPr>
@@ -2184,7 +4685,7 @@
           <a:p>
             <a:fld id="{5BFDB454-C351-4665-A551-EB636ED755C8}" type="datetimeFigureOut">
               <a:rPr lang="en-IN" smtClean="0"/>
-              <a:t>04-10-2025</a:t>
+              <a:t>08-10-2025</a:t>
             </a:fld>
             <a:endParaRPr lang="en-IN"/>
           </a:p>
@@ -2192,13 +4693,7 @@
       </p:sp>
       <p:sp>
         <p:nvSpPr>
-          <p:cNvPr id="3" name="Footer Placeholder 2">
-            <a:extLst>
-              <a:ext uri="{FF2B5EF4-FFF2-40B4-BE49-F238E27FC236}">
-                <a16:creationId xmlns:a16="http://schemas.microsoft.com/office/drawing/2014/main" id="{B7D68934-C170-894A-A3A6-9E3404EB4C40}"/>
-              </a:ext>
-            </a:extLst>
-          </p:cNvPr>
+          <p:cNvPr id="5" name="Footer Placeholder 2"/>
           <p:cNvSpPr>
             <a:spLocks noGrp="1"/>
           </p:cNvSpPr>
@@ -2217,13 +4712,7 @@
       </p:sp>
       <p:sp>
         <p:nvSpPr>
-          <p:cNvPr id="4" name="Slide Number Placeholder 3">
-            <a:extLst>
-              <a:ext uri="{FF2B5EF4-FFF2-40B4-BE49-F238E27FC236}">
-                <a16:creationId xmlns:a16="http://schemas.microsoft.com/office/drawing/2014/main" id="{8E3167CD-6D1C-600E-2918-832B7FC8C621}"/>
-              </a:ext>
-            </a:extLst>
-          </p:cNvPr>
+          <p:cNvPr id="6" name="Slide Number Placeholder 3"/>
           <p:cNvSpPr>
             <a:spLocks noGrp="1"/>
           </p:cNvSpPr>
@@ -2247,20 +4736,20 @@
     </p:spTree>
     <p:extLst>
       <p:ext uri="{BB962C8B-B14F-4D97-AF65-F5344CB8AC3E}">
-        <p14:creationId xmlns:p14="http://schemas.microsoft.com/office/powerpoint/2010/main" val="67399523"/>
+        <p14:creationId xmlns:p14="http://schemas.microsoft.com/office/powerpoint/2010/main" val="2302590995"/>
       </p:ext>
     </p:extLst>
   </p:cSld>
   <p:clrMapOvr>
     <a:masterClrMapping/>
   </p:clrMapOvr>
-  <mc:AlternateContent xmlns:mc="http://schemas.openxmlformats.org/markup-compatibility/2006">
-    <mc:Choice xmlns:p159="http://schemas.microsoft.com/office/powerpoint/2015/09/main" Requires="p159">
+  <mc:AlternateContent xmlns:mc="http://schemas.openxmlformats.org/markup-compatibility/2006" xmlns:p159="http://schemas.microsoft.com/office/powerpoint/2015/09/main">
+    <mc:Choice Requires="p159">
       <p:transition xmlns:p14="http://schemas.microsoft.com/office/powerpoint/2010/main" spd="slow" p14:dur="2000">
         <p159:morph option="byObject"/>
       </p:transition>
     </mc:Choice>
-    <mc:Fallback>
+    <mc:Fallback xmlns="">
       <p:transition spd="slow">
         <p:fade/>
       </p:transition>
@@ -2288,13 +4777,7 @@
       </p:grpSpPr>
       <p:sp>
         <p:nvSpPr>
-          <p:cNvPr id="2" name="Title 1">
-            <a:extLst>
-              <a:ext uri="{FF2B5EF4-FFF2-40B4-BE49-F238E27FC236}">
-                <a16:creationId xmlns:a16="http://schemas.microsoft.com/office/drawing/2014/main" id="{3893B72C-246D-9667-9453-CFD7D9B5A6D3}"/>
-              </a:ext>
-            </a:extLst>
-          </p:cNvPr>
+          <p:cNvPr id="2" name="Title 1"/>
           <p:cNvSpPr>
             <a:spLocks noGrp="1"/>
           </p:cNvSpPr>
@@ -2304,15 +4787,15 @@
         </p:nvSpPr>
         <p:spPr>
           <a:xfrm>
-            <a:off x="839788" y="457200"/>
-            <a:ext cx="3932237" cy="1600200"/>
+            <a:off x="1154953" y="1447800"/>
+            <a:ext cx="3401064" cy="1447800"/>
           </a:xfrm>
         </p:spPr>
         <p:txBody>
           <a:bodyPr anchor="b"/>
           <a:lstStyle>
-            <a:lvl1pPr>
-              <a:defRPr sz="3200"/>
+            <a:lvl1pPr algn="l">
+              <a:defRPr sz="2400" b="0"/>
             </a:lvl1pPr>
           </a:lstStyle>
           <a:p>
@@ -2320,19 +4803,13 @@
               <a:rPr lang="en-US"/>
               <a:t>Click to edit Master title style</a:t>
             </a:r>
-            <a:endParaRPr lang="en-IN"/>
-          </a:p>
-        </p:txBody>
-      </p:sp>
-      <p:sp>
-        <p:nvSpPr>
-          <p:cNvPr id="3" name="Content Placeholder 2">
-            <a:extLst>
-              <a:ext uri="{FF2B5EF4-FFF2-40B4-BE49-F238E27FC236}">
-                <a16:creationId xmlns:a16="http://schemas.microsoft.com/office/drawing/2014/main" id="{62A727EA-4B0D-DDBF-5149-7485A6D878A8}"/>
-              </a:ext>
-            </a:extLst>
-          </p:cNvPr>
+            <a:endParaRPr lang="en-US" dirty="0"/>
+          </a:p>
+        </p:txBody>
+      </p:sp>
+      <p:sp>
+        <p:nvSpPr>
+          <p:cNvPr id="3" name="Content Placeholder 2"/>
           <p:cNvSpPr>
             <a:spLocks noGrp="1"/>
           </p:cNvSpPr>
@@ -2342,39 +4819,41 @@
         </p:nvSpPr>
         <p:spPr>
           <a:xfrm>
-            <a:off x="5183188" y="987425"/>
-            <a:ext cx="6172200" cy="4873625"/>
+            <a:off x="4784616" y="1447800"/>
+            <a:ext cx="5195997" cy="4572000"/>
           </a:xfrm>
         </p:spPr>
         <p:txBody>
-          <a:bodyPr/>
+          <a:bodyPr anchor="ctr">
+            <a:normAutofit/>
+          </a:bodyPr>
           <a:lstStyle>
             <a:lvl1pPr>
-              <a:defRPr sz="3200"/>
+              <a:defRPr sz="2000"/>
             </a:lvl1pPr>
             <a:lvl2pPr>
-              <a:defRPr sz="2800"/>
+              <a:defRPr sz="1800"/>
             </a:lvl2pPr>
             <a:lvl3pPr>
-              <a:defRPr sz="2400"/>
+              <a:defRPr sz="1600"/>
             </a:lvl3pPr>
             <a:lvl4pPr>
-              <a:defRPr sz="2000"/>
+              <a:defRPr sz="1400"/>
             </a:lvl4pPr>
             <a:lvl5pPr>
-              <a:defRPr sz="2000"/>
+              <a:defRPr sz="1400"/>
             </a:lvl5pPr>
             <a:lvl6pPr>
-              <a:defRPr sz="2000"/>
+              <a:defRPr sz="1400"/>
             </a:lvl6pPr>
             <a:lvl7pPr>
-              <a:defRPr sz="2000"/>
+              <a:defRPr sz="1400"/>
             </a:lvl7pPr>
             <a:lvl8pPr>
-              <a:defRPr sz="2000"/>
+              <a:defRPr sz="1400"/>
             </a:lvl8pPr>
             <a:lvl9pPr>
-              <a:defRPr sz="2000"/>
+              <a:defRPr sz="1400"/>
             </a:lvl9pPr>
           </a:lstStyle>
           <a:p>
@@ -2411,19 +4890,13 @@
               <a:rPr lang="en-US"/>
               <a:t>Fifth level</a:t>
             </a:r>
-            <a:endParaRPr lang="en-IN"/>
-          </a:p>
-        </p:txBody>
-      </p:sp>
-      <p:sp>
-        <p:nvSpPr>
-          <p:cNvPr id="4" name="Text Placeholder 3">
-            <a:extLst>
-              <a:ext uri="{FF2B5EF4-FFF2-40B4-BE49-F238E27FC236}">
-                <a16:creationId xmlns:a16="http://schemas.microsoft.com/office/drawing/2014/main" id="{E5760FAD-94FE-410D-6C53-7E1357CE00C7}"/>
-              </a:ext>
-            </a:extLst>
-          </p:cNvPr>
+            <a:endParaRPr lang="en-US" dirty="0"/>
+          </a:p>
+        </p:txBody>
+      </p:sp>
+      <p:sp>
+        <p:nvSpPr>
+          <p:cNvPr id="4" name="Text Placeholder 3"/>
           <p:cNvSpPr>
             <a:spLocks noGrp="1"/>
           </p:cNvSpPr>
@@ -2433,8 +4906,8 @@
         </p:nvSpPr>
         <p:spPr>
           <a:xfrm>
-            <a:off x="839788" y="2057400"/>
-            <a:ext cx="3932237" cy="3811588"/>
+            <a:off x="1154953" y="3129280"/>
+            <a:ext cx="3401063" cy="2895599"/>
           </a:xfrm>
         </p:spPr>
         <p:txBody>
@@ -2442,39 +4915,39 @@
           <a:lstStyle>
             <a:lvl1pPr marL="0" indent="0">
               <a:buNone/>
-              <a:defRPr sz="1600"/>
+              <a:defRPr sz="1400"/>
             </a:lvl1pPr>
             <a:lvl2pPr marL="457200" indent="0">
               <a:buNone/>
-              <a:defRPr sz="1400"/>
+              <a:defRPr sz="1200"/>
             </a:lvl2pPr>
             <a:lvl3pPr marL="914400" indent="0">
               <a:buNone/>
-              <a:defRPr sz="1200"/>
+              <a:defRPr sz="1000"/>
             </a:lvl3pPr>
             <a:lvl4pPr marL="1371600" indent="0">
               <a:buNone/>
-              <a:defRPr sz="1000"/>
+              <a:defRPr sz="900"/>
             </a:lvl4pPr>
             <a:lvl5pPr marL="1828800" indent="0">
               <a:buNone/>
-              <a:defRPr sz="1000"/>
+              <a:defRPr sz="900"/>
             </a:lvl5pPr>
             <a:lvl6pPr marL="2286000" indent="0">
               <a:buNone/>
-              <a:defRPr sz="1000"/>
+              <a:defRPr sz="900"/>
             </a:lvl6pPr>
             <a:lvl7pPr marL="2743200" indent="0">
               <a:buNone/>
-              <a:defRPr sz="1000"/>
+              <a:defRPr sz="900"/>
             </a:lvl7pPr>
             <a:lvl8pPr marL="3200400" indent="0">
               <a:buNone/>
-              <a:defRPr sz="1000"/>
+              <a:defRPr sz="900"/>
             </a:lvl8pPr>
             <a:lvl9pPr marL="3657600" indent="0">
               <a:buNone/>
-              <a:defRPr sz="1000"/>
+              <a:defRPr sz="900"/>
             </a:lvl9pPr>
           </a:lstStyle>
           <a:p>
@@ -2488,13 +4961,7 @@
       </p:sp>
       <p:sp>
         <p:nvSpPr>
-          <p:cNvPr id="5" name="Date Placeholder 4">
-            <a:extLst>
-              <a:ext uri="{FF2B5EF4-FFF2-40B4-BE49-F238E27FC236}">
-                <a16:creationId xmlns:a16="http://schemas.microsoft.com/office/drawing/2014/main" id="{F584F725-BC97-D452-DD93-588AE711B453}"/>
-              </a:ext>
-            </a:extLst>
-          </p:cNvPr>
+          <p:cNvPr id="7" name="Date Placeholder 4"/>
           <p:cNvSpPr>
             <a:spLocks noGrp="1"/>
           </p:cNvSpPr>
@@ -2509,7 +4976,7 @@
           <a:p>
             <a:fld id="{5BFDB454-C351-4665-A551-EB636ED755C8}" type="datetimeFigureOut">
               <a:rPr lang="en-IN" smtClean="0"/>
-              <a:t>04-10-2025</a:t>
+              <a:t>08-10-2025</a:t>
             </a:fld>
             <a:endParaRPr lang="en-IN"/>
           </a:p>
@@ -2517,13 +4984,7 @@
       </p:sp>
       <p:sp>
         <p:nvSpPr>
-          <p:cNvPr id="6" name="Footer Placeholder 5">
-            <a:extLst>
-              <a:ext uri="{FF2B5EF4-FFF2-40B4-BE49-F238E27FC236}">
-                <a16:creationId xmlns:a16="http://schemas.microsoft.com/office/drawing/2014/main" id="{FE6230D3-EC15-2BF6-8928-49985C9706C4}"/>
-              </a:ext>
-            </a:extLst>
-          </p:cNvPr>
+          <p:cNvPr id="5" name="Footer Placeholder 5"/>
           <p:cNvSpPr>
             <a:spLocks noGrp="1"/>
           </p:cNvSpPr>
@@ -2542,13 +5003,7 @@
       </p:sp>
       <p:sp>
         <p:nvSpPr>
-          <p:cNvPr id="7" name="Slide Number Placeholder 6">
-            <a:extLst>
-              <a:ext uri="{FF2B5EF4-FFF2-40B4-BE49-F238E27FC236}">
-                <a16:creationId xmlns:a16="http://schemas.microsoft.com/office/drawing/2014/main" id="{1A84E72A-AACF-8585-F062-82FA474795CB}"/>
-              </a:ext>
-            </a:extLst>
-          </p:cNvPr>
+          <p:cNvPr id="6" name="Slide Number Placeholder 6"/>
           <p:cNvSpPr>
             <a:spLocks noGrp="1"/>
           </p:cNvSpPr>
@@ -2572,20 +5027,20 @@
     </p:spTree>
     <p:extLst>
       <p:ext uri="{BB962C8B-B14F-4D97-AF65-F5344CB8AC3E}">
-        <p14:creationId xmlns:p14="http://schemas.microsoft.com/office/powerpoint/2010/main" val="2730006242"/>
+        <p14:creationId xmlns:p14="http://schemas.microsoft.com/office/powerpoint/2010/main" val="241280202"/>
       </p:ext>
     </p:extLst>
   </p:cSld>
   <p:clrMapOvr>
     <a:masterClrMapping/>
   </p:clrMapOvr>
-  <mc:AlternateContent xmlns:mc="http://schemas.openxmlformats.org/markup-compatibility/2006">
-    <mc:Choice xmlns:p159="http://schemas.microsoft.com/office/powerpoint/2015/09/main" Requires="p159">
+  <mc:AlternateContent xmlns:mc="http://schemas.openxmlformats.org/markup-compatibility/2006" xmlns:p159="http://schemas.microsoft.com/office/powerpoint/2015/09/main">
+    <mc:Choice Requires="p159">
       <p:transition xmlns:p14="http://schemas.microsoft.com/office/powerpoint/2010/main" spd="slow" p14:dur="2000">
         <p159:morph option="byObject"/>
       </p:transition>
     </mc:Choice>
-    <mc:Fallback>
+    <mc:Fallback xmlns="">
       <p:transition spd="slow">
         <p:fade/>
       </p:transition>
@@ -2613,13 +5068,7 @@
       </p:grpSpPr>
       <p:sp>
         <p:nvSpPr>
-          <p:cNvPr id="2" name="Title 1">
-            <a:extLst>
-              <a:ext uri="{FF2B5EF4-FFF2-40B4-BE49-F238E27FC236}">
-                <a16:creationId xmlns:a16="http://schemas.microsoft.com/office/drawing/2014/main" id="{CB67BFB8-840D-2F9D-6642-230F7F7B343E}"/>
-              </a:ext>
-            </a:extLst>
-          </p:cNvPr>
+          <p:cNvPr id="2" name="Title 1"/>
           <p:cNvSpPr>
             <a:spLocks noGrp="1"/>
           </p:cNvSpPr>
@@ -2629,15 +5078,17 @@
         </p:nvSpPr>
         <p:spPr>
           <a:xfrm>
-            <a:off x="839788" y="457200"/>
-            <a:ext cx="3932237" cy="1600200"/>
+            <a:off x="1153907" y="1854192"/>
+            <a:ext cx="5092906" cy="1574808"/>
           </a:xfrm>
         </p:spPr>
         <p:txBody>
-          <a:bodyPr anchor="b"/>
+          <a:bodyPr anchor="b">
+            <a:normAutofit/>
+          </a:bodyPr>
           <a:lstStyle>
-            <a:lvl1pPr>
-              <a:defRPr sz="3200"/>
+            <a:lvl1pPr algn="l">
+              <a:defRPr sz="3600" b="0"/>
             </a:lvl1pPr>
           </a:lstStyle>
           <a:p>
@@ -2645,21 +5096,15 @@
               <a:rPr lang="en-US"/>
               <a:t>Click to edit Master title style</a:t>
             </a:r>
-            <a:endParaRPr lang="en-IN"/>
-          </a:p>
-        </p:txBody>
-      </p:sp>
-      <p:sp>
-        <p:nvSpPr>
-          <p:cNvPr id="3" name="Picture Placeholder 2">
-            <a:extLst>
-              <a:ext uri="{FF2B5EF4-FFF2-40B4-BE49-F238E27FC236}">
-                <a16:creationId xmlns:a16="http://schemas.microsoft.com/office/drawing/2014/main" id="{AF7B1C1F-934A-032D-7BA4-040B69250563}"/>
-              </a:ext>
-            </a:extLst>
-          </p:cNvPr>
-          <p:cNvSpPr>
-            <a:spLocks noGrp="1"/>
+            <a:endParaRPr lang="en-US" dirty="0"/>
+          </a:p>
+        </p:txBody>
+      </p:sp>
+      <p:sp>
+        <p:nvSpPr>
+          <p:cNvPr id="3" name="Picture Placeholder 2"/>
+          <p:cNvSpPr>
+            <a:spLocks noGrp="1" noChangeAspect="1"/>
           </p:cNvSpPr>
           <p:nvPr>
             <p:ph type="pic" idx="1"/>
@@ -2667,118 +5112,132 @@
         </p:nvSpPr>
         <p:spPr>
           <a:xfrm>
-            <a:off x="5183188" y="987425"/>
-            <a:ext cx="6172200" cy="4873625"/>
+            <a:off x="6949546" y="1143000"/>
+            <a:ext cx="3200400" cy="4572000"/>
           </a:xfrm>
+          <a:prstGeom prst="roundRect">
+            <a:avLst>
+              <a:gd name="adj" fmla="val 1858"/>
+            </a:avLst>
+          </a:prstGeom>
+          <a:effectLst>
+            <a:outerShdw blurRad="50800" dist="50800" dir="5400000" algn="tl" rotWithShape="0">
+              <a:srgbClr val="000000">
+                <a:alpha val="43000"/>
+              </a:srgbClr>
+            </a:outerShdw>
+          </a:effectLst>
         </p:spPr>
         <p:txBody>
-          <a:bodyPr/>
+          <a:bodyPr anchor="t">
+            <a:normAutofit/>
+          </a:bodyPr>
           <a:lstStyle>
-            <a:lvl1pPr marL="0" indent="0">
-              <a:buNone/>
-              <a:defRPr sz="3200"/>
-            </a:lvl1pPr>
-            <a:lvl2pPr marL="457200" indent="0">
-              <a:buNone/>
-              <a:defRPr sz="2800"/>
-            </a:lvl2pPr>
-            <a:lvl3pPr marL="914400" indent="0">
-              <a:buNone/>
-              <a:defRPr sz="2400"/>
-            </a:lvl3pPr>
-            <a:lvl4pPr marL="1371600" indent="0">
-              <a:buNone/>
-              <a:defRPr sz="2000"/>
-            </a:lvl4pPr>
-            <a:lvl5pPr marL="1828800" indent="0">
-              <a:buNone/>
-              <a:defRPr sz="2000"/>
-            </a:lvl5pPr>
-            <a:lvl6pPr marL="2286000" indent="0">
-              <a:buNone/>
-              <a:defRPr sz="2000"/>
-            </a:lvl6pPr>
-            <a:lvl7pPr marL="2743200" indent="0">
-              <a:buNone/>
-              <a:defRPr sz="2000"/>
-            </a:lvl7pPr>
-            <a:lvl8pPr marL="3200400" indent="0">
-              <a:buNone/>
-              <a:defRPr sz="2000"/>
-            </a:lvl8pPr>
-            <a:lvl9pPr marL="3657600" indent="0">
-              <a:buNone/>
-              <a:defRPr sz="2000"/>
-            </a:lvl9pPr>
-          </a:lstStyle>
-          <a:p>
-            <a:endParaRPr lang="en-IN"/>
-          </a:p>
-        </p:txBody>
-      </p:sp>
-      <p:sp>
-        <p:nvSpPr>
-          <p:cNvPr id="4" name="Text Placeholder 3">
-            <a:extLst>
-              <a:ext uri="{FF2B5EF4-FFF2-40B4-BE49-F238E27FC236}">
-                <a16:creationId xmlns:a16="http://schemas.microsoft.com/office/drawing/2014/main" id="{3E8D892B-7949-062B-629A-4B767C839D1D}"/>
-              </a:ext>
-            </a:extLst>
-          </p:cNvPr>
-          <p:cNvSpPr>
-            <a:spLocks noGrp="1"/>
-          </p:cNvSpPr>
-          <p:nvPr>
-            <p:ph type="body" sz="half" idx="2"/>
-          </p:nvPr>
-        </p:nvSpPr>
-        <p:spPr>
-          <a:xfrm>
-            <a:off x="839788" y="2057400"/>
-            <a:ext cx="3932237" cy="3811588"/>
-          </a:xfrm>
-        </p:spPr>
-        <p:txBody>
-          <a:bodyPr/>
-          <a:lstStyle>
-            <a:lvl1pPr marL="0" indent="0">
+            <a:lvl1pPr marL="0" indent="0" algn="ctr">
               <a:buNone/>
               <a:defRPr sz="1600"/>
             </a:lvl1pPr>
             <a:lvl2pPr marL="457200" indent="0">
               <a:buNone/>
-              <a:defRPr sz="1400"/>
+              <a:defRPr sz="1600"/>
             </a:lvl2pPr>
             <a:lvl3pPr marL="914400" indent="0">
               <a:buNone/>
-              <a:defRPr sz="1200"/>
+              <a:defRPr sz="1600"/>
             </a:lvl3pPr>
             <a:lvl4pPr marL="1371600" indent="0">
               <a:buNone/>
-              <a:defRPr sz="1000"/>
+              <a:defRPr sz="1600"/>
             </a:lvl4pPr>
             <a:lvl5pPr marL="1828800" indent="0">
               <a:buNone/>
-              <a:defRPr sz="1000"/>
+              <a:defRPr sz="1600"/>
             </a:lvl5pPr>
             <a:lvl6pPr marL="2286000" indent="0">
               <a:buNone/>
-              <a:defRPr sz="1000"/>
+              <a:defRPr sz="1600"/>
             </a:lvl6pPr>
             <a:lvl7pPr marL="2743200" indent="0">
               <a:buNone/>
-              <a:defRPr sz="1000"/>
+              <a:defRPr sz="1600"/>
             </a:lvl7pPr>
             <a:lvl8pPr marL="3200400" indent="0">
               <a:buNone/>
-              <a:defRPr sz="1000"/>
+              <a:defRPr sz="1600"/>
             </a:lvl8pPr>
             <a:lvl9pPr marL="3657600" indent="0">
               <a:buNone/>
-              <a:defRPr sz="1000"/>
+              <a:defRPr sz="1600"/>
             </a:lvl9pPr>
           </a:lstStyle>
           <a:p>
+            <a:r>
+              <a:rPr lang="en-US"/>
+              <a:t>Click icon to add picture</a:t>
+            </a:r>
+            <a:endParaRPr lang="en-US" dirty="0"/>
+          </a:p>
+        </p:txBody>
+      </p:sp>
+      <p:sp>
+        <p:nvSpPr>
+          <p:cNvPr id="4" name="Text Placeholder 3"/>
+          <p:cNvSpPr>
+            <a:spLocks noGrp="1"/>
+          </p:cNvSpPr>
+          <p:nvPr>
+            <p:ph type="body" sz="half" idx="2"/>
+          </p:nvPr>
+        </p:nvSpPr>
+        <p:spPr>
+          <a:xfrm>
+            <a:off x="1154954" y="3657600"/>
+            <a:ext cx="5084979" cy="1371600"/>
+          </a:xfrm>
+        </p:spPr>
+        <p:txBody>
+          <a:bodyPr>
+            <a:normAutofit/>
+          </a:bodyPr>
+          <a:lstStyle>
+            <a:lvl1pPr marL="0" indent="0">
+              <a:buNone/>
+              <a:defRPr sz="1400"/>
+            </a:lvl1pPr>
+            <a:lvl2pPr marL="457200" indent="0">
+              <a:buNone/>
+              <a:defRPr sz="1200"/>
+            </a:lvl2pPr>
+            <a:lvl3pPr marL="914400" indent="0">
+              <a:buNone/>
+              <a:defRPr sz="1000"/>
+            </a:lvl3pPr>
+            <a:lvl4pPr marL="1371600" indent="0">
+              <a:buNone/>
+              <a:defRPr sz="900"/>
+            </a:lvl4pPr>
+            <a:lvl5pPr marL="1828800" indent="0">
+              <a:buNone/>
+              <a:defRPr sz="900"/>
+            </a:lvl5pPr>
+            <a:lvl6pPr marL="2286000" indent="0">
+              <a:buNone/>
+              <a:defRPr sz="900"/>
+            </a:lvl6pPr>
+            <a:lvl7pPr marL="2743200" indent="0">
+              <a:buNone/>
+              <a:defRPr sz="900"/>
+            </a:lvl7pPr>
+            <a:lvl8pPr marL="3200400" indent="0">
+              <a:buNone/>
+              <a:defRPr sz="900"/>
+            </a:lvl8pPr>
+            <a:lvl9pPr marL="3657600" indent="0">
+              <a:buNone/>
+              <a:defRPr sz="900"/>
+            </a:lvl9pPr>
+          </a:lstStyle>
+          <a:p>
             <a:pPr lvl="0"/>
             <a:r>
               <a:rPr lang="en-US"/>
@@ -2789,13 +5248,7 @@
       </p:sp>
       <p:sp>
         <p:nvSpPr>
-          <p:cNvPr id="5" name="Date Placeholder 4">
-            <a:extLst>
-              <a:ext uri="{FF2B5EF4-FFF2-40B4-BE49-F238E27FC236}">
-                <a16:creationId xmlns:a16="http://schemas.microsoft.com/office/drawing/2014/main" id="{6D0A3403-4096-771E-BA3D-90E58B1A7165}"/>
-              </a:ext>
-            </a:extLst>
-          </p:cNvPr>
+          <p:cNvPr id="5" name="Date Placeholder 4"/>
           <p:cNvSpPr>
             <a:spLocks noGrp="1"/>
           </p:cNvSpPr>
@@ -2810,7 +5263,7 @@
           <a:p>
             <a:fld id="{5BFDB454-C351-4665-A551-EB636ED755C8}" type="datetimeFigureOut">
               <a:rPr lang="en-IN" smtClean="0"/>
-              <a:t>04-10-2025</a:t>
+              <a:t>08-10-2025</a:t>
             </a:fld>
             <a:endParaRPr lang="en-IN"/>
           </a:p>
@@ -2818,13 +5271,7 @@
       </p:sp>
       <p:sp>
         <p:nvSpPr>
-          <p:cNvPr id="6" name="Footer Placeholder 5">
-            <a:extLst>
-              <a:ext uri="{FF2B5EF4-FFF2-40B4-BE49-F238E27FC236}">
-                <a16:creationId xmlns:a16="http://schemas.microsoft.com/office/drawing/2014/main" id="{D8F63637-8488-5DB7-A8FE-A147469B83D5}"/>
-              </a:ext>
-            </a:extLst>
-          </p:cNvPr>
+          <p:cNvPr id="6" name="Footer Placeholder 5"/>
           <p:cNvSpPr>
             <a:spLocks noGrp="1"/>
           </p:cNvSpPr>
@@ -2843,13 +5290,7 @@
       </p:sp>
       <p:sp>
         <p:nvSpPr>
-          <p:cNvPr id="7" name="Slide Number Placeholder 6">
-            <a:extLst>
-              <a:ext uri="{FF2B5EF4-FFF2-40B4-BE49-F238E27FC236}">
-                <a16:creationId xmlns:a16="http://schemas.microsoft.com/office/drawing/2014/main" id="{3D579680-19F9-277C-83FD-6D9AFB9A8051}"/>
-              </a:ext>
-            </a:extLst>
-          </p:cNvPr>
+          <p:cNvPr id="7" name="Slide Number Placeholder 6"/>
           <p:cNvSpPr>
             <a:spLocks noGrp="1"/>
           </p:cNvSpPr>
@@ -2873,20 +5314,20 @@
     </p:spTree>
     <p:extLst>
       <p:ext uri="{BB962C8B-B14F-4D97-AF65-F5344CB8AC3E}">
-        <p14:creationId xmlns:p14="http://schemas.microsoft.com/office/powerpoint/2010/main" val="732026785"/>
+        <p14:creationId xmlns:p14="http://schemas.microsoft.com/office/powerpoint/2010/main" val="1025724931"/>
       </p:ext>
     </p:extLst>
   </p:cSld>
   <p:clrMapOvr>
     <a:masterClrMapping/>
   </p:clrMapOvr>
-  <mc:AlternateContent xmlns:mc="http://schemas.openxmlformats.org/markup-compatibility/2006">
-    <mc:Choice xmlns:p159="http://schemas.microsoft.com/office/powerpoint/2015/09/main" Requires="p159">
+  <mc:AlternateContent xmlns:mc="http://schemas.openxmlformats.org/markup-compatibility/2006" xmlns:p159="http://schemas.microsoft.com/office/powerpoint/2015/09/main">
+    <mc:Choice Requires="p159">
       <p:transition xmlns:p14="http://schemas.microsoft.com/office/powerpoint/2010/main" spd="slow" p14:dur="2000">
         <p159:morph option="byObject"/>
       </p:transition>
     </mc:Choice>
-    <mc:Fallback>
+    <mc:Fallback xmlns="">
       <p:transition spd="slow">
         <p:fade/>
       </p:transition>
@@ -2899,8 +5340,8 @@
 <p:sldMaster xmlns:a="http://schemas.openxmlformats.org/drawingml/2006/main" xmlns:r="http://schemas.openxmlformats.org/officeDocument/2006/relationships" xmlns:p="http://schemas.openxmlformats.org/presentationml/2006/main">
   <p:cSld>
     <p:bg>
-      <p:bgRef idx="1001">
-        <a:schemeClr val="bg1"/>
+      <p:bgRef idx="1003">
+        <a:schemeClr val="bg2"/>
       </p:bgRef>
     </p:bg>
     <p:spTree>
@@ -2917,143 +5358,420 @@
           <a:chExt cx="0" cy="0"/>
         </a:xfrm>
       </p:grpSpPr>
-      <p:sp>
-        <p:nvSpPr>
-          <p:cNvPr id="2" name="Title Placeholder 1">
+      <p:pic>
+        <p:nvPicPr>
+          <p:cNvPr id="8" name="Picture 7"/>
+          <p:cNvPicPr>
+            <a:picLocks noChangeAspect="1"/>
+          </p:cNvPicPr>
+          <p:nvPr/>
+        </p:nvPicPr>
+        <p:blipFill rotWithShape="1">
+          <a:blip r:embed="rId19">
             <a:extLst>
-              <a:ext uri="{FF2B5EF4-FFF2-40B4-BE49-F238E27FC236}">
-                <a16:creationId xmlns:a16="http://schemas.microsoft.com/office/drawing/2014/main" id="{BF8CCCCE-DF01-47A9-4243-8EFB436965FD}"/>
+              <a:ext uri="{28A0092B-C50C-407E-A947-70E740481C1C}">
+                <a14:useLocalDpi xmlns:a14="http://schemas.microsoft.com/office/drawing/2010/main" val="0"/>
               </a:ext>
             </a:extLst>
-          </p:cNvPr>
-          <p:cNvSpPr>
-            <a:spLocks noGrp="1"/>
-          </p:cNvSpPr>
-          <p:nvPr>
-            <p:ph type="title"/>
-          </p:nvPr>
-        </p:nvSpPr>
+          </a:blip>
+          <a:srcRect l="3613"/>
+          <a:stretch/>
+        </p:blipFill>
         <p:spPr>
           <a:xfrm>
-            <a:off x="838200" y="365125"/>
-            <a:ext cx="10515600" cy="1325563"/>
+            <a:off x="0" y="2669685"/>
+            <a:ext cx="4037012" cy="4188315"/>
           </a:xfrm>
           <a:prstGeom prst="rect">
             <a:avLst/>
           </a:prstGeom>
         </p:spPr>
-        <p:txBody>
-          <a:bodyPr vert="horz" lIns="91440" tIns="45720" rIns="91440" bIns="45720" rtlCol="0" anchor="ctr">
-            <a:normAutofit/>
-          </a:bodyPr>
-          <a:lstStyle/>
-          <a:p>
-            <a:r>
-              <a:rPr lang="en-US"/>
-              <a:t>Click to edit Master title style</a:t>
-            </a:r>
-            <a:endParaRPr lang="en-IN"/>
-          </a:p>
-        </p:txBody>
-      </p:sp>
-      <p:sp>
-        <p:nvSpPr>
-          <p:cNvPr id="3" name="Text Placeholder 2">
+      </p:pic>
+      <p:pic>
+        <p:nvPicPr>
+          <p:cNvPr id="7" name="Picture 6"/>
+          <p:cNvPicPr>
+            <a:picLocks noChangeAspect="1"/>
+          </p:cNvPicPr>
+          <p:nvPr/>
+        </p:nvPicPr>
+        <p:blipFill rotWithShape="1">
+          <a:blip r:embed="rId20">
             <a:extLst>
-              <a:ext uri="{FF2B5EF4-FFF2-40B4-BE49-F238E27FC236}">
-                <a16:creationId xmlns:a16="http://schemas.microsoft.com/office/drawing/2014/main" id="{78B6B14C-6079-EC52-34C9-7A4BDBBA1DD7}"/>
+              <a:ext uri="{28A0092B-C50C-407E-A947-70E740481C1C}">
+                <a14:useLocalDpi xmlns:a14="http://schemas.microsoft.com/office/drawing/2010/main" val="0"/>
               </a:ext>
             </a:extLst>
-          </p:cNvPr>
-          <p:cNvSpPr>
-            <a:spLocks noGrp="1"/>
-          </p:cNvSpPr>
-          <p:nvPr>
-            <p:ph type="body" idx="1"/>
-          </p:nvPr>
-        </p:nvSpPr>
+          </a:blip>
+          <a:srcRect l="35640"/>
+          <a:stretch/>
+        </p:blipFill>
         <p:spPr>
           <a:xfrm>
-            <a:off x="838200" y="1825625"/>
-            <a:ext cx="10515600" cy="4351338"/>
+            <a:off x="0" y="2892347"/>
+            <a:ext cx="1522412" cy="2365453"/>
           </a:xfrm>
           <a:prstGeom prst="rect">
             <a:avLst/>
           </a:prstGeom>
         </p:spPr>
-        <p:txBody>
-          <a:bodyPr vert="horz" lIns="91440" tIns="45720" rIns="91440" bIns="45720" rtlCol="0">
-            <a:normAutofit/>
-          </a:bodyPr>
-          <a:lstStyle/>
-          <a:p>
-            <a:pPr lvl="0"/>
-            <a:r>
-              <a:rPr lang="en-US"/>
-              <a:t>Click to edit Master text styles</a:t>
-            </a:r>
-          </a:p>
-          <a:p>
-            <a:pPr lvl="1"/>
-            <a:r>
-              <a:rPr lang="en-US"/>
-              <a:t>Second level</a:t>
-            </a:r>
-          </a:p>
-          <a:p>
-            <a:pPr lvl="2"/>
-            <a:r>
-              <a:rPr lang="en-US"/>
-              <a:t>Third level</a:t>
-            </a:r>
-          </a:p>
-          <a:p>
-            <a:pPr lvl="3"/>
-            <a:r>
-              <a:rPr lang="en-US"/>
-              <a:t>Fourth level</a:t>
-            </a:r>
-          </a:p>
-          <a:p>
-            <a:pPr lvl="4"/>
-            <a:r>
-              <a:rPr lang="en-US"/>
-              <a:t>Fifth level</a:t>
-            </a:r>
-            <a:endParaRPr lang="en-IN"/>
-          </a:p>
-        </p:txBody>
-      </p:sp>
-      <p:sp>
-        <p:nvSpPr>
-          <p:cNvPr id="4" name="Date Placeholder 3">
+      </p:pic>
+      <p:sp>
+        <p:nvSpPr>
+          <p:cNvPr id="16" name="Oval 15"/>
+          <p:cNvSpPr/>
+          <p:nvPr/>
+        </p:nvSpPr>
+        <p:spPr>
+          <a:xfrm>
+            <a:off x="8609012" y="1676400"/>
+            <a:ext cx="2819400" cy="2819400"/>
+          </a:xfrm>
+          <a:prstGeom prst="ellipse">
+            <a:avLst/>
+          </a:prstGeom>
+          <a:gradFill flip="none" rotWithShape="1">
+            <a:gsLst>
+              <a:gs pos="0">
+                <a:schemeClr val="bg2">
+                  <a:lumMod val="60000"/>
+                  <a:lumOff val="40000"/>
+                  <a:alpha val="7000"/>
+                </a:schemeClr>
+              </a:gs>
+              <a:gs pos="69000">
+                <a:schemeClr val="bg2">
+                  <a:lumMod val="60000"/>
+                  <a:lumOff val="40000"/>
+                  <a:alpha val="0"/>
+                </a:schemeClr>
+              </a:gs>
+              <a:gs pos="36000">
+                <a:schemeClr val="bg2">
+                  <a:lumMod val="60000"/>
+                  <a:lumOff val="40000"/>
+                  <a:alpha val="6000"/>
+                </a:schemeClr>
+              </a:gs>
+            </a:gsLst>
+            <a:path path="circle">
+              <a:fillToRect l="50000" t="50000" r="50000" b="50000"/>
+            </a:path>
+            <a:tileRect/>
+          </a:gradFill>
+          <a:ln>
+            <a:noFill/>
+          </a:ln>
+          <a:effectLst/>
+        </p:spPr>
+        <p:style>
+          <a:lnRef idx="1">
+            <a:schemeClr val="accent1"/>
+          </a:lnRef>
+          <a:fillRef idx="3">
+            <a:schemeClr val="accent1"/>
+          </a:fillRef>
+          <a:effectRef idx="2">
+            <a:schemeClr val="accent1"/>
+          </a:effectRef>
+          <a:fontRef idx="minor">
+            <a:schemeClr val="lt1"/>
+          </a:fontRef>
+        </p:style>
+      </p:sp>
+      <p:pic>
+        <p:nvPicPr>
+          <p:cNvPr id="9" name="Picture 8"/>
+          <p:cNvPicPr>
+            <a:picLocks noChangeAspect="1"/>
+          </p:cNvPicPr>
+          <p:nvPr/>
+        </p:nvPicPr>
+        <p:blipFill rotWithShape="1">
+          <a:blip r:embed="rId21">
             <a:extLst>
-              <a:ext uri="{FF2B5EF4-FFF2-40B4-BE49-F238E27FC236}">
-                <a16:creationId xmlns:a16="http://schemas.microsoft.com/office/drawing/2014/main" id="{DC8A83F6-5348-AECF-CB5A-E9DC9E8DA1D0}"/>
+              <a:ext uri="{28A0092B-C50C-407E-A947-70E740481C1C}">
+                <a14:useLocalDpi xmlns:a14="http://schemas.microsoft.com/office/drawing/2010/main" val="0"/>
               </a:ext>
             </a:extLst>
-          </p:cNvPr>
-          <p:cNvSpPr>
-            <a:spLocks noGrp="1"/>
-          </p:cNvSpPr>
-          <p:nvPr>
-            <p:ph type="dt" sz="half" idx="2"/>
-          </p:nvPr>
-        </p:nvSpPr>
+          </a:blip>
+          <a:srcRect t="28813"/>
+          <a:stretch/>
+        </p:blipFill>
         <p:spPr>
           <a:xfrm>
-            <a:off x="838200" y="6356350"/>
-            <a:ext cx="2743200" cy="365125"/>
+            <a:off x="7999412" y="0"/>
+            <a:ext cx="1603387" cy="1141407"/>
           </a:xfrm>
           <a:prstGeom prst="rect">
             <a:avLst/>
           </a:prstGeom>
         </p:spPr>
-        <p:txBody>
-          <a:bodyPr vert="horz" lIns="91440" tIns="45720" rIns="91440" bIns="45720" rtlCol="0" anchor="ctr"/>
+      </p:pic>
+      <p:pic>
+        <p:nvPicPr>
+          <p:cNvPr id="10" name="Picture 9"/>
+          <p:cNvPicPr>
+            <a:picLocks noChangeAspect="1"/>
+          </p:cNvPicPr>
+          <p:nvPr/>
+        </p:nvPicPr>
+        <p:blipFill rotWithShape="1">
+          <a:blip r:embed="rId22">
+            <a:extLst>
+              <a:ext uri="{28A0092B-C50C-407E-A947-70E740481C1C}">
+                <a14:useLocalDpi xmlns:a14="http://schemas.microsoft.com/office/drawing/2010/main" val="0"/>
+              </a:ext>
+            </a:extLst>
+          </a:blip>
+          <a:srcRect b="23320"/>
+          <a:stretch/>
+        </p:blipFill>
+        <p:spPr>
+          <a:xfrm>
+            <a:off x="8605878" y="6096000"/>
+            <a:ext cx="993734" cy="762000"/>
+          </a:xfrm>
+          <a:prstGeom prst="rect">
+            <a:avLst/>
+          </a:prstGeom>
+        </p:spPr>
+      </p:pic>
+      <p:sp>
+        <p:nvSpPr>
+          <p:cNvPr id="14" name="Rectangle 13"/>
+          <p:cNvSpPr/>
+          <p:nvPr/>
+        </p:nvSpPr>
+        <p:spPr>
+          <a:xfrm>
+            <a:off x="10437812" y="0"/>
+            <a:ext cx="685800" cy="1143000"/>
+          </a:xfrm>
+          <a:prstGeom prst="rect">
+            <a:avLst/>
+          </a:prstGeom>
+          <a:solidFill>
+            <a:schemeClr val="accent1"/>
+          </a:solidFill>
+          <a:ln>
+            <a:noFill/>
+          </a:ln>
+        </p:spPr>
+        <p:style>
+          <a:lnRef idx="1">
+            <a:schemeClr val="accent1"/>
+          </a:lnRef>
+          <a:fillRef idx="3">
+            <a:schemeClr val="accent1"/>
+          </a:fillRef>
+          <a:effectRef idx="2">
+            <a:schemeClr val="accent1"/>
+          </a:effectRef>
+          <a:fontRef idx="minor">
+            <a:schemeClr val="lt1"/>
+          </a:fontRef>
+        </p:style>
+      </p:sp>
+      <p:sp>
+        <p:nvSpPr>
+          <p:cNvPr id="2" name="Title Placeholder 1"/>
+          <p:cNvSpPr>
+            <a:spLocks noGrp="1"/>
+          </p:cNvSpPr>
+          <p:nvPr>
+            <p:ph type="title"/>
+          </p:nvPr>
+        </p:nvSpPr>
+        <p:spPr>
+          <a:xfrm>
+            <a:off x="646111" y="452718"/>
+            <a:ext cx="9404723" cy="1400530"/>
+          </a:xfrm>
+          <a:prstGeom prst="rect">
+            <a:avLst/>
+          </a:prstGeom>
+        </p:spPr>
+        <p:txBody>
+          <a:bodyPr vert="horz" lIns="91440" tIns="45720" rIns="91440" bIns="45720" rtlCol="0" anchor="t">
+            <a:noAutofit/>
+          </a:bodyPr>
+          <a:lstStyle/>
+          <a:p>
+            <a:r>
+              <a:rPr lang="en-US"/>
+              <a:t>Click to edit Master title style</a:t>
+            </a:r>
+            <a:endParaRPr lang="en-US" dirty="0"/>
+          </a:p>
+        </p:txBody>
+      </p:sp>
+      <p:sp>
+        <p:nvSpPr>
+          <p:cNvPr id="3" name="Text Placeholder 2"/>
+          <p:cNvSpPr>
+            <a:spLocks noGrp="1"/>
+          </p:cNvSpPr>
+          <p:nvPr>
+            <p:ph type="body" idx="1"/>
+          </p:nvPr>
+        </p:nvSpPr>
+        <p:spPr>
+          <a:xfrm>
+            <a:off x="1103312" y="2052918"/>
+            <a:ext cx="8946541" cy="4195481"/>
+          </a:xfrm>
+          <a:prstGeom prst="rect">
+            <a:avLst/>
+          </a:prstGeom>
+        </p:spPr>
+        <p:txBody>
+          <a:bodyPr vert="horz" lIns="91440" tIns="45720" rIns="91440" bIns="45720" rtlCol="0">
+            <a:normAutofit/>
+          </a:bodyPr>
+          <a:lstStyle/>
+          <a:p>
+            <a:pPr lvl="0"/>
+            <a:r>
+              <a:rPr lang="en-US"/>
+              <a:t>Click to edit Master text styles</a:t>
+            </a:r>
+          </a:p>
+          <a:p>
+            <a:pPr lvl="1"/>
+            <a:r>
+              <a:rPr lang="en-US"/>
+              <a:t>Second level</a:t>
+            </a:r>
+          </a:p>
+          <a:p>
+            <a:pPr lvl="2"/>
+            <a:r>
+              <a:rPr lang="en-US"/>
+              <a:t>Third level</a:t>
+            </a:r>
+          </a:p>
+          <a:p>
+            <a:pPr lvl="3"/>
+            <a:r>
+              <a:rPr lang="en-US"/>
+              <a:t>Fourth level</a:t>
+            </a:r>
+          </a:p>
+          <a:p>
+            <a:pPr lvl="4"/>
+            <a:r>
+              <a:rPr lang="en-US"/>
+              <a:t>Fifth level</a:t>
+            </a:r>
+            <a:endParaRPr lang="en-US" dirty="0"/>
+          </a:p>
+        </p:txBody>
+      </p:sp>
+      <p:sp>
+        <p:nvSpPr>
+          <p:cNvPr id="4" name="Date Placeholder 3"/>
+          <p:cNvSpPr>
+            <a:spLocks noGrp="1"/>
+          </p:cNvSpPr>
+          <p:nvPr>
+            <p:ph type="dt" sz="half" idx="2"/>
+          </p:nvPr>
+        </p:nvSpPr>
+        <p:spPr>
+          <a:xfrm rot="5400000">
+            <a:off x="10155639" y="1790701"/>
+            <a:ext cx="990599" cy="304799"/>
+          </a:xfrm>
+          <a:prstGeom prst="rect">
+            <a:avLst/>
+          </a:prstGeom>
+        </p:spPr>
+        <p:txBody>
+          <a:bodyPr vert="horz" lIns="91440" tIns="45720" rIns="91440" bIns="45720" rtlCol="0" anchor="t"/>
           <a:lstStyle>
             <a:lvl1pPr algn="l">
-              <a:defRPr sz="1200">
+              <a:defRPr sz="1100" b="0" i="0">
+                <a:solidFill>
+                  <a:schemeClr val="tx1">
+                    <a:tint val="75000"/>
+                    <a:alpha val="60000"/>
+                  </a:schemeClr>
+                </a:solidFill>
+              </a:defRPr>
+            </a:lvl1pPr>
+          </a:lstStyle>
+          <a:p>
+            <a:fld id="{5BFDB454-C351-4665-A551-EB636ED755C8}" type="datetimeFigureOut">
+              <a:rPr lang="en-IN" smtClean="0"/>
+              <a:t>08-10-2025</a:t>
+            </a:fld>
+            <a:endParaRPr lang="en-IN"/>
+          </a:p>
+        </p:txBody>
+      </p:sp>
+      <p:sp>
+        <p:nvSpPr>
+          <p:cNvPr id="5" name="Footer Placeholder 4"/>
+          <p:cNvSpPr>
+            <a:spLocks noGrp="1"/>
+          </p:cNvSpPr>
+          <p:nvPr>
+            <p:ph type="ftr" sz="quarter" idx="3"/>
+          </p:nvPr>
+        </p:nvSpPr>
+        <p:spPr>
+          <a:xfrm rot="5400000">
+            <a:off x="8951573" y="3225297"/>
+            <a:ext cx="3859795" cy="304801"/>
+          </a:xfrm>
+          <a:prstGeom prst="rect">
+            <a:avLst/>
+          </a:prstGeom>
+        </p:spPr>
+        <p:txBody>
+          <a:bodyPr vert="horz" lIns="91440" tIns="45720" rIns="91440" bIns="45720" rtlCol="0" anchor="b"/>
+          <a:lstStyle>
+            <a:lvl1pPr algn="l">
+              <a:defRPr sz="1100" b="0" i="0">
+                <a:solidFill>
+                  <a:schemeClr val="tx1">
+                    <a:tint val="75000"/>
+                    <a:alpha val="60000"/>
+                  </a:schemeClr>
+                </a:solidFill>
+              </a:defRPr>
+            </a:lvl1pPr>
+          </a:lstStyle>
+          <a:p>
+            <a:endParaRPr lang="en-IN"/>
+          </a:p>
+        </p:txBody>
+      </p:sp>
+      <p:sp>
+        <p:nvSpPr>
+          <p:cNvPr id="6" name="Slide Number Placeholder 5"/>
+          <p:cNvSpPr>
+            <a:spLocks noGrp="1"/>
+          </p:cNvSpPr>
+          <p:nvPr>
+            <p:ph type="sldNum" sz="quarter" idx="4"/>
+          </p:nvPr>
+        </p:nvSpPr>
+        <p:spPr bwMode="gray">
+          <a:xfrm>
+            <a:off x="10352540" y="295729"/>
+            <a:ext cx="838199" cy="767687"/>
+          </a:xfrm>
+          <a:prstGeom prst="rect">
+            <a:avLst/>
+          </a:prstGeom>
+        </p:spPr>
+        <p:txBody>
+          <a:bodyPr vert="horz" lIns="91440" tIns="45720" rIns="91440" bIns="45720" rtlCol="0" anchor="b"/>
+          <a:lstStyle>
+            <a:lvl1pPr algn="ctr">
+              <a:defRPr sz="2800" b="0" i="0">
                 <a:solidFill>
                   <a:schemeClr val="tx1">
                     <a:tint val="75000"/>
@@ -3063,96 +5781,6 @@
             </a:lvl1pPr>
           </a:lstStyle>
           <a:p>
-            <a:fld id="{5BFDB454-C351-4665-A551-EB636ED755C8}" type="datetimeFigureOut">
-              <a:rPr lang="en-IN" smtClean="0"/>
-              <a:t>04-10-2025</a:t>
-            </a:fld>
-            <a:endParaRPr lang="en-IN"/>
-          </a:p>
-        </p:txBody>
-      </p:sp>
-      <p:sp>
-        <p:nvSpPr>
-          <p:cNvPr id="5" name="Footer Placeholder 4">
-            <a:extLst>
-              <a:ext uri="{FF2B5EF4-FFF2-40B4-BE49-F238E27FC236}">
-                <a16:creationId xmlns:a16="http://schemas.microsoft.com/office/drawing/2014/main" id="{0B342ADF-EA6E-2757-CAAE-30386B6EB3FE}"/>
-              </a:ext>
-            </a:extLst>
-          </p:cNvPr>
-          <p:cNvSpPr>
-            <a:spLocks noGrp="1"/>
-          </p:cNvSpPr>
-          <p:nvPr>
-            <p:ph type="ftr" sz="quarter" idx="3"/>
-          </p:nvPr>
-        </p:nvSpPr>
-        <p:spPr>
-          <a:xfrm>
-            <a:off x="4038600" y="6356350"/>
-            <a:ext cx="4114800" cy="365125"/>
-          </a:xfrm>
-          <a:prstGeom prst="rect">
-            <a:avLst/>
-          </a:prstGeom>
-        </p:spPr>
-        <p:txBody>
-          <a:bodyPr vert="horz" lIns="91440" tIns="45720" rIns="91440" bIns="45720" rtlCol="0" anchor="ctr"/>
-          <a:lstStyle>
-            <a:lvl1pPr algn="ctr">
-              <a:defRPr sz="1200">
-                <a:solidFill>
-                  <a:schemeClr val="tx1">
-                    <a:tint val="75000"/>
-                  </a:schemeClr>
-                </a:solidFill>
-              </a:defRPr>
-            </a:lvl1pPr>
-          </a:lstStyle>
-          <a:p>
-            <a:endParaRPr lang="en-IN"/>
-          </a:p>
-        </p:txBody>
-      </p:sp>
-      <p:sp>
-        <p:nvSpPr>
-          <p:cNvPr id="6" name="Slide Number Placeholder 5">
-            <a:extLst>
-              <a:ext uri="{FF2B5EF4-FFF2-40B4-BE49-F238E27FC236}">
-                <a16:creationId xmlns:a16="http://schemas.microsoft.com/office/drawing/2014/main" id="{3DD42992-A2A6-B30B-BE85-70DDB9101CF8}"/>
-              </a:ext>
-            </a:extLst>
-          </p:cNvPr>
-          <p:cNvSpPr>
-            <a:spLocks noGrp="1"/>
-          </p:cNvSpPr>
-          <p:nvPr>
-            <p:ph type="sldNum" sz="quarter" idx="4"/>
-          </p:nvPr>
-        </p:nvSpPr>
-        <p:spPr>
-          <a:xfrm>
-            <a:off x="8610600" y="6356350"/>
-            <a:ext cx="2743200" cy="365125"/>
-          </a:xfrm>
-          <a:prstGeom prst="rect">
-            <a:avLst/>
-          </a:prstGeom>
-        </p:spPr>
-        <p:txBody>
-          <a:bodyPr vert="horz" lIns="91440" tIns="45720" rIns="91440" bIns="45720" rtlCol="0" anchor="ctr"/>
-          <a:lstStyle>
-            <a:lvl1pPr algn="r">
-              <a:defRPr sz="1200">
-                <a:solidFill>
-                  <a:schemeClr val="tx1">
-                    <a:tint val="75000"/>
-                  </a:schemeClr>
-                </a:solidFill>
-              </a:defRPr>
-            </a:lvl1pPr>
-          </a:lstStyle>
-          <a:p>
             <a:fld id="{6AB4504B-EDD3-43D7-844F-5E9C642F7890}" type="slidenum">
               <a:rPr lang="en-IN" smtClean="0"/>
               <a:t>‹#›</a:t>
@@ -3164,31 +5792,37 @@
     </p:spTree>
     <p:extLst>
       <p:ext uri="{BB962C8B-B14F-4D97-AF65-F5344CB8AC3E}">
-        <p14:creationId xmlns:p14="http://schemas.microsoft.com/office/powerpoint/2010/main" val="2801264478"/>
+        <p14:creationId xmlns:p14="http://schemas.microsoft.com/office/powerpoint/2010/main" val="256749977"/>
       </p:ext>
     </p:extLst>
   </p:cSld>
-  <p:clrMap bg1="lt1" tx1="dk1" bg2="lt2" tx2="dk2" accent1="accent1" accent2="accent2" accent3="accent3" accent4="accent4" accent5="accent5" accent6="accent6" hlink="hlink" folHlink="folHlink"/>
+  <p:clrMap bg1="dk1" tx1="lt1" bg2="dk2" tx2="lt2" accent1="accent1" accent2="accent2" accent3="accent3" accent4="accent4" accent5="accent5" accent6="accent6" hlink="hlink" folHlink="folHlink"/>
   <p:sldLayoutIdLst>
-    <p:sldLayoutId id="2147483649" r:id="rId1"/>
-    <p:sldLayoutId id="2147483650" r:id="rId2"/>
-    <p:sldLayoutId id="2147483651" r:id="rId3"/>
-    <p:sldLayoutId id="2147483652" r:id="rId4"/>
-    <p:sldLayoutId id="2147483653" r:id="rId5"/>
-    <p:sldLayoutId id="2147483654" r:id="rId6"/>
-    <p:sldLayoutId id="2147483655" r:id="rId7"/>
-    <p:sldLayoutId id="2147483656" r:id="rId8"/>
-    <p:sldLayoutId id="2147483657" r:id="rId9"/>
-    <p:sldLayoutId id="2147483658" r:id="rId10"/>
-    <p:sldLayoutId id="2147483659" r:id="rId11"/>
+    <p:sldLayoutId id="2147483661" r:id="rId1"/>
+    <p:sldLayoutId id="2147483662" r:id="rId2"/>
+    <p:sldLayoutId id="2147483663" r:id="rId3"/>
+    <p:sldLayoutId id="2147483664" r:id="rId4"/>
+    <p:sldLayoutId id="2147483665" r:id="rId5"/>
+    <p:sldLayoutId id="2147483666" r:id="rId6"/>
+    <p:sldLayoutId id="2147483667" r:id="rId7"/>
+    <p:sldLayoutId id="2147483668" r:id="rId8"/>
+    <p:sldLayoutId id="2147483669" r:id="rId9"/>
+    <p:sldLayoutId id="2147483670" r:id="rId10"/>
+    <p:sldLayoutId id="2147483671" r:id="rId11"/>
+    <p:sldLayoutId id="2147483672" r:id="rId12"/>
+    <p:sldLayoutId id="2147483673" r:id="rId13"/>
+    <p:sldLayoutId id="2147483674" r:id="rId14"/>
+    <p:sldLayoutId id="2147483675" r:id="rId15"/>
+    <p:sldLayoutId id="2147483676" r:id="rId16"/>
+    <p:sldLayoutId id="2147483677" r:id="rId17"/>
   </p:sldLayoutIdLst>
-  <mc:AlternateContent xmlns:mc="http://schemas.openxmlformats.org/markup-compatibility/2006">
-    <mc:Choice xmlns:p159="http://schemas.microsoft.com/office/powerpoint/2015/09/main" Requires="p159">
+  <mc:AlternateContent xmlns:mc="http://schemas.openxmlformats.org/markup-compatibility/2006" xmlns:p159="http://schemas.microsoft.com/office/powerpoint/2015/09/main">
+    <mc:Choice Requires="p159">
       <p:transition xmlns:p14="http://schemas.microsoft.com/office/powerpoint/2010/main" spd="slow" p14:dur="2000">
         <p159:morph option="byObject"/>
       </p:transition>
     </mc:Choice>
-    <mc:Fallback>
+    <mc:Fallback xmlns="">
       <p:transition spd="slow">
         <p:fade/>
       </p:transition>
@@ -3196,15 +5830,95 @@
   </mc:AlternateContent>
   <p:txStyles>
     <p:titleStyle>
-      <a:lvl1pPr algn="l" defTabSz="914400" rtl="0" eaLnBrk="1" latinLnBrk="0" hangingPunct="1">
-        <a:lnSpc>
-          <a:spcPct val="90000"/>
-        </a:lnSpc>
+      <a:lvl1pPr algn="l" defTabSz="457200" rtl="0" eaLnBrk="1" latinLnBrk="0" hangingPunct="1">
         <a:spcBef>
           <a:spcPct val="0"/>
         </a:spcBef>
         <a:buNone/>
-        <a:defRPr sz="4400" kern="1200">
+        <a:defRPr sz="4200" b="0" i="0" kern="1200">
+          <a:solidFill>
+            <a:schemeClr val="tx2"/>
+          </a:solidFill>
+          <a:latin typeface="+mj-lt"/>
+          <a:ea typeface="+mj-ea"/>
+          <a:cs typeface="+mj-cs"/>
+        </a:defRPr>
+      </a:lvl1pPr>
+      <a:lvl2pPr eaLnBrk="1" hangingPunct="1">
+        <a:defRPr>
+          <a:solidFill>
+            <a:schemeClr val="tx2"/>
+          </a:solidFill>
+        </a:defRPr>
+      </a:lvl2pPr>
+      <a:lvl3pPr eaLnBrk="1" hangingPunct="1">
+        <a:defRPr>
+          <a:solidFill>
+            <a:schemeClr val="tx2"/>
+          </a:solidFill>
+        </a:defRPr>
+      </a:lvl3pPr>
+      <a:lvl4pPr eaLnBrk="1" hangingPunct="1">
+        <a:defRPr>
+          <a:solidFill>
+            <a:schemeClr val="tx2"/>
+          </a:solidFill>
+        </a:defRPr>
+      </a:lvl4pPr>
+      <a:lvl5pPr eaLnBrk="1" hangingPunct="1">
+        <a:defRPr>
+          <a:solidFill>
+            <a:schemeClr val="tx2"/>
+          </a:solidFill>
+        </a:defRPr>
+      </a:lvl5pPr>
+      <a:lvl6pPr eaLnBrk="1" hangingPunct="1">
+        <a:defRPr>
+          <a:solidFill>
+            <a:schemeClr val="tx2"/>
+          </a:solidFill>
+        </a:defRPr>
+      </a:lvl6pPr>
+      <a:lvl7pPr eaLnBrk="1" hangingPunct="1">
+        <a:defRPr>
+          <a:solidFill>
+            <a:schemeClr val="tx2"/>
+          </a:solidFill>
+        </a:defRPr>
+      </a:lvl7pPr>
+      <a:lvl8pPr eaLnBrk="1" hangingPunct="1">
+        <a:defRPr>
+          <a:solidFill>
+            <a:schemeClr val="tx2"/>
+          </a:solidFill>
+        </a:defRPr>
+      </a:lvl8pPr>
+      <a:lvl9pPr eaLnBrk="1" hangingPunct="1">
+        <a:defRPr>
+          <a:solidFill>
+            <a:schemeClr val="tx2"/>
+          </a:solidFill>
+        </a:defRPr>
+      </a:lvl9pPr>
+    </p:titleStyle>
+    <p:bodyStyle>
+      <a:lvl1pPr marL="342900" indent="-342900" algn="l" defTabSz="457200" rtl="0" eaLnBrk="1" latinLnBrk="0" hangingPunct="1">
+        <a:spcBef>
+          <a:spcPts val="1000"/>
+        </a:spcBef>
+        <a:spcAft>
+          <a:spcPts val="0"/>
+        </a:spcAft>
+        <a:buClr>
+          <a:schemeClr val="bg2">
+            <a:lumMod val="40000"/>
+            <a:lumOff val="60000"/>
+          </a:schemeClr>
+        </a:buClr>
+        <a:buSzPct val="80000"/>
+        <a:buFont typeface="Wingdings 3" charset="2"/>
+        <a:buChar char=""/>
+        <a:defRPr sz="2000" b="0" i="0" kern="1200">
           <a:solidFill>
             <a:schemeClr val="tx1"/>
           </a:solidFill>
@@ -3213,18 +5927,213 @@
           <a:cs typeface="+mj-cs"/>
         </a:defRPr>
       </a:lvl1pPr>
-    </p:titleStyle>
-    <p:bodyStyle>
-      <a:lvl1pPr marL="228600" indent="-228600" algn="l" defTabSz="914400" rtl="0" eaLnBrk="1" latinLnBrk="0" hangingPunct="1">
-        <a:lnSpc>
-          <a:spcPct val="90000"/>
-        </a:lnSpc>
+      <a:lvl2pPr marL="742950" indent="-285750" algn="l" defTabSz="457200" rtl="0" eaLnBrk="1" latinLnBrk="0" hangingPunct="1">
         <a:spcBef>
           <a:spcPts val="1000"/>
         </a:spcBef>
-        <a:buFont typeface="Arial" panose="020B0604020202020204" pitchFamily="34" charset="0"/>
-        <a:buChar char="•"/>
-        <a:defRPr sz="2800" kern="1200">
+        <a:spcAft>
+          <a:spcPts val="0"/>
+        </a:spcAft>
+        <a:buClr>
+          <a:schemeClr val="bg2">
+            <a:lumMod val="40000"/>
+            <a:lumOff val="60000"/>
+          </a:schemeClr>
+        </a:buClr>
+        <a:buSzPct val="80000"/>
+        <a:buFont typeface="Wingdings 3" charset="2"/>
+        <a:buChar char=""/>
+        <a:defRPr sz="1800" b="0" i="0" kern="1200">
+          <a:solidFill>
+            <a:schemeClr val="tx1"/>
+          </a:solidFill>
+          <a:latin typeface="+mj-lt"/>
+          <a:ea typeface="+mj-ea"/>
+          <a:cs typeface="+mj-cs"/>
+        </a:defRPr>
+      </a:lvl2pPr>
+      <a:lvl3pPr marL="1143000" indent="-228600" algn="l" defTabSz="457200" rtl="0" eaLnBrk="1" latinLnBrk="0" hangingPunct="1">
+        <a:spcBef>
+          <a:spcPts val="1000"/>
+        </a:spcBef>
+        <a:spcAft>
+          <a:spcPts val="0"/>
+        </a:spcAft>
+        <a:buClr>
+          <a:schemeClr val="bg2">
+            <a:lumMod val="40000"/>
+            <a:lumOff val="60000"/>
+          </a:schemeClr>
+        </a:buClr>
+        <a:buSzPct val="80000"/>
+        <a:buFont typeface="Wingdings 3" charset="2"/>
+        <a:buChar char=""/>
+        <a:defRPr sz="1600" b="0" i="0" kern="1200">
+          <a:solidFill>
+            <a:schemeClr val="tx1"/>
+          </a:solidFill>
+          <a:latin typeface="+mj-lt"/>
+          <a:ea typeface="+mj-ea"/>
+          <a:cs typeface="+mj-cs"/>
+        </a:defRPr>
+      </a:lvl3pPr>
+      <a:lvl4pPr marL="1600200" indent="-228600" algn="l" defTabSz="457200" rtl="0" eaLnBrk="1" latinLnBrk="0" hangingPunct="1">
+        <a:spcBef>
+          <a:spcPts val="1000"/>
+        </a:spcBef>
+        <a:spcAft>
+          <a:spcPts val="0"/>
+        </a:spcAft>
+        <a:buClr>
+          <a:schemeClr val="bg2">
+            <a:lumMod val="40000"/>
+            <a:lumOff val="60000"/>
+          </a:schemeClr>
+        </a:buClr>
+        <a:buSzPct val="80000"/>
+        <a:buFont typeface="Wingdings 3" charset="2"/>
+        <a:buChar char=""/>
+        <a:defRPr sz="1400" b="0" i="0" kern="1200">
+          <a:solidFill>
+            <a:schemeClr val="tx1"/>
+          </a:solidFill>
+          <a:latin typeface="+mj-lt"/>
+          <a:ea typeface="+mj-ea"/>
+          <a:cs typeface="+mj-cs"/>
+        </a:defRPr>
+      </a:lvl4pPr>
+      <a:lvl5pPr marL="2057400" indent="-228600" algn="l" defTabSz="457200" rtl="0" eaLnBrk="1" latinLnBrk="0" hangingPunct="1">
+        <a:spcBef>
+          <a:spcPts val="1000"/>
+        </a:spcBef>
+        <a:spcAft>
+          <a:spcPts val="0"/>
+        </a:spcAft>
+        <a:buClr>
+          <a:schemeClr val="bg2">
+            <a:lumMod val="40000"/>
+            <a:lumOff val="60000"/>
+          </a:schemeClr>
+        </a:buClr>
+        <a:buSzPct val="80000"/>
+        <a:buFont typeface="Wingdings 3" charset="2"/>
+        <a:buChar char=""/>
+        <a:defRPr sz="1400" b="0" i="0" kern="1200">
+          <a:solidFill>
+            <a:schemeClr val="tx1"/>
+          </a:solidFill>
+          <a:latin typeface="+mj-lt"/>
+          <a:ea typeface="+mj-ea"/>
+          <a:cs typeface="+mj-cs"/>
+        </a:defRPr>
+      </a:lvl5pPr>
+      <a:lvl6pPr marL="2506000" indent="-228600" algn="l" defTabSz="457200" rtl="0" eaLnBrk="1" latinLnBrk="0" hangingPunct="1">
+        <a:spcBef>
+          <a:spcPts val="1000"/>
+        </a:spcBef>
+        <a:spcAft>
+          <a:spcPts val="0"/>
+        </a:spcAft>
+        <a:buClr>
+          <a:schemeClr val="bg2">
+            <a:lumMod val="40000"/>
+            <a:lumOff val="60000"/>
+          </a:schemeClr>
+        </a:buClr>
+        <a:buSzPct val="80000"/>
+        <a:buFont typeface="Wingdings 3" charset="2"/>
+        <a:buChar char=""/>
+        <a:defRPr sz="1400" b="0" i="0" kern="1200">
+          <a:solidFill>
+            <a:schemeClr val="tx1"/>
+          </a:solidFill>
+          <a:latin typeface="+mj-lt"/>
+          <a:ea typeface="+mj-ea"/>
+          <a:cs typeface="+mj-cs"/>
+        </a:defRPr>
+      </a:lvl6pPr>
+      <a:lvl7pPr marL="2971800" indent="-228600" algn="l" defTabSz="457200" rtl="0" eaLnBrk="1" latinLnBrk="0" hangingPunct="1">
+        <a:spcBef>
+          <a:spcPts val="1000"/>
+        </a:spcBef>
+        <a:spcAft>
+          <a:spcPts val="0"/>
+        </a:spcAft>
+        <a:buClr>
+          <a:schemeClr val="bg2">
+            <a:lumMod val="40000"/>
+            <a:lumOff val="60000"/>
+          </a:schemeClr>
+        </a:buClr>
+        <a:buSzPct val="80000"/>
+        <a:buFont typeface="Wingdings 3" charset="2"/>
+        <a:buChar char=""/>
+        <a:defRPr sz="1400" b="0" i="0" kern="1200">
+          <a:solidFill>
+            <a:schemeClr val="tx1"/>
+          </a:solidFill>
+          <a:latin typeface="+mj-lt"/>
+          <a:ea typeface="+mj-ea"/>
+          <a:cs typeface="+mj-cs"/>
+        </a:defRPr>
+      </a:lvl7pPr>
+      <a:lvl8pPr marL="3429000" indent="-228600" algn="l" defTabSz="457200" rtl="0" eaLnBrk="1" latinLnBrk="0" hangingPunct="1">
+        <a:spcBef>
+          <a:spcPts val="1000"/>
+        </a:spcBef>
+        <a:spcAft>
+          <a:spcPts val="0"/>
+        </a:spcAft>
+        <a:buClr>
+          <a:schemeClr val="bg2">
+            <a:lumMod val="40000"/>
+            <a:lumOff val="60000"/>
+          </a:schemeClr>
+        </a:buClr>
+        <a:buSzPct val="80000"/>
+        <a:buFont typeface="Wingdings 3" charset="2"/>
+        <a:buChar char=""/>
+        <a:defRPr sz="1400" b="0" i="0" kern="1200">
+          <a:solidFill>
+            <a:schemeClr val="tx1"/>
+          </a:solidFill>
+          <a:latin typeface="+mj-lt"/>
+          <a:ea typeface="+mj-ea"/>
+          <a:cs typeface="+mj-cs"/>
+        </a:defRPr>
+      </a:lvl8pPr>
+      <a:lvl9pPr marL="3886200" indent="-228600" algn="l" defTabSz="457200" rtl="0" eaLnBrk="1" latinLnBrk="0" hangingPunct="1">
+        <a:spcBef>
+          <a:spcPts val="1000"/>
+        </a:spcBef>
+        <a:spcAft>
+          <a:spcPts val="0"/>
+        </a:spcAft>
+        <a:buClr>
+          <a:schemeClr val="bg2">
+            <a:lumMod val="40000"/>
+            <a:lumOff val="60000"/>
+          </a:schemeClr>
+        </a:buClr>
+        <a:buSzPct val="80000"/>
+        <a:buFont typeface="Wingdings 3" charset="2"/>
+        <a:buChar char=""/>
+        <a:defRPr sz="1400" b="0" i="0" kern="1200">
+          <a:solidFill>
+            <a:schemeClr val="tx1"/>
+          </a:solidFill>
+          <a:latin typeface="+mj-lt"/>
+          <a:ea typeface="+mj-ea"/>
+          <a:cs typeface="+mj-cs"/>
+        </a:defRPr>
+      </a:lvl9pPr>
+    </p:bodyStyle>
+    <p:otherStyle>
+      <a:defPPr>
+        <a:defRPr lang="en-US"/>
+      </a:defPPr>
+      <a:lvl1pPr marL="0" algn="l" defTabSz="457200" rtl="0" eaLnBrk="1" latinLnBrk="0" hangingPunct="1">
+        <a:defRPr sz="1800" kern="1200">
           <a:solidFill>
             <a:schemeClr val="tx1"/>
           </a:solidFill>
@@ -3233,16 +6142,8 @@
           <a:cs typeface="+mn-cs"/>
         </a:defRPr>
       </a:lvl1pPr>
-      <a:lvl2pPr marL="685800" indent="-228600" algn="l" defTabSz="914400" rtl="0" eaLnBrk="1" latinLnBrk="0" hangingPunct="1">
-        <a:lnSpc>
-          <a:spcPct val="90000"/>
-        </a:lnSpc>
-        <a:spcBef>
-          <a:spcPts val="500"/>
-        </a:spcBef>
-        <a:buFont typeface="Arial" panose="020B0604020202020204" pitchFamily="34" charset="0"/>
-        <a:buChar char="•"/>
-        <a:defRPr sz="2400" kern="1200">
+      <a:lvl2pPr marL="457200" algn="l" defTabSz="457200" rtl="0" eaLnBrk="1" latinLnBrk="0" hangingPunct="1">
+        <a:defRPr sz="1800" kern="1200">
           <a:solidFill>
             <a:schemeClr val="tx1"/>
           </a:solidFill>
@@ -3251,16 +6152,8 @@
           <a:cs typeface="+mn-cs"/>
         </a:defRPr>
       </a:lvl2pPr>
-      <a:lvl3pPr marL="1143000" indent="-228600" algn="l" defTabSz="914400" rtl="0" eaLnBrk="1" latinLnBrk="0" hangingPunct="1">
-        <a:lnSpc>
-          <a:spcPct val="90000"/>
-        </a:lnSpc>
-        <a:spcBef>
-          <a:spcPts val="500"/>
-        </a:spcBef>
-        <a:buFont typeface="Arial" panose="020B0604020202020204" pitchFamily="34" charset="0"/>
-        <a:buChar char="•"/>
-        <a:defRPr sz="2000" kern="1200">
+      <a:lvl3pPr marL="914400" algn="l" defTabSz="457200" rtl="0" eaLnBrk="1" latinLnBrk="0" hangingPunct="1">
+        <a:defRPr sz="1800" kern="1200">
           <a:solidFill>
             <a:schemeClr val="tx1"/>
           </a:solidFill>
@@ -3269,15 +6162,7 @@
           <a:cs typeface="+mn-cs"/>
         </a:defRPr>
       </a:lvl3pPr>
-      <a:lvl4pPr marL="1600200" indent="-228600" algn="l" defTabSz="914400" rtl="0" eaLnBrk="1" latinLnBrk="0" hangingPunct="1">
-        <a:lnSpc>
-          <a:spcPct val="90000"/>
-        </a:lnSpc>
-        <a:spcBef>
-          <a:spcPts val="500"/>
-        </a:spcBef>
-        <a:buFont typeface="Arial" panose="020B0604020202020204" pitchFamily="34" charset="0"/>
-        <a:buChar char="•"/>
+      <a:lvl4pPr marL="1371600" algn="l" defTabSz="457200" rtl="0" eaLnBrk="1" latinLnBrk="0" hangingPunct="1">
         <a:defRPr sz="1800" kern="1200">
           <a:solidFill>
             <a:schemeClr val="tx1"/>
@@ -3287,15 +6172,7 @@
           <a:cs typeface="+mn-cs"/>
         </a:defRPr>
       </a:lvl4pPr>
-      <a:lvl5pPr marL="2057400" indent="-228600" algn="l" defTabSz="914400" rtl="0" eaLnBrk="1" latinLnBrk="0" hangingPunct="1">
-        <a:lnSpc>
-          <a:spcPct val="90000"/>
-        </a:lnSpc>
-        <a:spcBef>
-          <a:spcPts val="500"/>
-        </a:spcBef>
-        <a:buFont typeface="Arial" panose="020B0604020202020204" pitchFamily="34" charset="0"/>
-        <a:buChar char="•"/>
+      <a:lvl5pPr marL="1828800" algn="l" defTabSz="457200" rtl="0" eaLnBrk="1" latinLnBrk="0" hangingPunct="1">
         <a:defRPr sz="1800" kern="1200">
           <a:solidFill>
             <a:schemeClr val="tx1"/>
@@ -3305,15 +6182,7 @@
           <a:cs typeface="+mn-cs"/>
         </a:defRPr>
       </a:lvl5pPr>
-      <a:lvl6pPr marL="2514600" indent="-228600" algn="l" defTabSz="914400" rtl="0" eaLnBrk="1" latinLnBrk="0" hangingPunct="1">
-        <a:lnSpc>
-          <a:spcPct val="90000"/>
-        </a:lnSpc>
-        <a:spcBef>
-          <a:spcPts val="500"/>
-        </a:spcBef>
-        <a:buFont typeface="Arial" panose="020B0604020202020204" pitchFamily="34" charset="0"/>
-        <a:buChar char="•"/>
+      <a:lvl6pPr marL="2286000" algn="l" defTabSz="457200" rtl="0" eaLnBrk="1" latinLnBrk="0" hangingPunct="1">
         <a:defRPr sz="1800" kern="1200">
           <a:solidFill>
             <a:schemeClr val="tx1"/>
@@ -3323,15 +6192,7 @@
           <a:cs typeface="+mn-cs"/>
         </a:defRPr>
       </a:lvl6pPr>
-      <a:lvl7pPr marL="2971800" indent="-228600" algn="l" defTabSz="914400" rtl="0" eaLnBrk="1" latinLnBrk="0" hangingPunct="1">
-        <a:lnSpc>
-          <a:spcPct val="90000"/>
-        </a:lnSpc>
-        <a:spcBef>
-          <a:spcPts val="500"/>
-        </a:spcBef>
-        <a:buFont typeface="Arial" panose="020B0604020202020204" pitchFamily="34" charset="0"/>
-        <a:buChar char="•"/>
+      <a:lvl7pPr marL="2743200" algn="l" defTabSz="457200" rtl="0" eaLnBrk="1" latinLnBrk="0" hangingPunct="1">
         <a:defRPr sz="1800" kern="1200">
           <a:solidFill>
             <a:schemeClr val="tx1"/>
@@ -3341,15 +6202,7 @@
           <a:cs typeface="+mn-cs"/>
         </a:defRPr>
       </a:lvl7pPr>
-      <a:lvl8pPr marL="3429000" indent="-228600" algn="l" defTabSz="914400" rtl="0" eaLnBrk="1" latinLnBrk="0" hangingPunct="1">
-        <a:lnSpc>
-          <a:spcPct val="90000"/>
-        </a:lnSpc>
-        <a:spcBef>
-          <a:spcPts val="500"/>
-        </a:spcBef>
-        <a:buFont typeface="Arial" panose="020B0604020202020204" pitchFamily="34" charset="0"/>
-        <a:buChar char="•"/>
+      <a:lvl8pPr marL="3200400" algn="l" defTabSz="457200" rtl="0" eaLnBrk="1" latinLnBrk="0" hangingPunct="1">
         <a:defRPr sz="1800" kern="1200">
           <a:solidFill>
             <a:schemeClr val="tx1"/>
@@ -3359,110 +6212,7 @@
           <a:cs typeface="+mn-cs"/>
         </a:defRPr>
       </a:lvl8pPr>
-      <a:lvl9pPr marL="3886200" indent="-228600" algn="l" defTabSz="914400" rtl="0" eaLnBrk="1" latinLnBrk="0" hangingPunct="1">
-        <a:lnSpc>
-          <a:spcPct val="90000"/>
-        </a:lnSpc>
-        <a:spcBef>
-          <a:spcPts val="500"/>
-        </a:spcBef>
-        <a:buFont typeface="Arial" panose="020B0604020202020204" pitchFamily="34" charset="0"/>
-        <a:buChar char="•"/>
-        <a:defRPr sz="1800" kern="1200">
-          <a:solidFill>
-            <a:schemeClr val="tx1"/>
-          </a:solidFill>
-          <a:latin typeface="+mn-lt"/>
-          <a:ea typeface="+mn-ea"/>
-          <a:cs typeface="+mn-cs"/>
-        </a:defRPr>
-      </a:lvl9pPr>
-    </p:bodyStyle>
-    <p:otherStyle>
-      <a:defPPr>
-        <a:defRPr lang="en-US"/>
-      </a:defPPr>
-      <a:lvl1pPr marL="0" algn="l" defTabSz="914400" rtl="0" eaLnBrk="1" latinLnBrk="0" hangingPunct="1">
-        <a:defRPr sz="1800" kern="1200">
-          <a:solidFill>
-            <a:schemeClr val="tx1"/>
-          </a:solidFill>
-          <a:latin typeface="+mn-lt"/>
-          <a:ea typeface="+mn-ea"/>
-          <a:cs typeface="+mn-cs"/>
-        </a:defRPr>
-      </a:lvl1pPr>
-      <a:lvl2pPr marL="457200" algn="l" defTabSz="914400" rtl="0" eaLnBrk="1" latinLnBrk="0" hangingPunct="1">
-        <a:defRPr sz="1800" kern="1200">
-          <a:solidFill>
-            <a:schemeClr val="tx1"/>
-          </a:solidFill>
-          <a:latin typeface="+mn-lt"/>
-          <a:ea typeface="+mn-ea"/>
-          <a:cs typeface="+mn-cs"/>
-        </a:defRPr>
-      </a:lvl2pPr>
-      <a:lvl3pPr marL="914400" algn="l" defTabSz="914400" rtl="0" eaLnBrk="1" latinLnBrk="0" hangingPunct="1">
-        <a:defRPr sz="1800" kern="1200">
-          <a:solidFill>
-            <a:schemeClr val="tx1"/>
-          </a:solidFill>
-          <a:latin typeface="+mn-lt"/>
-          <a:ea typeface="+mn-ea"/>
-          <a:cs typeface="+mn-cs"/>
-        </a:defRPr>
-      </a:lvl3pPr>
-      <a:lvl4pPr marL="1371600" algn="l" defTabSz="914400" rtl="0" eaLnBrk="1" latinLnBrk="0" hangingPunct="1">
-        <a:defRPr sz="1800" kern="1200">
-          <a:solidFill>
-            <a:schemeClr val="tx1"/>
-          </a:solidFill>
-          <a:latin typeface="+mn-lt"/>
-          <a:ea typeface="+mn-ea"/>
-          <a:cs typeface="+mn-cs"/>
-        </a:defRPr>
-      </a:lvl4pPr>
-      <a:lvl5pPr marL="1828800" algn="l" defTabSz="914400" rtl="0" eaLnBrk="1" latinLnBrk="0" hangingPunct="1">
-        <a:defRPr sz="1800" kern="1200">
-          <a:solidFill>
-            <a:schemeClr val="tx1"/>
-          </a:solidFill>
-          <a:latin typeface="+mn-lt"/>
-          <a:ea typeface="+mn-ea"/>
-          <a:cs typeface="+mn-cs"/>
-        </a:defRPr>
-      </a:lvl5pPr>
-      <a:lvl6pPr marL="2286000" algn="l" defTabSz="914400" rtl="0" eaLnBrk="1" latinLnBrk="0" hangingPunct="1">
-        <a:defRPr sz="1800" kern="1200">
-          <a:solidFill>
-            <a:schemeClr val="tx1"/>
-          </a:solidFill>
-          <a:latin typeface="+mn-lt"/>
-          <a:ea typeface="+mn-ea"/>
-          <a:cs typeface="+mn-cs"/>
-        </a:defRPr>
-      </a:lvl6pPr>
-      <a:lvl7pPr marL="2743200" algn="l" defTabSz="914400" rtl="0" eaLnBrk="1" latinLnBrk="0" hangingPunct="1">
-        <a:defRPr sz="1800" kern="1200">
-          <a:solidFill>
-            <a:schemeClr val="tx1"/>
-          </a:solidFill>
-          <a:latin typeface="+mn-lt"/>
-          <a:ea typeface="+mn-ea"/>
-          <a:cs typeface="+mn-cs"/>
-        </a:defRPr>
-      </a:lvl7pPr>
-      <a:lvl8pPr marL="3200400" algn="l" defTabSz="914400" rtl="0" eaLnBrk="1" latinLnBrk="0" hangingPunct="1">
-        <a:defRPr sz="1800" kern="1200">
-          <a:solidFill>
-            <a:schemeClr val="tx1"/>
-          </a:solidFill>
-          <a:latin typeface="+mn-lt"/>
-          <a:ea typeface="+mn-ea"/>
-          <a:cs typeface="+mn-cs"/>
-        </a:defRPr>
-      </a:lvl8pPr>
-      <a:lvl9pPr marL="3657600" algn="l" defTabSz="914400" rtl="0" eaLnBrk="1" latinLnBrk="0" hangingPunct="1">
+      <a:lvl9pPr marL="3657600" algn="l" defTabSz="457200" rtl="0" eaLnBrk="1" latinLnBrk="0" hangingPunct="1">
         <a:defRPr sz="1800" kern="1200">
           <a:solidFill>
             <a:schemeClr val="tx1"/>
@@ -3512,7 +6262,7 @@
         </p:nvSpPr>
         <p:spPr>
           <a:xfrm>
-            <a:off x="1671484" y="1497781"/>
+            <a:off x="1356851" y="2962787"/>
             <a:ext cx="9144000" cy="2387600"/>
           </a:xfrm>
         </p:spPr>
@@ -3566,13 +6316,13 @@
         </p:nvSpPr>
         <p:spPr>
           <a:xfrm>
-            <a:off x="1524000" y="2691581"/>
+            <a:off x="1425678" y="3429000"/>
             <a:ext cx="9144000" cy="1655762"/>
           </a:xfrm>
         </p:spPr>
         <p:txBody>
           <a:bodyPr>
-            <a:normAutofit fontScale="92500" lnSpcReduction="20000"/>
+            <a:normAutofit fontScale="92500" lnSpcReduction="10000"/>
           </a:bodyPr>
           <a:lstStyle/>
           <a:p>
@@ -3834,13 +6584,90 @@
   <p:clrMapOvr>
     <a:masterClrMapping/>
   </p:clrMapOvr>
-  <mc:AlternateContent xmlns:mc="http://schemas.openxmlformats.org/markup-compatibility/2006">
-    <mc:Choice xmlns:p159="http://schemas.microsoft.com/office/powerpoint/2015/09/main" Requires="p159">
+  <mc:AlternateContent xmlns:mc="http://schemas.openxmlformats.org/markup-compatibility/2006" xmlns:p159="http://schemas.microsoft.com/office/powerpoint/2015/09/main">
+    <mc:Choice Requires="p159">
       <p:transition xmlns:p14="http://schemas.microsoft.com/office/powerpoint/2010/main" spd="slow" p14:dur="2000">
         <p159:morph option="byObject"/>
       </p:transition>
     </mc:Choice>
-    <mc:Fallback>
+    <mc:Fallback xmlns="">
+      <p:transition spd="slow">
+        <p:fade/>
+      </p:transition>
+    </mc:Fallback>
+  </mc:AlternateContent>
+</p:sld>
+</file>
+
+<file path=ppt/slides/slide10.xml><?xml version="1.0" encoding="utf-8"?>
+<p:sld xmlns:a="http://schemas.openxmlformats.org/drawingml/2006/main" xmlns:r="http://schemas.openxmlformats.org/officeDocument/2006/relationships" xmlns:p="http://schemas.openxmlformats.org/presentationml/2006/main">
+  <p:cSld>
+    <p:spTree>
+      <p:nvGrpSpPr>
+        <p:cNvPr id="1" name=""/>
+        <p:cNvGrpSpPr/>
+        <p:nvPr/>
+      </p:nvGrpSpPr>
+      <p:grpSpPr>
+        <a:xfrm>
+          <a:off x="0" y="0"/>
+          <a:ext cx="0" cy="0"/>
+          <a:chOff x="0" y="0"/>
+          <a:chExt cx="0" cy="0"/>
+        </a:xfrm>
+      </p:grpSpPr>
+      <p:sp>
+        <p:nvSpPr>
+          <p:cNvPr id="4" name="Title 3">
+            <a:extLst>
+              <a:ext uri="{FF2B5EF4-FFF2-40B4-BE49-F238E27FC236}">
+                <a16:creationId xmlns:a16="http://schemas.microsoft.com/office/drawing/2014/main" id="{C11AB729-00BA-1AD3-AB98-4A01EC5C2070}"/>
+              </a:ext>
+            </a:extLst>
+          </p:cNvPr>
+          <p:cNvSpPr>
+            <a:spLocks noGrp="1"/>
+          </p:cNvSpPr>
+          <p:nvPr>
+            <p:ph type="title"/>
+          </p:nvPr>
+        </p:nvSpPr>
+        <p:spPr>
+          <a:xfrm>
+            <a:off x="1245879" y="2507660"/>
+            <a:ext cx="9404723" cy="1400530"/>
+          </a:xfrm>
+        </p:spPr>
+        <p:txBody>
+          <a:bodyPr/>
+          <a:lstStyle/>
+          <a:p>
+            <a:pPr algn="ctr"/>
+            <a:r>
+              <a:rPr lang="en-US" sz="8800" b="1" dirty="0"/>
+              <a:t>Thank You</a:t>
+            </a:r>
+            <a:endParaRPr lang="en-IN" b="1" dirty="0"/>
+          </a:p>
+        </p:txBody>
+      </p:sp>
+    </p:spTree>
+    <p:extLst>
+      <p:ext uri="{BB962C8B-B14F-4D97-AF65-F5344CB8AC3E}">
+        <p14:creationId xmlns:p14="http://schemas.microsoft.com/office/powerpoint/2010/main" val="2309537950"/>
+      </p:ext>
+    </p:extLst>
+  </p:cSld>
+  <p:clrMapOvr>
+    <a:masterClrMapping/>
+  </p:clrMapOvr>
+  <mc:AlternateContent xmlns:mc="http://schemas.openxmlformats.org/markup-compatibility/2006" xmlns:p159="http://schemas.microsoft.com/office/powerpoint/2015/09/main">
+    <mc:Choice Requires="p159">
+      <p:transition xmlns:p14="http://schemas.microsoft.com/office/powerpoint/2010/main" spd="slow" p14:dur="2000">
+        <p159:morph option="byObject"/>
+      </p:transition>
+    </mc:Choice>
+    <mc:Fallback xmlns="">
       <p:transition spd="slow">
         <p:fade/>
       </p:transition>
@@ -3946,131 +6773,6 @@
           </a:p>
         </p:txBody>
       </p:sp>
-      <p:sp>
-        <p:nvSpPr>
-          <p:cNvPr id="5" name="Rectangle 2">
-            <a:extLst>
-              <a:ext uri="{FF2B5EF4-FFF2-40B4-BE49-F238E27FC236}">
-                <a16:creationId xmlns:a16="http://schemas.microsoft.com/office/drawing/2014/main" id="{4C7A2EA6-36D7-9CB5-FDCA-4B5D34BC0FE4}"/>
-              </a:ext>
-            </a:extLst>
-          </p:cNvPr>
-          <p:cNvSpPr>
-            <a:spLocks noChangeArrowheads="1"/>
-          </p:cNvSpPr>
-          <p:nvPr/>
-        </p:nvSpPr>
-        <p:spPr bwMode="auto">
-          <a:xfrm>
-            <a:off x="0" y="0"/>
-            <a:ext cx="12192000" cy="0"/>
-          </a:xfrm>
-          <a:prstGeom prst="rect">
-            <a:avLst/>
-          </a:prstGeom>
-          <a:noFill/>
-          <a:ln>
-            <a:noFill/>
-          </a:ln>
-          <a:effectLst/>
-          <a:extLst>
-            <a:ext uri="{909E8E84-426E-40DD-AFC4-6F175D3DCCD1}">
-              <a14:hiddenFill xmlns:a14="http://schemas.microsoft.com/office/drawing/2010/main">
-                <a:solidFill>
-                  <a:schemeClr val="accent1"/>
-                </a:solidFill>
-              </a14:hiddenFill>
-            </a:ext>
-            <a:ext uri="{91240B29-F687-4F45-9708-019B960494DF}">
-              <a14:hiddenLine xmlns:a14="http://schemas.microsoft.com/office/drawing/2010/main" w="9525">
-                <a:solidFill>
-                  <a:schemeClr val="tx1"/>
-                </a:solidFill>
-                <a:miter lim="800000"/>
-                <a:headEnd/>
-                <a:tailEnd/>
-              </a14:hiddenLine>
-            </a:ext>
-            <a:ext uri="{AF507438-7753-43E0-B8FC-AC1667EBCBE1}">
-              <a14:hiddenEffects xmlns:a14="http://schemas.microsoft.com/office/drawing/2010/main">
-                <a:effectLst>
-                  <a:outerShdw dist="35921" dir="2700000" algn="ctr" rotWithShape="0">
-                    <a:schemeClr val="bg2"/>
-                  </a:outerShdw>
-                </a:effectLst>
-              </a14:hiddenEffects>
-            </a:ext>
-          </a:extLst>
-        </p:spPr>
-        <p:txBody>
-          <a:bodyPr vert="horz" wrap="none" lIns="91440" tIns="45720" rIns="91440" bIns="45720" numCol="1" anchor="ctr" anchorCtr="0" compatLnSpc="1">
-            <a:prstTxWarp prst="textNoShape">
-              <a:avLst/>
-            </a:prstTxWarp>
-            <a:spAutoFit/>
-          </a:bodyPr>
-          <a:lstStyle/>
-          <a:p>
-            <a:pPr marL="0" marR="0" lvl="0" indent="0" algn="l" defTabSz="914400" rtl="0" eaLnBrk="0" fontAlgn="base" latinLnBrk="0" hangingPunct="0">
-              <a:lnSpc>
-                <a:spcPct val="100000"/>
-              </a:lnSpc>
-              <a:spcBef>
-                <a:spcPct val="0"/>
-              </a:spcBef>
-              <a:spcAft>
-                <a:spcPct val="0"/>
-              </a:spcAft>
-              <a:buClrTx/>
-              <a:buSzTx/>
-              <a:buFontTx/>
-              <a:buChar char="•"/>
-              <a:tabLst/>
-            </a:pPr>
-            <a:r>
-              <a:rPr kumimoji="0" lang="en-US" altLang="en-US" sz="1800" b="0" i="0" u="none" strike="noStrike" cap="none" normalizeH="0" baseline="0">
-                <a:ln>
-                  <a:noFill/>
-                </a:ln>
-                <a:solidFill>
-                  <a:schemeClr val="tx1"/>
-                </a:solidFill>
-                <a:effectLst/>
-                <a:latin typeface="Arial" panose="020B0604020202020204" pitchFamily="34" charset="0"/>
-              </a:rPr>
-              <a:t>AI generates HTML, CSS, JavaScript files, and also creates a README file for the project.</a:t>
-            </a:r>
-          </a:p>
-          <a:p>
-            <a:pPr marL="0" marR="0" lvl="0" indent="0" algn="l" defTabSz="914400" rtl="0" eaLnBrk="0" fontAlgn="base" latinLnBrk="0" hangingPunct="0">
-              <a:lnSpc>
-                <a:spcPct val="100000"/>
-              </a:lnSpc>
-              <a:spcBef>
-                <a:spcPct val="0"/>
-              </a:spcBef>
-              <a:spcAft>
-                <a:spcPct val="0"/>
-              </a:spcAft>
-              <a:buClrTx/>
-              <a:buSzTx/>
-              <a:buFontTx/>
-              <a:buChar char="•"/>
-              <a:tabLst/>
-            </a:pPr>
-            <a:endParaRPr kumimoji="0" lang="en-US" altLang="en-US" sz="1800" b="0" i="0" u="none" strike="noStrike" cap="none" normalizeH="0" baseline="0">
-              <a:ln>
-                <a:noFill/>
-              </a:ln>
-              <a:solidFill>
-                <a:schemeClr val="tx1"/>
-              </a:solidFill>
-              <a:effectLst/>
-              <a:latin typeface="Arial" panose="020B0604020202020204" pitchFamily="34" charset="0"/>
-            </a:endParaRPr>
-          </a:p>
-        </p:txBody>
-      </p:sp>
     </p:spTree>
     <p:extLst>
       <p:ext uri="{BB962C8B-B14F-4D97-AF65-F5344CB8AC3E}">
@@ -4081,13 +6783,13 @@
   <p:clrMapOvr>
     <a:masterClrMapping/>
   </p:clrMapOvr>
-  <mc:AlternateContent xmlns:mc="http://schemas.openxmlformats.org/markup-compatibility/2006">
-    <mc:Choice xmlns:p159="http://schemas.microsoft.com/office/powerpoint/2015/09/main" Requires="p159">
+  <mc:AlternateContent xmlns:mc="http://schemas.openxmlformats.org/markup-compatibility/2006" xmlns:p159="http://schemas.microsoft.com/office/powerpoint/2015/09/main">
+    <mc:Choice Requires="p159">
       <p:transition xmlns:p14="http://schemas.microsoft.com/office/powerpoint/2010/main" spd="slow" p14:dur="2000">
         <p159:morph option="byObject"/>
       </p:transition>
     </mc:Choice>
-    <mc:Fallback>
+    <mc:Fallback xmlns="">
       <p:transition spd="slow">
         <p:fade/>
       </p:transition>
@@ -4168,16 +6870,15 @@
         </p:nvSpPr>
         <p:spPr/>
         <p:txBody>
-          <a:bodyPr/>
+          <a:bodyPr>
+            <a:normAutofit/>
+          </a:bodyPr>
           <a:lstStyle/>
           <a:p>
             <a:r>
               <a:rPr lang="en-US" dirty="0"/>
-              <a:t>Uses an AI agent to understand your website description</a:t>
-            </a:r>
-          </a:p>
-          <a:p>
-            <a:endParaRPr lang="en-US" dirty="0"/>
+              <a:t>Uses an AI agent to understand your website description.</a:t>
+            </a:r>
           </a:p>
           <a:p>
             <a:r>
@@ -4186,7 +6887,34 @@
             </a:r>
           </a:p>
           <a:p>
-            <a:endParaRPr lang="en-US" dirty="0"/>
+            <a:r>
+              <a:rPr lang="en-US" b="1" dirty="0"/>
+              <a:t>Planner Agent</a:t>
+            </a:r>
+            <a:r>
+              <a:rPr lang="en-US" dirty="0"/>
+              <a:t> – Analyzes your request and generates a detailed project plan.</a:t>
+            </a:r>
+          </a:p>
+          <a:p>
+            <a:r>
+              <a:rPr lang="en-US" b="1" dirty="0"/>
+              <a:t>Architect Agent</a:t>
+            </a:r>
+            <a:r>
+              <a:rPr lang="en-US" dirty="0"/>
+              <a:t> – Breaks down the plan into specific engineering tasks with explicit context for each file.</a:t>
+            </a:r>
+          </a:p>
+          <a:p>
+            <a:r>
+              <a:rPr lang="en-US" b="1" dirty="0"/>
+              <a:t>Coder Agent</a:t>
+            </a:r>
+            <a:r>
+              <a:rPr lang="en-US" dirty="0"/>
+              <a:t> – Implements each task, writes directly into files, and uses available tools like a real developer.</a:t>
+            </a:r>
           </a:p>
           <a:p>
             <a:r>
@@ -4209,13 +6937,13 @@
   <p:clrMapOvr>
     <a:masterClrMapping/>
   </p:clrMapOvr>
-  <mc:AlternateContent xmlns:mc="http://schemas.openxmlformats.org/markup-compatibility/2006">
-    <mc:Choice xmlns:p159="http://schemas.microsoft.com/office/powerpoint/2015/09/main" Requires="p159">
+  <mc:AlternateContent xmlns:mc="http://schemas.openxmlformats.org/markup-compatibility/2006" xmlns:p159="http://schemas.microsoft.com/office/powerpoint/2015/09/main">
+    <mc:Choice Requires="p159">
       <p:transition xmlns:p14="http://schemas.microsoft.com/office/powerpoint/2010/main" spd="slow" p14:dur="2000">
         <p159:morph option="byObject"/>
       </p:transition>
     </mc:Choice>
-    <mc:Fallback>
+    <mc:Fallback xmlns="">
       <p:transition spd="slow">
         <p:fade/>
       </p:transition>
@@ -4376,13 +7104,13 @@
   <p:clrMapOvr>
     <a:masterClrMapping/>
   </p:clrMapOvr>
-  <mc:AlternateContent xmlns:mc="http://schemas.openxmlformats.org/markup-compatibility/2006">
-    <mc:Choice xmlns:p159="http://schemas.microsoft.com/office/powerpoint/2015/09/main" Requires="p159">
+  <mc:AlternateContent xmlns:mc="http://schemas.openxmlformats.org/markup-compatibility/2006" xmlns:p159="http://schemas.microsoft.com/office/powerpoint/2015/09/main">
+    <mc:Choice Requires="p159">
       <p:transition xmlns:p14="http://schemas.microsoft.com/office/powerpoint/2010/main" spd="slow" p14:dur="2000">
         <p159:morph option="byObject"/>
       </p:transition>
     </mc:Choice>
-    <mc:Fallback>
+    <mc:Fallback xmlns="">
       <p:transition spd="slow">
         <p:fade/>
       </p:transition>
@@ -4519,13 +7247,13 @@
   <p:clrMapOvr>
     <a:masterClrMapping/>
   </p:clrMapOvr>
-  <mc:AlternateContent xmlns:mc="http://schemas.openxmlformats.org/markup-compatibility/2006">
-    <mc:Choice xmlns:p159="http://schemas.microsoft.com/office/powerpoint/2015/09/main" Requires="p159">
+  <mc:AlternateContent xmlns:mc="http://schemas.openxmlformats.org/markup-compatibility/2006" xmlns:p159="http://schemas.microsoft.com/office/powerpoint/2015/09/main">
+    <mc:Choice Requires="p159">
       <p:transition xmlns:p14="http://schemas.microsoft.com/office/powerpoint/2010/main" spd="slow" p14:dur="2000">
         <p159:morph option="byObject"/>
       </p:transition>
     </mc:Choice>
-    <mc:Fallback>
+    <mc:Fallback xmlns="">
       <p:transition spd="slow">
         <p:fade/>
       </p:transition>
@@ -4683,13 +7411,13 @@
   <p:clrMapOvr>
     <a:masterClrMapping/>
   </p:clrMapOvr>
-  <mc:AlternateContent xmlns:mc="http://schemas.openxmlformats.org/markup-compatibility/2006">
-    <mc:Choice xmlns:p159="http://schemas.microsoft.com/office/powerpoint/2015/09/main" Requires="p159">
+  <mc:AlternateContent xmlns:mc="http://schemas.openxmlformats.org/markup-compatibility/2006" xmlns:p159="http://schemas.microsoft.com/office/powerpoint/2015/09/main">
+    <mc:Choice Requires="p159">
       <p:transition xmlns:p14="http://schemas.microsoft.com/office/powerpoint/2010/main" spd="slow" p14:dur="2000">
         <p159:morph option="byObject"/>
       </p:transition>
     </mc:Choice>
-    <mc:Fallback>
+    <mc:Fallback xmlns="">
       <p:transition spd="slow">
         <p:fade/>
       </p:transition>
@@ -4802,13 +7530,13 @@
   <p:clrMapOvr>
     <a:masterClrMapping/>
   </p:clrMapOvr>
-  <mc:AlternateContent xmlns:mc="http://schemas.openxmlformats.org/markup-compatibility/2006">
-    <mc:Choice xmlns:p159="http://schemas.microsoft.com/office/powerpoint/2015/09/main" Requires="p159">
+  <mc:AlternateContent xmlns:mc="http://schemas.openxmlformats.org/markup-compatibility/2006" xmlns:p159="http://schemas.microsoft.com/office/powerpoint/2015/09/main">
+    <mc:Choice Requires="p159">
       <p:transition xmlns:p14="http://schemas.microsoft.com/office/powerpoint/2010/main" spd="slow" p14:dur="2000">
         <p159:morph option="byObject"/>
       </p:transition>
     </mc:Choice>
-    <mc:Fallback>
+    <mc:Fallback xmlns="">
       <p:transition spd="slow">
         <p:fade/>
       </p:transition>
@@ -4924,13 +7652,13 @@
   <p:clrMapOvr>
     <a:masterClrMapping/>
   </p:clrMapOvr>
-  <mc:AlternateContent xmlns:mc="http://schemas.openxmlformats.org/markup-compatibility/2006">
-    <mc:Choice xmlns:p159="http://schemas.microsoft.com/office/powerpoint/2015/09/main" Requires="p159">
+  <mc:AlternateContent xmlns:mc="http://schemas.openxmlformats.org/markup-compatibility/2006" xmlns:p159="http://schemas.microsoft.com/office/powerpoint/2015/09/main">
+    <mc:Choice Requires="p159">
       <p:transition xmlns:p14="http://schemas.microsoft.com/office/powerpoint/2010/main" spd="slow" p14:dur="2000">
         <p159:morph option="byObject"/>
       </p:transition>
     </mc:Choice>
-    <mc:Fallback>
+    <mc:Fallback xmlns="">
       <p:transition spd="slow">
         <p:fade/>
       </p:transition>
@@ -5063,13 +7791,13 @@
   <p:clrMapOvr>
     <a:masterClrMapping/>
   </p:clrMapOvr>
-  <mc:AlternateContent xmlns:mc="http://schemas.openxmlformats.org/markup-compatibility/2006">
-    <mc:Choice xmlns:p159="http://schemas.microsoft.com/office/powerpoint/2015/09/main" Requires="p159">
+  <mc:AlternateContent xmlns:mc="http://schemas.openxmlformats.org/markup-compatibility/2006" xmlns:p159="http://schemas.microsoft.com/office/powerpoint/2015/09/main">
+    <mc:Choice Requires="p159">
       <p:transition xmlns:p14="http://schemas.microsoft.com/office/powerpoint/2010/main" spd="slow" p14:dur="2000">
         <p159:morph option="byObject"/>
       </p:transition>
     </mc:Choice>
-    <mc:Fallback>
+    <mc:Fallback xmlns="">
       <p:transition spd="slow">
         <p:fade/>
       </p:transition>
@@ -5079,9 +7807,9 @@
 </file>
 
 <file path=ppt/theme/theme1.xml><?xml version="1.0" encoding="utf-8"?>
-<a:theme xmlns:a="http://schemas.openxmlformats.org/drawingml/2006/main" name="Office Theme">
+<a:theme xmlns:a="http://schemas.openxmlformats.org/drawingml/2006/main" name="Ion">
   <a:themeElements>
-    <a:clrScheme name="Office">
+    <a:clrScheme name="Ion">
       <a:dk1>
         <a:sysClr val="windowText" lastClr="000000"/>
       </a:dk1>
@@ -5089,44 +7817,44 @@
         <a:sysClr val="window" lastClr="FFFFFF"/>
       </a:lt1>
       <a:dk2>
-        <a:srgbClr val="44546A"/>
+        <a:srgbClr val="1E5155"/>
       </a:dk2>
       <a:lt2>
-        <a:srgbClr val="E7E6E6"/>
+        <a:srgbClr val="EBEBEB"/>
       </a:lt2>
       <a:accent1>
-        <a:srgbClr val="4472C4"/>
+        <a:srgbClr val="B01513"/>
       </a:accent1>
       <a:accent2>
-        <a:srgbClr val="ED7D31"/>
+        <a:srgbClr val="EA6312"/>
       </a:accent2>
       <a:accent3>
-        <a:srgbClr val="A5A5A5"/>
+        <a:srgbClr val="E6B729"/>
       </a:accent3>
       <a:accent4>
-        <a:srgbClr val="FFC000"/>
+        <a:srgbClr val="6AAC90"/>
       </a:accent4>
       <a:accent5>
-        <a:srgbClr val="5B9BD5"/>
+        <a:srgbClr val="54849A"/>
       </a:accent5>
       <a:accent6>
-        <a:srgbClr val="70AD47"/>
+        <a:srgbClr val="9E5E9B"/>
       </a:accent6>
       <a:hlink>
-        <a:srgbClr val="0563C1"/>
+        <a:srgbClr val="58C1BA"/>
       </a:hlink>
       <a:folHlink>
-        <a:srgbClr val="954F72"/>
+        <a:srgbClr val="9DFFCB"/>
       </a:folHlink>
     </a:clrScheme>
-    <a:fontScheme name="Office">
+    <a:fontScheme name="Ion">
       <a:majorFont>
-        <a:latin typeface="Calibri Light" panose="020F0302020204030204"/>
+        <a:latin typeface="Century Gothic" panose="020B0502020202020204"/>
         <a:ea typeface=""/>
         <a:cs typeface=""/>
-        <a:font script="Jpan" typeface="游ゴシック Light"/>
+        <a:font script="Jpan" typeface="メイリオ"/>
         <a:font script="Hang" typeface="맑은 고딕"/>
-        <a:font script="Hans" typeface="等线 Light"/>
+        <a:font script="Hans" typeface="宋体"/>
         <a:font script="Hant" typeface="新細明體"/>
         <a:font script="Arab" typeface="Times New Roman"/>
         <a:font script="Hebr" typeface="Times New Roman"/>
@@ -5154,31 +7882,14 @@
         <a:font script="Viet" typeface="Times New Roman"/>
         <a:font script="Uigh" typeface="Microsoft Uighur"/>
         <a:font script="Geor" typeface="Sylfaen"/>
-        <a:font script="Armn" typeface="Arial"/>
-        <a:font script="Bugi" typeface="Leelawadee UI"/>
-        <a:font script="Bopo" typeface="Microsoft JhengHei"/>
-        <a:font script="Java" typeface="Javanese Text"/>
-        <a:font script="Lisu" typeface="Segoe UI"/>
-        <a:font script="Mymr" typeface="Myanmar Text"/>
-        <a:font script="Nkoo" typeface="Ebrima"/>
-        <a:font script="Olck" typeface="Nirmala UI"/>
-        <a:font script="Osma" typeface="Ebrima"/>
-        <a:font script="Phag" typeface="Phagspa"/>
-        <a:font script="Syrn" typeface="Estrangelo Edessa"/>
-        <a:font script="Syrj" typeface="Estrangelo Edessa"/>
-        <a:font script="Syre" typeface="Estrangelo Edessa"/>
-        <a:font script="Sora" typeface="Nirmala UI"/>
-        <a:font script="Tale" typeface="Microsoft Tai Le"/>
-        <a:font script="Talu" typeface="Microsoft New Tai Lue"/>
-        <a:font script="Tfng" typeface="Ebrima"/>
       </a:majorFont>
       <a:minorFont>
-        <a:latin typeface="Calibri" panose="020F0502020204030204"/>
+        <a:latin typeface="Century Gothic" panose="020B0502020202020204"/>
         <a:ea typeface=""/>
         <a:cs typeface=""/>
-        <a:font script="Jpan" typeface="游ゴシック"/>
+        <a:font script="Jpan" typeface="メイリオ"/>
         <a:font script="Hang" typeface="맑은 고딕"/>
-        <a:font script="Hans" typeface="等线"/>
+        <a:font script="Hans" typeface="宋体"/>
         <a:font script="Hant" typeface="新細明體"/>
         <a:font script="Arab" typeface="Arial"/>
         <a:font script="Hebr" typeface="Arial"/>
@@ -5206,26 +7917,9 @@
         <a:font script="Viet" typeface="Arial"/>
         <a:font script="Uigh" typeface="Microsoft Uighur"/>
         <a:font script="Geor" typeface="Sylfaen"/>
-        <a:font script="Armn" typeface="Arial"/>
-        <a:font script="Bugi" typeface="Leelawadee UI"/>
-        <a:font script="Bopo" typeface="Microsoft JhengHei"/>
-        <a:font script="Java" typeface="Javanese Text"/>
-        <a:font script="Lisu" typeface="Segoe UI"/>
-        <a:font script="Mymr" typeface="Myanmar Text"/>
-        <a:font script="Nkoo" typeface="Ebrima"/>
-        <a:font script="Olck" typeface="Nirmala UI"/>
-        <a:font script="Osma" typeface="Ebrima"/>
-        <a:font script="Phag" typeface="Phagspa"/>
-        <a:font script="Syrn" typeface="Estrangelo Edessa"/>
-        <a:font script="Syrj" typeface="Estrangelo Edessa"/>
-        <a:font script="Syre" typeface="Estrangelo Edessa"/>
-        <a:font script="Sora" typeface="Nirmala UI"/>
-        <a:font script="Tale" typeface="Microsoft Tai Le"/>
-        <a:font script="Talu" typeface="Microsoft New Tai Lue"/>
-        <a:font script="Tfng" typeface="Ebrima"/>
       </a:minorFont>
     </a:fontScheme>
-    <a:fmtScheme name="Office">
+    <a:fmtScheme name="Ion">
       <a:fillStyleLst>
         <a:solidFill>
           <a:schemeClr val="phClr"/>
@@ -5234,23 +7928,15 @@
           <a:gsLst>
             <a:gs pos="0">
               <a:schemeClr val="phClr">
-                <a:lumMod val="110000"/>
-                <a:satMod val="105000"/>
-                <a:tint val="67000"/>
-              </a:schemeClr>
-            </a:gs>
-            <a:gs pos="50000">
-              <a:schemeClr val="phClr">
-                <a:lumMod val="105000"/>
-                <a:satMod val="103000"/>
-                <a:tint val="73000"/>
+                <a:tint val="64000"/>
+                <a:lumMod val="118000"/>
               </a:schemeClr>
             </a:gs>
             <a:gs pos="100000">
               <a:schemeClr val="phClr">
-                <a:lumMod val="105000"/>
-                <a:satMod val="109000"/>
-                <a:tint val="81000"/>
+                <a:tint val="92000"/>
+                <a:alpha val="100000"/>
+                <a:lumMod val="110000"/>
               </a:schemeClr>
             </a:gs>
           </a:gsLst>
@@ -5260,23 +7946,14 @@
           <a:gsLst>
             <a:gs pos="0">
               <a:schemeClr val="phClr">
-                <a:satMod val="103000"/>
-                <a:lumMod val="102000"/>
-                <a:tint val="94000"/>
-              </a:schemeClr>
-            </a:gs>
-            <a:gs pos="50000">
-              <a:schemeClr val="phClr">
-                <a:satMod val="110000"/>
-                <a:lumMod val="100000"/>
-                <a:shade val="100000"/>
+                <a:tint val="98000"/>
+                <a:lumMod val="114000"/>
               </a:schemeClr>
             </a:gs>
             <a:gs pos="100000">
               <a:schemeClr val="phClr">
-                <a:lumMod val="99000"/>
-                <a:satMod val="120000"/>
-                <a:shade val="78000"/>
+                <a:shade val="90000"/>
+                <a:lumMod val="84000"/>
               </a:schemeClr>
             </a:gs>
           </a:gsLst>
@@ -5284,26 +7961,23 @@
         </a:gradFill>
       </a:fillStyleLst>
       <a:lnStyleLst>
-        <a:ln w="6350" cap="flat" cmpd="sng" algn="ctr">
+        <a:ln w="9525" cap="rnd" cmpd="sng" algn="ctr">
           <a:solidFill>
             <a:schemeClr val="phClr"/>
           </a:solidFill>
           <a:prstDash val="solid"/>
-          <a:miter lim="800000"/>
         </a:ln>
-        <a:ln w="12700" cap="flat" cmpd="sng" algn="ctr">
+        <a:ln w="19050" cap="rnd" cmpd="sng" algn="ctr">
           <a:solidFill>
             <a:schemeClr val="phClr"/>
           </a:solidFill>
           <a:prstDash val="solid"/>
-          <a:miter lim="800000"/>
         </a:ln>
-        <a:ln w="19050" cap="flat" cmpd="sng" algn="ctr">
+        <a:ln w="28575" cap="rnd" cmpd="sng" algn="ctr">
           <a:solidFill>
             <a:schemeClr val="phClr"/>
           </a:solidFill>
           <a:prstDash val="solid"/>
-          <a:miter lim="800000"/>
         </a:ln>
       </a:lnStyleLst>
       <a:effectStyleLst>
@@ -5311,55 +7985,80 @@
           <a:effectLst/>
         </a:effectStyle>
         <a:effectStyle>
-          <a:effectLst/>
+          <a:effectLst>
+            <a:outerShdw blurRad="38100" dist="25400" dir="5400000" rotWithShape="0">
+              <a:srgbClr val="000000">
+                <a:alpha val="45000"/>
+              </a:srgbClr>
+            </a:outerShdw>
+          </a:effectLst>
         </a:effectStyle>
         <a:effectStyle>
           <a:effectLst>
-            <a:outerShdw blurRad="57150" dist="19050" dir="5400000" algn="ctr" rotWithShape="0">
+            <a:outerShdw blurRad="63500" dist="38100" dir="5400000" rotWithShape="0">
               <a:srgbClr val="000000">
-                <a:alpha val="63000"/>
+                <a:alpha val="60000"/>
               </a:srgbClr>
             </a:outerShdw>
           </a:effectLst>
+          <a:scene3d>
+            <a:camera prst="orthographicFront">
+              <a:rot lat="0" lon="0" rev="0"/>
+            </a:camera>
+            <a:lightRig rig="threePt" dir="tl"/>
+          </a:scene3d>
+          <a:sp3d prstMaterial="plastic">
+            <a:bevelT w="0" h="0"/>
+          </a:sp3d>
         </a:effectStyle>
       </a:effectStyleLst>
       <a:bgFillStyleLst>
         <a:solidFill>
           <a:schemeClr val="phClr"/>
         </a:solidFill>
-        <a:solidFill>
-          <a:schemeClr val="phClr">
-            <a:tint val="95000"/>
-            <a:satMod val="170000"/>
-          </a:schemeClr>
-        </a:solidFill>
         <a:gradFill rotWithShape="1">
           <a:gsLst>
             <a:gs pos="0">
               <a:schemeClr val="phClr">
-                <a:tint val="93000"/>
-                <a:satMod val="150000"/>
-                <a:shade val="98000"/>
-                <a:lumMod val="102000"/>
-              </a:schemeClr>
-            </a:gs>
-            <a:gs pos="50000">
-              <a:schemeClr val="phClr">
-                <a:tint val="98000"/>
+                <a:tint val="97000"/>
+                <a:hueMod val="88000"/>
                 <a:satMod val="130000"/>
-                <a:shade val="90000"/>
-                <a:lumMod val="103000"/>
+                <a:lumMod val="124000"/>
               </a:schemeClr>
             </a:gs>
             <a:gs pos="100000">
               <a:schemeClr val="phClr">
-                <a:shade val="63000"/>
-                <a:satMod val="120000"/>
+                <a:tint val="96000"/>
+                <a:shade val="88000"/>
+                <a:hueMod val="108000"/>
+                <a:satMod val="164000"/>
+                <a:lumMod val="76000"/>
               </a:schemeClr>
             </a:gs>
           </a:gsLst>
-          <a:lin ang="5400000" scaled="0"/>
+          <a:path path="circle">
+            <a:fillToRect l="45000" t="65000" r="125000" b="100000"/>
+          </a:path>
         </a:gradFill>
+        <a:blipFill rotWithShape="1">
+          <a:blip xmlns:r="http://schemas.openxmlformats.org/officeDocument/2006/relationships" r:embed="rId1">
+            <a:duotone>
+              <a:schemeClr val="phClr">
+                <a:shade val="69000"/>
+                <a:hueMod val="108000"/>
+                <a:satMod val="164000"/>
+                <a:lumMod val="74000"/>
+              </a:schemeClr>
+              <a:schemeClr val="phClr">
+                <a:tint val="96000"/>
+                <a:hueMod val="88000"/>
+                <a:satMod val="140000"/>
+                <a:lumMod val="132000"/>
+              </a:schemeClr>
+            </a:duotone>
+          </a:blip>
+          <a:stretch/>
+        </a:blipFill>
       </a:bgFillStyleLst>
     </a:fmtScheme>
   </a:themeElements>
@@ -5367,7 +8066,7 @@
   <a:extraClrSchemeLst/>
   <a:extLst>
     <a:ext uri="{05A4C25C-085E-4340-85A3-A5531E510DB2}">
-      <thm15:themeFamily xmlns:thm15="http://schemas.microsoft.com/office/thememl/2012/main" name="Office Theme" id="{62F939B6-93AF-4DB8-9C6B-D6C7DFDC589F}" vid="{4A3C46E8-61CC-4603-A589-7422A47A8E4A}"/>
+      <thm15:themeFamily xmlns:thm15="http://schemas.microsoft.com/office/thememl/2012/main" name="Ion" id="{B8441ADB-2E43-4AF7-B97A-BD870242C6A8}" vid="{292E63A9-BB86-4E3D-B92A-7223C6510D2E}"/>
     </a:ext>
   </a:extLst>
 </a:theme>
